--- a/poseidon/docs/Presentation.pptx
+++ b/poseidon/docs/Presentation.pptx
@@ -3,12 +3,14 @@
 <p:presentation xmlns:a="http://schemas.openxmlformats.org/drawingml/2006/main" xmlns:p="http://schemas.openxmlformats.org/presentationml/2006/main" xmlns:r="http://schemas.openxmlformats.org/officeDocument/2006/relationships" xmlns:p14="http://schemas.microsoft.com/office/powerpoint/2010/main" xmlns:p15="http://schemas.microsoft.com/office/powerpoint/2012/main" xmlns:mc="http://schemas.openxmlformats.org/markup-compatibility/2006">
   <p:sldMasterIdLst>
     <p:sldMasterId id="2147483648" r:id="rId2"/>
+    <p:sldMasterId id="2147483661" r:id="rId3"/>
   </p:sldMasterIdLst>
   <p:sldIdLst>
-    <p:sldId id="256" r:id="rId3"/>
-    <p:sldId id="257" r:id="rId4"/>
-    <p:sldId id="258" r:id="rId5"/>
-    <p:sldId id="259" r:id="rId6"/>
+    <p:sldId id="256" r:id="rId4"/>
+    <p:sldId id="257" r:id="rId5"/>
+    <p:sldId id="258" r:id="rId6"/>
+    <p:sldId id="259" r:id="rId7"/>
+    <p:sldId id="260" r:id="rId8"/>
   </p:sldIdLst>
   <p:sldSz cx="10080625" cy="7559675"/>
   <p:notesSz cx="7772400" cy="10058400"/>
@@ -56,7 +58,7 @@
       </p:grpSpPr>
       <p:sp>
         <p:nvSpPr>
-          <p:cNvPr id="26" name="PlaceHolder 1"/>
+          <p:cNvPr id="23" name="PlaceHolder 1"/>
           <p:cNvSpPr>
             <a:spLocks noGrp="1"/>
           </p:cNvSpPr>
@@ -67,7 +69,7 @@
         <p:spPr>
           <a:xfrm>
             <a:off x="504000" y="301320"/>
-            <a:ext cx="9071640" cy="1262160"/>
+            <a:ext cx="9071280" cy="1261800"/>
           </a:xfrm>
           <a:prstGeom prst="rect">
             <a:avLst/>
@@ -93,7 +95,7 @@
       </p:sp>
       <p:sp>
         <p:nvSpPr>
-          <p:cNvPr id="27" name="PlaceHolder 2"/>
+          <p:cNvPr id="24" name="PlaceHolder 2"/>
           <p:cNvSpPr>
             <a:spLocks noGrp="1"/>
           </p:cNvSpPr>
@@ -104,7 +106,7 @@
         <p:spPr>
           <a:xfrm>
             <a:off x="504000" y="1769040"/>
-            <a:ext cx="9071640" cy="2091240"/>
+            <a:ext cx="9071280" cy="2090880"/>
           </a:xfrm>
           <a:prstGeom prst="rect">
             <a:avLst/>
@@ -129,7 +131,7 @@
       </p:sp>
       <p:sp>
         <p:nvSpPr>
-          <p:cNvPr id="28" name="PlaceHolder 3"/>
+          <p:cNvPr id="25" name="PlaceHolder 3"/>
           <p:cNvSpPr>
             <a:spLocks noGrp="1"/>
           </p:cNvSpPr>
@@ -139,8 +141,8 @@
         </p:nvSpPr>
         <p:spPr>
           <a:xfrm>
-            <a:off x="504000" y="4059360"/>
-            <a:ext cx="9071640" cy="2091240"/>
+            <a:off x="504000" y="4059000"/>
+            <a:ext cx="9071280" cy="2090880"/>
           </a:xfrm>
           <a:prstGeom prst="rect">
             <a:avLst/>
@@ -187,7 +189,7 @@
       </p:grpSpPr>
       <p:sp>
         <p:nvSpPr>
-          <p:cNvPr id="29" name="PlaceHolder 1"/>
+          <p:cNvPr id="26" name="PlaceHolder 1"/>
           <p:cNvSpPr>
             <a:spLocks noGrp="1"/>
           </p:cNvSpPr>
@@ -198,7 +200,7 @@
         <p:spPr>
           <a:xfrm>
             <a:off x="504000" y="301320"/>
-            <a:ext cx="9071640" cy="1262160"/>
+            <a:ext cx="9071280" cy="1261800"/>
           </a:xfrm>
           <a:prstGeom prst="rect">
             <a:avLst/>
@@ -224,7 +226,7 @@
       </p:sp>
       <p:sp>
         <p:nvSpPr>
-          <p:cNvPr id="30" name="PlaceHolder 2"/>
+          <p:cNvPr id="27" name="PlaceHolder 2"/>
           <p:cNvSpPr>
             <a:spLocks noGrp="1"/>
           </p:cNvSpPr>
@@ -235,7 +237,7 @@
         <p:spPr>
           <a:xfrm>
             <a:off x="504000" y="1769040"/>
-            <a:ext cx="4426920" cy="2091240"/>
+            <a:ext cx="4426560" cy="2090880"/>
           </a:xfrm>
           <a:prstGeom prst="rect">
             <a:avLst/>
@@ -260,7 +262,7 @@
       </p:sp>
       <p:sp>
         <p:nvSpPr>
-          <p:cNvPr id="31" name="PlaceHolder 3"/>
+          <p:cNvPr id="28" name="PlaceHolder 3"/>
           <p:cNvSpPr>
             <a:spLocks noGrp="1"/>
           </p:cNvSpPr>
@@ -270,8 +272,8 @@
         </p:nvSpPr>
         <p:spPr>
           <a:xfrm>
-            <a:off x="5152680" y="1769040"/>
-            <a:ext cx="4426920" cy="2091240"/>
+            <a:off x="5152320" y="1769040"/>
+            <a:ext cx="4426560" cy="2090880"/>
           </a:xfrm>
           <a:prstGeom prst="rect">
             <a:avLst/>
@@ -296,7 +298,7 @@
       </p:sp>
       <p:sp>
         <p:nvSpPr>
-          <p:cNvPr id="32" name="PlaceHolder 4"/>
+          <p:cNvPr id="29" name="PlaceHolder 4"/>
           <p:cNvSpPr>
             <a:spLocks noGrp="1"/>
           </p:cNvSpPr>
@@ -306,8 +308,8 @@
         </p:nvSpPr>
         <p:spPr>
           <a:xfrm>
-            <a:off x="5152680" y="4059360"/>
-            <a:ext cx="4426920" cy="2091240"/>
+            <a:off x="5152320" y="4059000"/>
+            <a:ext cx="4426560" cy="2090880"/>
           </a:xfrm>
           <a:prstGeom prst="rect">
             <a:avLst/>
@@ -332,7 +334,7 @@
       </p:sp>
       <p:sp>
         <p:nvSpPr>
-          <p:cNvPr id="33" name="PlaceHolder 5"/>
+          <p:cNvPr id="30" name="PlaceHolder 5"/>
           <p:cNvSpPr>
             <a:spLocks noGrp="1"/>
           </p:cNvSpPr>
@@ -342,8 +344,8 @@
         </p:nvSpPr>
         <p:spPr>
           <a:xfrm>
-            <a:off x="504000" y="4059360"/>
-            <a:ext cx="4426920" cy="2091240"/>
+            <a:off x="504000" y="4059000"/>
+            <a:ext cx="4426560" cy="2090880"/>
           </a:xfrm>
           <a:prstGeom prst="rect">
             <a:avLst/>
@@ -390,7 +392,7 @@
       </p:grpSpPr>
       <p:sp>
         <p:nvSpPr>
-          <p:cNvPr id="34" name="PlaceHolder 1"/>
+          <p:cNvPr id="31" name="PlaceHolder 1"/>
           <p:cNvSpPr>
             <a:spLocks noGrp="1"/>
           </p:cNvSpPr>
@@ -401,7 +403,7 @@
         <p:spPr>
           <a:xfrm>
             <a:off x="504000" y="301320"/>
-            <a:ext cx="9071640" cy="1262160"/>
+            <a:ext cx="9071280" cy="1261800"/>
           </a:xfrm>
           <a:prstGeom prst="rect">
             <a:avLst/>
@@ -427,7 +429,7 @@
       </p:sp>
       <p:sp>
         <p:nvSpPr>
-          <p:cNvPr id="35" name="PlaceHolder 2"/>
+          <p:cNvPr id="32" name="PlaceHolder 2"/>
           <p:cNvSpPr>
             <a:spLocks noGrp="1"/>
           </p:cNvSpPr>
@@ -438,7 +440,7 @@
         <p:spPr>
           <a:xfrm>
             <a:off x="504000" y="1769040"/>
-            <a:ext cx="9071640" cy="4384440"/>
+            <a:ext cx="9071280" cy="4384080"/>
           </a:xfrm>
           <a:prstGeom prst="rect">
             <a:avLst/>
@@ -463,7 +465,7 @@
       </p:sp>
       <p:sp>
         <p:nvSpPr>
-          <p:cNvPr id="36" name="PlaceHolder 3"/>
+          <p:cNvPr id="33" name="PlaceHolder 3"/>
           <p:cNvSpPr>
             <a:spLocks noGrp="1"/>
           </p:cNvSpPr>
@@ -474,7 +476,7 @@
         <p:spPr>
           <a:xfrm>
             <a:off x="504000" y="1769040"/>
-            <a:ext cx="9071640" cy="4384440"/>
+            <a:ext cx="9071280" cy="4384080"/>
           </a:xfrm>
           <a:prstGeom prst="rect">
             <a:avLst/>
@@ -499,7 +501,7 @@
       </p:sp>
       <p:pic>
         <p:nvPicPr>
-          <p:cNvPr id="37" name="" descr=""/>
+          <p:cNvPr id="34" name="" descr=""/>
           <p:cNvPicPr/>
           <p:nvPr/>
         </p:nvPicPr>
@@ -509,8 +511,8 @@
         </p:blipFill>
         <p:spPr>
           <a:xfrm>
-            <a:off x="2292120" y="1768680"/>
-            <a:ext cx="5495040" cy="4384440"/>
+            <a:off x="2292120" y="1769040"/>
+            <a:ext cx="5494680" cy="4384080"/>
           </a:xfrm>
           <a:prstGeom prst="rect">
             <a:avLst/>
@@ -522,7 +524,7 @@
       </p:pic>
       <p:pic>
         <p:nvPicPr>
-          <p:cNvPr id="38" name="" descr=""/>
+          <p:cNvPr id="35" name="" descr=""/>
           <p:cNvPicPr/>
           <p:nvPr/>
         </p:nvPicPr>
@@ -532,8 +534,8 @@
         </p:blipFill>
         <p:spPr>
           <a:xfrm>
-            <a:off x="2292120" y="1768680"/>
-            <a:ext cx="5495040" cy="4384440"/>
+            <a:off x="2292120" y="1769040"/>
+            <a:ext cx="5494680" cy="4384080"/>
           </a:xfrm>
           <a:prstGeom prst="rect">
             <a:avLst/>
@@ -543,6 +545,635 @@
           </a:ln>
         </p:spPr>
       </p:pic>
+    </p:spTree>
+  </p:cSld>
+</p:sldLayout>
+</file>
+
+<file path=ppt/slideLayouts/slideLayout13.xml><?xml version="1.0" encoding="utf-8"?>
+<p:sldLayout xmlns:a="http://schemas.openxmlformats.org/drawingml/2006/main" xmlns:p="http://schemas.openxmlformats.org/presentationml/2006/main" xmlns:r="http://schemas.openxmlformats.org/officeDocument/2006/relationships" xmlns:p14="http://schemas.microsoft.com/office/powerpoint/2010/main" xmlns:p15="http://schemas.microsoft.com/office/powerpoint/2012/main" xmlns:mc="http://schemas.openxmlformats.org/markup-compatibility/2006" type="blank" preserve="1">
+  <p:cSld name="Blank Slide">
+    <p:spTree>
+      <p:nvGrpSpPr>
+        <p:cNvPr id="1" name=""/>
+        <p:cNvGrpSpPr/>
+        <p:nvPr/>
+      </p:nvGrpSpPr>
+      <p:grpSpPr>
+        <a:xfrm>
+          <a:off x="0" y="0"/>
+          <a:ext cx="0" cy="0"/>
+          <a:chOff x="0" y="0"/>
+          <a:chExt cx="0" cy="0"/>
+        </a:xfrm>
+      </p:grpSpPr>
+    </p:spTree>
+  </p:cSld>
+</p:sldLayout>
+</file>
+
+<file path=ppt/slideLayouts/slideLayout14.xml><?xml version="1.0" encoding="utf-8"?>
+<p:sldLayout xmlns:a="http://schemas.openxmlformats.org/drawingml/2006/main" xmlns:p="http://schemas.openxmlformats.org/presentationml/2006/main" xmlns:r="http://schemas.openxmlformats.org/officeDocument/2006/relationships" xmlns:p14="http://schemas.microsoft.com/office/powerpoint/2010/main" xmlns:p15="http://schemas.microsoft.com/office/powerpoint/2012/main" xmlns:mc="http://schemas.openxmlformats.org/markup-compatibility/2006" type="tx" preserve="1">
+  <p:cSld name="Title Slide">
+    <p:spTree>
+      <p:nvGrpSpPr>
+        <p:cNvPr id="1" name=""/>
+        <p:cNvGrpSpPr/>
+        <p:nvPr/>
+      </p:nvGrpSpPr>
+      <p:grpSpPr>
+        <a:xfrm>
+          <a:off x="0" y="0"/>
+          <a:ext cx="0" cy="0"/>
+          <a:chOff x="0" y="0"/>
+          <a:chExt cx="0" cy="0"/>
+        </a:xfrm>
+      </p:grpSpPr>
+      <p:sp>
+        <p:nvSpPr>
+          <p:cNvPr id="38" name="PlaceHolder 1"/>
+          <p:cNvSpPr>
+            <a:spLocks noGrp="1"/>
+          </p:cNvSpPr>
+          <p:nvPr>
+            <p:ph type="title"/>
+          </p:nvPr>
+        </p:nvSpPr>
+        <p:spPr>
+          <a:xfrm>
+            <a:off x="504000" y="301320"/>
+            <a:ext cx="9071280" cy="1261800"/>
+          </a:xfrm>
+          <a:prstGeom prst="rect">
+            <a:avLst/>
+          </a:prstGeom>
+        </p:spPr>
+        <p:txBody>
+          <a:bodyPr lIns="0" rIns="0" tIns="0" bIns="0" anchor="ctr"/>
+          <a:p>
+            <a:pPr algn="ctr"/>
+            <a:endParaRPr b="0" lang="en-US" sz="4400" spc="-1" strike="noStrike">
+              <a:solidFill>
+                <a:srgbClr val="000000"/>
+              </a:solidFill>
+              <a:uFill>
+                <a:solidFill>
+                  <a:srgbClr val="ffffff"/>
+                </a:solidFill>
+              </a:uFill>
+              <a:latin typeface="Arial"/>
+            </a:endParaRPr>
+          </a:p>
+        </p:txBody>
+      </p:sp>
+      <p:sp>
+        <p:nvSpPr>
+          <p:cNvPr id="39" name="PlaceHolder 2"/>
+          <p:cNvSpPr>
+            <a:spLocks noGrp="1"/>
+          </p:cNvSpPr>
+          <p:nvPr>
+            <p:ph type="subTitle"/>
+          </p:nvPr>
+        </p:nvSpPr>
+        <p:spPr>
+          <a:xfrm>
+            <a:off x="504000" y="1769040"/>
+            <a:ext cx="9071280" cy="4384080"/>
+          </a:xfrm>
+          <a:prstGeom prst="rect">
+            <a:avLst/>
+          </a:prstGeom>
+        </p:spPr>
+        <p:txBody>
+          <a:bodyPr lIns="0" rIns="0" tIns="0" bIns="0" anchor="ctr"/>
+          <a:p>
+            <a:pPr algn="ctr"/>
+            <a:endParaRPr b="0" lang="en-US" sz="3200" spc="-1" strike="noStrike">
+              <a:solidFill>
+                <a:srgbClr val="000000"/>
+              </a:solidFill>
+              <a:uFill>
+                <a:solidFill>
+                  <a:srgbClr val="ffffff"/>
+                </a:solidFill>
+              </a:uFill>
+              <a:latin typeface="Arial"/>
+            </a:endParaRPr>
+          </a:p>
+        </p:txBody>
+      </p:sp>
+    </p:spTree>
+  </p:cSld>
+</p:sldLayout>
+</file>
+
+<file path=ppt/slideLayouts/slideLayout15.xml><?xml version="1.0" encoding="utf-8"?>
+<p:sldLayout xmlns:a="http://schemas.openxmlformats.org/drawingml/2006/main" xmlns:p="http://schemas.openxmlformats.org/presentationml/2006/main" xmlns:r="http://schemas.openxmlformats.org/officeDocument/2006/relationships" xmlns:p14="http://schemas.microsoft.com/office/powerpoint/2010/main" xmlns:p15="http://schemas.microsoft.com/office/powerpoint/2012/main" xmlns:mc="http://schemas.openxmlformats.org/markup-compatibility/2006" type="obj" preserve="1">
+  <p:cSld name="Title, Content">
+    <p:spTree>
+      <p:nvGrpSpPr>
+        <p:cNvPr id="1" name=""/>
+        <p:cNvGrpSpPr/>
+        <p:nvPr/>
+      </p:nvGrpSpPr>
+      <p:grpSpPr>
+        <a:xfrm>
+          <a:off x="0" y="0"/>
+          <a:ext cx="0" cy="0"/>
+          <a:chOff x="0" y="0"/>
+          <a:chExt cx="0" cy="0"/>
+        </a:xfrm>
+      </p:grpSpPr>
+      <p:sp>
+        <p:nvSpPr>
+          <p:cNvPr id="40" name="PlaceHolder 1"/>
+          <p:cNvSpPr>
+            <a:spLocks noGrp="1"/>
+          </p:cNvSpPr>
+          <p:nvPr>
+            <p:ph type="title"/>
+          </p:nvPr>
+        </p:nvSpPr>
+        <p:spPr>
+          <a:xfrm>
+            <a:off x="504000" y="301320"/>
+            <a:ext cx="9071280" cy="1261800"/>
+          </a:xfrm>
+          <a:prstGeom prst="rect">
+            <a:avLst/>
+          </a:prstGeom>
+        </p:spPr>
+        <p:txBody>
+          <a:bodyPr lIns="0" rIns="0" tIns="0" bIns="0" anchor="ctr"/>
+          <a:p>
+            <a:pPr algn="ctr"/>
+            <a:endParaRPr b="0" lang="en-US" sz="4400" spc="-1" strike="noStrike">
+              <a:solidFill>
+                <a:srgbClr val="000000"/>
+              </a:solidFill>
+              <a:uFill>
+                <a:solidFill>
+                  <a:srgbClr val="ffffff"/>
+                </a:solidFill>
+              </a:uFill>
+              <a:latin typeface="Arial"/>
+            </a:endParaRPr>
+          </a:p>
+        </p:txBody>
+      </p:sp>
+      <p:sp>
+        <p:nvSpPr>
+          <p:cNvPr id="41" name="PlaceHolder 2"/>
+          <p:cNvSpPr>
+            <a:spLocks noGrp="1"/>
+          </p:cNvSpPr>
+          <p:nvPr>
+            <p:ph type="body"/>
+          </p:nvPr>
+        </p:nvSpPr>
+        <p:spPr>
+          <a:xfrm>
+            <a:off x="504000" y="1769040"/>
+            <a:ext cx="9071280" cy="4384080"/>
+          </a:xfrm>
+          <a:prstGeom prst="rect">
+            <a:avLst/>
+          </a:prstGeom>
+        </p:spPr>
+        <p:txBody>
+          <a:bodyPr lIns="0" rIns="0" tIns="0" bIns="0"/>
+          <a:p>
+            <a:endParaRPr b="0" lang="en-US" sz="3200" spc="-1" strike="noStrike">
+              <a:solidFill>
+                <a:srgbClr val="000000"/>
+              </a:solidFill>
+              <a:uFill>
+                <a:solidFill>
+                  <a:srgbClr val="ffffff"/>
+                </a:solidFill>
+              </a:uFill>
+              <a:latin typeface="Arial"/>
+            </a:endParaRPr>
+          </a:p>
+        </p:txBody>
+      </p:sp>
+    </p:spTree>
+  </p:cSld>
+</p:sldLayout>
+</file>
+
+<file path=ppt/slideLayouts/slideLayout16.xml><?xml version="1.0" encoding="utf-8"?>
+<p:sldLayout xmlns:a="http://schemas.openxmlformats.org/drawingml/2006/main" xmlns:p="http://schemas.openxmlformats.org/presentationml/2006/main" xmlns:r="http://schemas.openxmlformats.org/officeDocument/2006/relationships" xmlns:p14="http://schemas.microsoft.com/office/powerpoint/2010/main" xmlns:p15="http://schemas.microsoft.com/office/powerpoint/2012/main" xmlns:mc="http://schemas.openxmlformats.org/markup-compatibility/2006" type="twoObj" preserve="1">
+  <p:cSld name="Title, 2 Content">
+    <p:spTree>
+      <p:nvGrpSpPr>
+        <p:cNvPr id="1" name=""/>
+        <p:cNvGrpSpPr/>
+        <p:nvPr/>
+      </p:nvGrpSpPr>
+      <p:grpSpPr>
+        <a:xfrm>
+          <a:off x="0" y="0"/>
+          <a:ext cx="0" cy="0"/>
+          <a:chOff x="0" y="0"/>
+          <a:chExt cx="0" cy="0"/>
+        </a:xfrm>
+      </p:grpSpPr>
+      <p:sp>
+        <p:nvSpPr>
+          <p:cNvPr id="42" name="PlaceHolder 1"/>
+          <p:cNvSpPr>
+            <a:spLocks noGrp="1"/>
+          </p:cNvSpPr>
+          <p:nvPr>
+            <p:ph type="title"/>
+          </p:nvPr>
+        </p:nvSpPr>
+        <p:spPr>
+          <a:xfrm>
+            <a:off x="504000" y="301320"/>
+            <a:ext cx="9071280" cy="1261800"/>
+          </a:xfrm>
+          <a:prstGeom prst="rect">
+            <a:avLst/>
+          </a:prstGeom>
+        </p:spPr>
+        <p:txBody>
+          <a:bodyPr lIns="0" rIns="0" tIns="0" bIns="0" anchor="ctr"/>
+          <a:p>
+            <a:pPr algn="ctr"/>
+            <a:endParaRPr b="0" lang="en-US" sz="4400" spc="-1" strike="noStrike">
+              <a:solidFill>
+                <a:srgbClr val="000000"/>
+              </a:solidFill>
+              <a:uFill>
+                <a:solidFill>
+                  <a:srgbClr val="ffffff"/>
+                </a:solidFill>
+              </a:uFill>
+              <a:latin typeface="Arial"/>
+            </a:endParaRPr>
+          </a:p>
+        </p:txBody>
+      </p:sp>
+      <p:sp>
+        <p:nvSpPr>
+          <p:cNvPr id="43" name="PlaceHolder 2"/>
+          <p:cNvSpPr>
+            <a:spLocks noGrp="1"/>
+          </p:cNvSpPr>
+          <p:nvPr>
+            <p:ph type="body"/>
+          </p:nvPr>
+        </p:nvSpPr>
+        <p:spPr>
+          <a:xfrm>
+            <a:off x="504000" y="1769040"/>
+            <a:ext cx="4426560" cy="4384080"/>
+          </a:xfrm>
+          <a:prstGeom prst="rect">
+            <a:avLst/>
+          </a:prstGeom>
+        </p:spPr>
+        <p:txBody>
+          <a:bodyPr lIns="0" rIns="0" tIns="0" bIns="0"/>
+          <a:p>
+            <a:endParaRPr b="0" lang="en-US" sz="3200" spc="-1" strike="noStrike">
+              <a:solidFill>
+                <a:srgbClr val="000000"/>
+              </a:solidFill>
+              <a:uFill>
+                <a:solidFill>
+                  <a:srgbClr val="ffffff"/>
+                </a:solidFill>
+              </a:uFill>
+              <a:latin typeface="Arial"/>
+            </a:endParaRPr>
+          </a:p>
+        </p:txBody>
+      </p:sp>
+      <p:sp>
+        <p:nvSpPr>
+          <p:cNvPr id="44" name="PlaceHolder 3"/>
+          <p:cNvSpPr>
+            <a:spLocks noGrp="1"/>
+          </p:cNvSpPr>
+          <p:nvPr>
+            <p:ph type="body"/>
+          </p:nvPr>
+        </p:nvSpPr>
+        <p:spPr>
+          <a:xfrm>
+            <a:off x="5152320" y="1769040"/>
+            <a:ext cx="4426560" cy="4384080"/>
+          </a:xfrm>
+          <a:prstGeom prst="rect">
+            <a:avLst/>
+          </a:prstGeom>
+        </p:spPr>
+        <p:txBody>
+          <a:bodyPr lIns="0" rIns="0" tIns="0" bIns="0"/>
+          <a:p>
+            <a:endParaRPr b="0" lang="en-US" sz="3200" spc="-1" strike="noStrike">
+              <a:solidFill>
+                <a:srgbClr val="000000"/>
+              </a:solidFill>
+              <a:uFill>
+                <a:solidFill>
+                  <a:srgbClr val="ffffff"/>
+                </a:solidFill>
+              </a:uFill>
+              <a:latin typeface="Arial"/>
+            </a:endParaRPr>
+          </a:p>
+        </p:txBody>
+      </p:sp>
+    </p:spTree>
+  </p:cSld>
+</p:sldLayout>
+</file>
+
+<file path=ppt/slideLayouts/slideLayout17.xml><?xml version="1.0" encoding="utf-8"?>
+<p:sldLayout xmlns:a="http://schemas.openxmlformats.org/drawingml/2006/main" xmlns:p="http://schemas.openxmlformats.org/presentationml/2006/main" xmlns:r="http://schemas.openxmlformats.org/officeDocument/2006/relationships" xmlns:p14="http://schemas.microsoft.com/office/powerpoint/2010/main" xmlns:p15="http://schemas.microsoft.com/office/powerpoint/2012/main" xmlns:mc="http://schemas.openxmlformats.org/markup-compatibility/2006" type="titleOnly" preserve="1">
+  <p:cSld name="Title Only">
+    <p:spTree>
+      <p:nvGrpSpPr>
+        <p:cNvPr id="1" name=""/>
+        <p:cNvGrpSpPr/>
+        <p:nvPr/>
+      </p:nvGrpSpPr>
+      <p:grpSpPr>
+        <a:xfrm>
+          <a:off x="0" y="0"/>
+          <a:ext cx="0" cy="0"/>
+          <a:chOff x="0" y="0"/>
+          <a:chExt cx="0" cy="0"/>
+        </a:xfrm>
+      </p:grpSpPr>
+      <p:sp>
+        <p:nvSpPr>
+          <p:cNvPr id="45" name="PlaceHolder 1"/>
+          <p:cNvSpPr>
+            <a:spLocks noGrp="1"/>
+          </p:cNvSpPr>
+          <p:nvPr>
+            <p:ph type="title"/>
+          </p:nvPr>
+        </p:nvSpPr>
+        <p:spPr>
+          <a:xfrm>
+            <a:off x="504000" y="301320"/>
+            <a:ext cx="9071280" cy="1261800"/>
+          </a:xfrm>
+          <a:prstGeom prst="rect">
+            <a:avLst/>
+          </a:prstGeom>
+        </p:spPr>
+        <p:txBody>
+          <a:bodyPr lIns="0" rIns="0" tIns="0" bIns="0" anchor="ctr"/>
+          <a:p>
+            <a:pPr algn="ctr"/>
+            <a:endParaRPr b="0" lang="en-US" sz="4400" spc="-1" strike="noStrike">
+              <a:solidFill>
+                <a:srgbClr val="000000"/>
+              </a:solidFill>
+              <a:uFill>
+                <a:solidFill>
+                  <a:srgbClr val="ffffff"/>
+                </a:solidFill>
+              </a:uFill>
+              <a:latin typeface="Arial"/>
+            </a:endParaRPr>
+          </a:p>
+        </p:txBody>
+      </p:sp>
+    </p:spTree>
+  </p:cSld>
+</p:sldLayout>
+</file>
+
+<file path=ppt/slideLayouts/slideLayout18.xml><?xml version="1.0" encoding="utf-8"?>
+<p:sldLayout xmlns:a="http://schemas.openxmlformats.org/drawingml/2006/main" xmlns:p="http://schemas.openxmlformats.org/presentationml/2006/main" xmlns:r="http://schemas.openxmlformats.org/officeDocument/2006/relationships" xmlns:p14="http://schemas.microsoft.com/office/powerpoint/2010/main" xmlns:p15="http://schemas.microsoft.com/office/powerpoint/2012/main" xmlns:mc="http://schemas.openxmlformats.org/markup-compatibility/2006" type="objOnly" preserve="1">
+  <p:cSld name="Centered Text">
+    <p:spTree>
+      <p:nvGrpSpPr>
+        <p:cNvPr id="1" name=""/>
+        <p:cNvGrpSpPr/>
+        <p:nvPr/>
+      </p:nvGrpSpPr>
+      <p:grpSpPr>
+        <a:xfrm>
+          <a:off x="0" y="0"/>
+          <a:ext cx="0" cy="0"/>
+          <a:chOff x="0" y="0"/>
+          <a:chExt cx="0" cy="0"/>
+        </a:xfrm>
+      </p:grpSpPr>
+      <p:sp>
+        <p:nvSpPr>
+          <p:cNvPr id="46" name="PlaceHolder 1"/>
+          <p:cNvSpPr>
+            <a:spLocks noGrp="1"/>
+          </p:cNvSpPr>
+          <p:nvPr>
+            <p:ph type="subTitle"/>
+          </p:nvPr>
+        </p:nvSpPr>
+        <p:spPr>
+          <a:xfrm>
+            <a:off x="504000" y="301320"/>
+            <a:ext cx="9071280" cy="5850360"/>
+          </a:xfrm>
+          <a:prstGeom prst="rect">
+            <a:avLst/>
+          </a:prstGeom>
+        </p:spPr>
+        <p:txBody>
+          <a:bodyPr lIns="0" rIns="0" tIns="0" bIns="0" anchor="ctr"/>
+          <a:p>
+            <a:pPr algn="ctr"/>
+            <a:endParaRPr b="0" lang="en-US" sz="3200" spc="-1" strike="noStrike">
+              <a:solidFill>
+                <a:srgbClr val="000000"/>
+              </a:solidFill>
+              <a:uFill>
+                <a:solidFill>
+                  <a:srgbClr val="ffffff"/>
+                </a:solidFill>
+              </a:uFill>
+              <a:latin typeface="Arial"/>
+            </a:endParaRPr>
+          </a:p>
+        </p:txBody>
+      </p:sp>
+    </p:spTree>
+  </p:cSld>
+</p:sldLayout>
+</file>
+
+<file path=ppt/slideLayouts/slideLayout19.xml><?xml version="1.0" encoding="utf-8"?>
+<p:sldLayout xmlns:a="http://schemas.openxmlformats.org/drawingml/2006/main" xmlns:p="http://schemas.openxmlformats.org/presentationml/2006/main" xmlns:r="http://schemas.openxmlformats.org/officeDocument/2006/relationships" xmlns:p14="http://schemas.microsoft.com/office/powerpoint/2010/main" xmlns:p15="http://schemas.microsoft.com/office/powerpoint/2012/main" xmlns:mc="http://schemas.openxmlformats.org/markup-compatibility/2006" type="twoObjAndObj" preserve="1">
+  <p:cSld name="Title, 2 Content and Content">
+    <p:spTree>
+      <p:nvGrpSpPr>
+        <p:cNvPr id="1" name=""/>
+        <p:cNvGrpSpPr/>
+        <p:nvPr/>
+      </p:nvGrpSpPr>
+      <p:grpSpPr>
+        <a:xfrm>
+          <a:off x="0" y="0"/>
+          <a:ext cx="0" cy="0"/>
+          <a:chOff x="0" y="0"/>
+          <a:chExt cx="0" cy="0"/>
+        </a:xfrm>
+      </p:grpSpPr>
+      <p:sp>
+        <p:nvSpPr>
+          <p:cNvPr id="47" name="PlaceHolder 1"/>
+          <p:cNvSpPr>
+            <a:spLocks noGrp="1"/>
+          </p:cNvSpPr>
+          <p:nvPr>
+            <p:ph type="title"/>
+          </p:nvPr>
+        </p:nvSpPr>
+        <p:spPr>
+          <a:xfrm>
+            <a:off x="504000" y="301320"/>
+            <a:ext cx="9071280" cy="1261800"/>
+          </a:xfrm>
+          <a:prstGeom prst="rect">
+            <a:avLst/>
+          </a:prstGeom>
+        </p:spPr>
+        <p:txBody>
+          <a:bodyPr lIns="0" rIns="0" tIns="0" bIns="0" anchor="ctr"/>
+          <a:p>
+            <a:pPr algn="ctr"/>
+            <a:endParaRPr b="0" lang="en-US" sz="4400" spc="-1" strike="noStrike">
+              <a:solidFill>
+                <a:srgbClr val="000000"/>
+              </a:solidFill>
+              <a:uFill>
+                <a:solidFill>
+                  <a:srgbClr val="ffffff"/>
+                </a:solidFill>
+              </a:uFill>
+              <a:latin typeface="Arial"/>
+            </a:endParaRPr>
+          </a:p>
+        </p:txBody>
+      </p:sp>
+      <p:sp>
+        <p:nvSpPr>
+          <p:cNvPr id="48" name="PlaceHolder 2"/>
+          <p:cNvSpPr>
+            <a:spLocks noGrp="1"/>
+          </p:cNvSpPr>
+          <p:nvPr>
+            <p:ph type="body"/>
+          </p:nvPr>
+        </p:nvSpPr>
+        <p:spPr>
+          <a:xfrm>
+            <a:off x="504000" y="1769040"/>
+            <a:ext cx="4426560" cy="2090880"/>
+          </a:xfrm>
+          <a:prstGeom prst="rect">
+            <a:avLst/>
+          </a:prstGeom>
+        </p:spPr>
+        <p:txBody>
+          <a:bodyPr lIns="0" rIns="0" tIns="0" bIns="0"/>
+          <a:p>
+            <a:endParaRPr b="0" lang="en-US" sz="3200" spc="-1" strike="noStrike">
+              <a:solidFill>
+                <a:srgbClr val="000000"/>
+              </a:solidFill>
+              <a:uFill>
+                <a:solidFill>
+                  <a:srgbClr val="ffffff"/>
+                </a:solidFill>
+              </a:uFill>
+              <a:latin typeface="Arial"/>
+            </a:endParaRPr>
+          </a:p>
+        </p:txBody>
+      </p:sp>
+      <p:sp>
+        <p:nvSpPr>
+          <p:cNvPr id="49" name="PlaceHolder 3"/>
+          <p:cNvSpPr>
+            <a:spLocks noGrp="1"/>
+          </p:cNvSpPr>
+          <p:nvPr>
+            <p:ph type="body"/>
+          </p:nvPr>
+        </p:nvSpPr>
+        <p:spPr>
+          <a:xfrm>
+            <a:off x="504000" y="4059000"/>
+            <a:ext cx="4426560" cy="2090880"/>
+          </a:xfrm>
+          <a:prstGeom prst="rect">
+            <a:avLst/>
+          </a:prstGeom>
+        </p:spPr>
+        <p:txBody>
+          <a:bodyPr lIns="0" rIns="0" tIns="0" bIns="0"/>
+          <a:p>
+            <a:endParaRPr b="0" lang="en-US" sz="3200" spc="-1" strike="noStrike">
+              <a:solidFill>
+                <a:srgbClr val="000000"/>
+              </a:solidFill>
+              <a:uFill>
+                <a:solidFill>
+                  <a:srgbClr val="ffffff"/>
+                </a:solidFill>
+              </a:uFill>
+              <a:latin typeface="Arial"/>
+            </a:endParaRPr>
+          </a:p>
+        </p:txBody>
+      </p:sp>
+      <p:sp>
+        <p:nvSpPr>
+          <p:cNvPr id="50" name="PlaceHolder 4"/>
+          <p:cNvSpPr>
+            <a:spLocks noGrp="1"/>
+          </p:cNvSpPr>
+          <p:nvPr>
+            <p:ph type="body"/>
+          </p:nvPr>
+        </p:nvSpPr>
+        <p:spPr>
+          <a:xfrm>
+            <a:off x="5152320" y="1769040"/>
+            <a:ext cx="4426560" cy="4384080"/>
+          </a:xfrm>
+          <a:prstGeom prst="rect">
+            <a:avLst/>
+          </a:prstGeom>
+        </p:spPr>
+        <p:txBody>
+          <a:bodyPr lIns="0" rIns="0" tIns="0" bIns="0"/>
+          <a:p>
+            <a:endParaRPr b="0" lang="en-US" sz="3200" spc="-1" strike="noStrike">
+              <a:solidFill>
+                <a:srgbClr val="000000"/>
+              </a:solidFill>
+              <a:uFill>
+                <a:solidFill>
+                  <a:srgbClr val="ffffff"/>
+                </a:solidFill>
+              </a:uFill>
+              <a:latin typeface="Arial"/>
+            </a:endParaRPr>
+          </a:p>
+        </p:txBody>
+      </p:sp>
     </p:spTree>
   </p:cSld>
 </p:sldLayout>
@@ -567,7 +1198,7 @@
       </p:grpSpPr>
       <p:sp>
         <p:nvSpPr>
-          <p:cNvPr id="5" name="PlaceHolder 1"/>
+          <p:cNvPr id="2" name="PlaceHolder 1"/>
           <p:cNvSpPr>
             <a:spLocks noGrp="1"/>
           </p:cNvSpPr>
@@ -578,7 +1209,7 @@
         <p:spPr>
           <a:xfrm>
             <a:off x="504000" y="301320"/>
-            <a:ext cx="9071640" cy="1262160"/>
+            <a:ext cx="9071280" cy="1261800"/>
           </a:xfrm>
           <a:prstGeom prst="rect">
             <a:avLst/>
@@ -604,7 +1235,7 @@
       </p:sp>
       <p:sp>
         <p:nvSpPr>
-          <p:cNvPr id="6" name="PlaceHolder 2"/>
+          <p:cNvPr id="3" name="PlaceHolder 2"/>
           <p:cNvSpPr>
             <a:spLocks noGrp="1"/>
           </p:cNvSpPr>
@@ -615,7 +1246,7 @@
         <p:spPr>
           <a:xfrm>
             <a:off x="504000" y="1769040"/>
-            <a:ext cx="9071640" cy="4384440"/>
+            <a:ext cx="9071280" cy="4384080"/>
           </a:xfrm>
           <a:prstGeom prst="rect">
             <a:avLst/>
@@ -639,6 +1270,851 @@
           </a:p>
         </p:txBody>
       </p:sp>
+    </p:spTree>
+  </p:cSld>
+</p:sldLayout>
+</file>
+
+<file path=ppt/slideLayouts/slideLayout20.xml><?xml version="1.0" encoding="utf-8"?>
+<p:sldLayout xmlns:a="http://schemas.openxmlformats.org/drawingml/2006/main" xmlns:p="http://schemas.openxmlformats.org/presentationml/2006/main" xmlns:r="http://schemas.openxmlformats.org/officeDocument/2006/relationships" xmlns:p14="http://schemas.microsoft.com/office/powerpoint/2010/main" xmlns:p15="http://schemas.microsoft.com/office/powerpoint/2012/main" xmlns:mc="http://schemas.openxmlformats.org/markup-compatibility/2006" type="objAndTwoObj" preserve="1">
+  <p:cSld name="Title Content and 2 Content">
+    <p:spTree>
+      <p:nvGrpSpPr>
+        <p:cNvPr id="1" name=""/>
+        <p:cNvGrpSpPr/>
+        <p:nvPr/>
+      </p:nvGrpSpPr>
+      <p:grpSpPr>
+        <a:xfrm>
+          <a:off x="0" y="0"/>
+          <a:ext cx="0" cy="0"/>
+          <a:chOff x="0" y="0"/>
+          <a:chExt cx="0" cy="0"/>
+        </a:xfrm>
+      </p:grpSpPr>
+      <p:sp>
+        <p:nvSpPr>
+          <p:cNvPr id="51" name="PlaceHolder 1"/>
+          <p:cNvSpPr>
+            <a:spLocks noGrp="1"/>
+          </p:cNvSpPr>
+          <p:nvPr>
+            <p:ph type="title"/>
+          </p:nvPr>
+        </p:nvSpPr>
+        <p:spPr>
+          <a:xfrm>
+            <a:off x="504000" y="301320"/>
+            <a:ext cx="9071280" cy="1261800"/>
+          </a:xfrm>
+          <a:prstGeom prst="rect">
+            <a:avLst/>
+          </a:prstGeom>
+        </p:spPr>
+        <p:txBody>
+          <a:bodyPr lIns="0" rIns="0" tIns="0" bIns="0" anchor="ctr"/>
+          <a:p>
+            <a:pPr algn="ctr"/>
+            <a:endParaRPr b="0" lang="en-US" sz="4400" spc="-1" strike="noStrike">
+              <a:solidFill>
+                <a:srgbClr val="000000"/>
+              </a:solidFill>
+              <a:uFill>
+                <a:solidFill>
+                  <a:srgbClr val="ffffff"/>
+                </a:solidFill>
+              </a:uFill>
+              <a:latin typeface="Arial"/>
+            </a:endParaRPr>
+          </a:p>
+        </p:txBody>
+      </p:sp>
+      <p:sp>
+        <p:nvSpPr>
+          <p:cNvPr id="52" name="PlaceHolder 2"/>
+          <p:cNvSpPr>
+            <a:spLocks noGrp="1"/>
+          </p:cNvSpPr>
+          <p:nvPr>
+            <p:ph type="body"/>
+          </p:nvPr>
+        </p:nvSpPr>
+        <p:spPr>
+          <a:xfrm>
+            <a:off x="504000" y="1769040"/>
+            <a:ext cx="4426560" cy="4384080"/>
+          </a:xfrm>
+          <a:prstGeom prst="rect">
+            <a:avLst/>
+          </a:prstGeom>
+        </p:spPr>
+        <p:txBody>
+          <a:bodyPr lIns="0" rIns="0" tIns="0" bIns="0"/>
+          <a:p>
+            <a:endParaRPr b="0" lang="en-US" sz="3200" spc="-1" strike="noStrike">
+              <a:solidFill>
+                <a:srgbClr val="000000"/>
+              </a:solidFill>
+              <a:uFill>
+                <a:solidFill>
+                  <a:srgbClr val="ffffff"/>
+                </a:solidFill>
+              </a:uFill>
+              <a:latin typeface="Arial"/>
+            </a:endParaRPr>
+          </a:p>
+        </p:txBody>
+      </p:sp>
+      <p:sp>
+        <p:nvSpPr>
+          <p:cNvPr id="53" name="PlaceHolder 3"/>
+          <p:cNvSpPr>
+            <a:spLocks noGrp="1"/>
+          </p:cNvSpPr>
+          <p:nvPr>
+            <p:ph type="body"/>
+          </p:nvPr>
+        </p:nvSpPr>
+        <p:spPr>
+          <a:xfrm>
+            <a:off x="5152320" y="1769040"/>
+            <a:ext cx="4426560" cy="2090880"/>
+          </a:xfrm>
+          <a:prstGeom prst="rect">
+            <a:avLst/>
+          </a:prstGeom>
+        </p:spPr>
+        <p:txBody>
+          <a:bodyPr lIns="0" rIns="0" tIns="0" bIns="0"/>
+          <a:p>
+            <a:endParaRPr b="0" lang="en-US" sz="3200" spc="-1" strike="noStrike">
+              <a:solidFill>
+                <a:srgbClr val="000000"/>
+              </a:solidFill>
+              <a:uFill>
+                <a:solidFill>
+                  <a:srgbClr val="ffffff"/>
+                </a:solidFill>
+              </a:uFill>
+              <a:latin typeface="Arial"/>
+            </a:endParaRPr>
+          </a:p>
+        </p:txBody>
+      </p:sp>
+      <p:sp>
+        <p:nvSpPr>
+          <p:cNvPr id="54" name="PlaceHolder 4"/>
+          <p:cNvSpPr>
+            <a:spLocks noGrp="1"/>
+          </p:cNvSpPr>
+          <p:nvPr>
+            <p:ph type="body"/>
+          </p:nvPr>
+        </p:nvSpPr>
+        <p:spPr>
+          <a:xfrm>
+            <a:off x="5152320" y="4059000"/>
+            <a:ext cx="4426560" cy="2090880"/>
+          </a:xfrm>
+          <a:prstGeom prst="rect">
+            <a:avLst/>
+          </a:prstGeom>
+        </p:spPr>
+        <p:txBody>
+          <a:bodyPr lIns="0" rIns="0" tIns="0" bIns="0"/>
+          <a:p>
+            <a:endParaRPr b="0" lang="en-US" sz="3200" spc="-1" strike="noStrike">
+              <a:solidFill>
+                <a:srgbClr val="000000"/>
+              </a:solidFill>
+              <a:uFill>
+                <a:solidFill>
+                  <a:srgbClr val="ffffff"/>
+                </a:solidFill>
+              </a:uFill>
+              <a:latin typeface="Arial"/>
+            </a:endParaRPr>
+          </a:p>
+        </p:txBody>
+      </p:sp>
+    </p:spTree>
+  </p:cSld>
+</p:sldLayout>
+</file>
+
+<file path=ppt/slideLayouts/slideLayout21.xml><?xml version="1.0" encoding="utf-8"?>
+<p:sldLayout xmlns:a="http://schemas.openxmlformats.org/drawingml/2006/main" xmlns:p="http://schemas.openxmlformats.org/presentationml/2006/main" xmlns:r="http://schemas.openxmlformats.org/officeDocument/2006/relationships" xmlns:p14="http://schemas.microsoft.com/office/powerpoint/2010/main" xmlns:p15="http://schemas.microsoft.com/office/powerpoint/2012/main" xmlns:mc="http://schemas.openxmlformats.org/markup-compatibility/2006" type="twoObjOverTx" preserve="1">
+  <p:cSld name="Title, 2 Content over Content">
+    <p:spTree>
+      <p:nvGrpSpPr>
+        <p:cNvPr id="1" name=""/>
+        <p:cNvGrpSpPr/>
+        <p:nvPr/>
+      </p:nvGrpSpPr>
+      <p:grpSpPr>
+        <a:xfrm>
+          <a:off x="0" y="0"/>
+          <a:ext cx="0" cy="0"/>
+          <a:chOff x="0" y="0"/>
+          <a:chExt cx="0" cy="0"/>
+        </a:xfrm>
+      </p:grpSpPr>
+      <p:sp>
+        <p:nvSpPr>
+          <p:cNvPr id="55" name="PlaceHolder 1"/>
+          <p:cNvSpPr>
+            <a:spLocks noGrp="1"/>
+          </p:cNvSpPr>
+          <p:nvPr>
+            <p:ph type="title"/>
+          </p:nvPr>
+        </p:nvSpPr>
+        <p:spPr>
+          <a:xfrm>
+            <a:off x="504000" y="301320"/>
+            <a:ext cx="9071280" cy="1261800"/>
+          </a:xfrm>
+          <a:prstGeom prst="rect">
+            <a:avLst/>
+          </a:prstGeom>
+        </p:spPr>
+        <p:txBody>
+          <a:bodyPr lIns="0" rIns="0" tIns="0" bIns="0" anchor="ctr"/>
+          <a:p>
+            <a:pPr algn="ctr"/>
+            <a:endParaRPr b="0" lang="en-US" sz="4400" spc="-1" strike="noStrike">
+              <a:solidFill>
+                <a:srgbClr val="000000"/>
+              </a:solidFill>
+              <a:uFill>
+                <a:solidFill>
+                  <a:srgbClr val="ffffff"/>
+                </a:solidFill>
+              </a:uFill>
+              <a:latin typeface="Arial"/>
+            </a:endParaRPr>
+          </a:p>
+        </p:txBody>
+      </p:sp>
+      <p:sp>
+        <p:nvSpPr>
+          <p:cNvPr id="56" name="PlaceHolder 2"/>
+          <p:cNvSpPr>
+            <a:spLocks noGrp="1"/>
+          </p:cNvSpPr>
+          <p:nvPr>
+            <p:ph type="body"/>
+          </p:nvPr>
+        </p:nvSpPr>
+        <p:spPr>
+          <a:xfrm>
+            <a:off x="504000" y="1769040"/>
+            <a:ext cx="4426560" cy="2090880"/>
+          </a:xfrm>
+          <a:prstGeom prst="rect">
+            <a:avLst/>
+          </a:prstGeom>
+        </p:spPr>
+        <p:txBody>
+          <a:bodyPr lIns="0" rIns="0" tIns="0" bIns="0"/>
+          <a:p>
+            <a:endParaRPr b="0" lang="en-US" sz="3200" spc="-1" strike="noStrike">
+              <a:solidFill>
+                <a:srgbClr val="000000"/>
+              </a:solidFill>
+              <a:uFill>
+                <a:solidFill>
+                  <a:srgbClr val="ffffff"/>
+                </a:solidFill>
+              </a:uFill>
+              <a:latin typeface="Arial"/>
+            </a:endParaRPr>
+          </a:p>
+        </p:txBody>
+      </p:sp>
+      <p:sp>
+        <p:nvSpPr>
+          <p:cNvPr id="57" name="PlaceHolder 3"/>
+          <p:cNvSpPr>
+            <a:spLocks noGrp="1"/>
+          </p:cNvSpPr>
+          <p:nvPr>
+            <p:ph type="body"/>
+          </p:nvPr>
+        </p:nvSpPr>
+        <p:spPr>
+          <a:xfrm>
+            <a:off x="5152320" y="1769040"/>
+            <a:ext cx="4426560" cy="2090880"/>
+          </a:xfrm>
+          <a:prstGeom prst="rect">
+            <a:avLst/>
+          </a:prstGeom>
+        </p:spPr>
+        <p:txBody>
+          <a:bodyPr lIns="0" rIns="0" tIns="0" bIns="0"/>
+          <a:p>
+            <a:endParaRPr b="0" lang="en-US" sz="3200" spc="-1" strike="noStrike">
+              <a:solidFill>
+                <a:srgbClr val="000000"/>
+              </a:solidFill>
+              <a:uFill>
+                <a:solidFill>
+                  <a:srgbClr val="ffffff"/>
+                </a:solidFill>
+              </a:uFill>
+              <a:latin typeface="Arial"/>
+            </a:endParaRPr>
+          </a:p>
+        </p:txBody>
+      </p:sp>
+      <p:sp>
+        <p:nvSpPr>
+          <p:cNvPr id="58" name="PlaceHolder 4"/>
+          <p:cNvSpPr>
+            <a:spLocks noGrp="1"/>
+          </p:cNvSpPr>
+          <p:nvPr>
+            <p:ph type="body"/>
+          </p:nvPr>
+        </p:nvSpPr>
+        <p:spPr>
+          <a:xfrm>
+            <a:off x="504000" y="4059000"/>
+            <a:ext cx="9071280" cy="2090880"/>
+          </a:xfrm>
+          <a:prstGeom prst="rect">
+            <a:avLst/>
+          </a:prstGeom>
+        </p:spPr>
+        <p:txBody>
+          <a:bodyPr lIns="0" rIns="0" tIns="0" bIns="0"/>
+          <a:p>
+            <a:endParaRPr b="0" lang="en-US" sz="3200" spc="-1" strike="noStrike">
+              <a:solidFill>
+                <a:srgbClr val="000000"/>
+              </a:solidFill>
+              <a:uFill>
+                <a:solidFill>
+                  <a:srgbClr val="ffffff"/>
+                </a:solidFill>
+              </a:uFill>
+              <a:latin typeface="Arial"/>
+            </a:endParaRPr>
+          </a:p>
+        </p:txBody>
+      </p:sp>
+    </p:spTree>
+  </p:cSld>
+</p:sldLayout>
+</file>
+
+<file path=ppt/slideLayouts/slideLayout22.xml><?xml version="1.0" encoding="utf-8"?>
+<p:sldLayout xmlns:a="http://schemas.openxmlformats.org/drawingml/2006/main" xmlns:p="http://schemas.openxmlformats.org/presentationml/2006/main" xmlns:r="http://schemas.openxmlformats.org/officeDocument/2006/relationships" xmlns:p14="http://schemas.microsoft.com/office/powerpoint/2010/main" xmlns:p15="http://schemas.microsoft.com/office/powerpoint/2012/main" xmlns:mc="http://schemas.openxmlformats.org/markup-compatibility/2006" type="objOverTx" preserve="1">
+  <p:cSld name="Title, Content over Content">
+    <p:spTree>
+      <p:nvGrpSpPr>
+        <p:cNvPr id="1" name=""/>
+        <p:cNvGrpSpPr/>
+        <p:nvPr/>
+      </p:nvGrpSpPr>
+      <p:grpSpPr>
+        <a:xfrm>
+          <a:off x="0" y="0"/>
+          <a:ext cx="0" cy="0"/>
+          <a:chOff x="0" y="0"/>
+          <a:chExt cx="0" cy="0"/>
+        </a:xfrm>
+      </p:grpSpPr>
+      <p:sp>
+        <p:nvSpPr>
+          <p:cNvPr id="59" name="PlaceHolder 1"/>
+          <p:cNvSpPr>
+            <a:spLocks noGrp="1"/>
+          </p:cNvSpPr>
+          <p:nvPr>
+            <p:ph type="title"/>
+          </p:nvPr>
+        </p:nvSpPr>
+        <p:spPr>
+          <a:xfrm>
+            <a:off x="504000" y="301320"/>
+            <a:ext cx="9071280" cy="1261800"/>
+          </a:xfrm>
+          <a:prstGeom prst="rect">
+            <a:avLst/>
+          </a:prstGeom>
+        </p:spPr>
+        <p:txBody>
+          <a:bodyPr lIns="0" rIns="0" tIns="0" bIns="0" anchor="ctr"/>
+          <a:p>
+            <a:pPr algn="ctr"/>
+            <a:endParaRPr b="0" lang="en-US" sz="4400" spc="-1" strike="noStrike">
+              <a:solidFill>
+                <a:srgbClr val="000000"/>
+              </a:solidFill>
+              <a:uFill>
+                <a:solidFill>
+                  <a:srgbClr val="ffffff"/>
+                </a:solidFill>
+              </a:uFill>
+              <a:latin typeface="Arial"/>
+            </a:endParaRPr>
+          </a:p>
+        </p:txBody>
+      </p:sp>
+      <p:sp>
+        <p:nvSpPr>
+          <p:cNvPr id="60" name="PlaceHolder 2"/>
+          <p:cNvSpPr>
+            <a:spLocks noGrp="1"/>
+          </p:cNvSpPr>
+          <p:nvPr>
+            <p:ph type="body"/>
+          </p:nvPr>
+        </p:nvSpPr>
+        <p:spPr>
+          <a:xfrm>
+            <a:off x="504000" y="1769040"/>
+            <a:ext cx="9071280" cy="2090880"/>
+          </a:xfrm>
+          <a:prstGeom prst="rect">
+            <a:avLst/>
+          </a:prstGeom>
+        </p:spPr>
+        <p:txBody>
+          <a:bodyPr lIns="0" rIns="0" tIns="0" bIns="0"/>
+          <a:p>
+            <a:endParaRPr b="0" lang="en-US" sz="3200" spc="-1" strike="noStrike">
+              <a:solidFill>
+                <a:srgbClr val="000000"/>
+              </a:solidFill>
+              <a:uFill>
+                <a:solidFill>
+                  <a:srgbClr val="ffffff"/>
+                </a:solidFill>
+              </a:uFill>
+              <a:latin typeface="Arial"/>
+            </a:endParaRPr>
+          </a:p>
+        </p:txBody>
+      </p:sp>
+      <p:sp>
+        <p:nvSpPr>
+          <p:cNvPr id="61" name="PlaceHolder 3"/>
+          <p:cNvSpPr>
+            <a:spLocks noGrp="1"/>
+          </p:cNvSpPr>
+          <p:nvPr>
+            <p:ph type="body"/>
+          </p:nvPr>
+        </p:nvSpPr>
+        <p:spPr>
+          <a:xfrm>
+            <a:off x="504000" y="4059000"/>
+            <a:ext cx="9071280" cy="2090880"/>
+          </a:xfrm>
+          <a:prstGeom prst="rect">
+            <a:avLst/>
+          </a:prstGeom>
+        </p:spPr>
+        <p:txBody>
+          <a:bodyPr lIns="0" rIns="0" tIns="0" bIns="0"/>
+          <a:p>
+            <a:endParaRPr b="0" lang="en-US" sz="3200" spc="-1" strike="noStrike">
+              <a:solidFill>
+                <a:srgbClr val="000000"/>
+              </a:solidFill>
+              <a:uFill>
+                <a:solidFill>
+                  <a:srgbClr val="ffffff"/>
+                </a:solidFill>
+              </a:uFill>
+              <a:latin typeface="Arial"/>
+            </a:endParaRPr>
+          </a:p>
+        </p:txBody>
+      </p:sp>
+    </p:spTree>
+  </p:cSld>
+</p:sldLayout>
+</file>
+
+<file path=ppt/slideLayouts/slideLayout23.xml><?xml version="1.0" encoding="utf-8"?>
+<p:sldLayout xmlns:a="http://schemas.openxmlformats.org/drawingml/2006/main" xmlns:p="http://schemas.openxmlformats.org/presentationml/2006/main" xmlns:r="http://schemas.openxmlformats.org/officeDocument/2006/relationships" xmlns:p14="http://schemas.microsoft.com/office/powerpoint/2010/main" xmlns:p15="http://schemas.microsoft.com/office/powerpoint/2012/main" xmlns:mc="http://schemas.openxmlformats.org/markup-compatibility/2006" type="fourObj" preserve="1">
+  <p:cSld name="Title, 4 Content">
+    <p:spTree>
+      <p:nvGrpSpPr>
+        <p:cNvPr id="1" name=""/>
+        <p:cNvGrpSpPr/>
+        <p:nvPr/>
+      </p:nvGrpSpPr>
+      <p:grpSpPr>
+        <a:xfrm>
+          <a:off x="0" y="0"/>
+          <a:ext cx="0" cy="0"/>
+          <a:chOff x="0" y="0"/>
+          <a:chExt cx="0" cy="0"/>
+        </a:xfrm>
+      </p:grpSpPr>
+      <p:sp>
+        <p:nvSpPr>
+          <p:cNvPr id="62" name="PlaceHolder 1"/>
+          <p:cNvSpPr>
+            <a:spLocks noGrp="1"/>
+          </p:cNvSpPr>
+          <p:nvPr>
+            <p:ph type="title"/>
+          </p:nvPr>
+        </p:nvSpPr>
+        <p:spPr>
+          <a:xfrm>
+            <a:off x="504000" y="301320"/>
+            <a:ext cx="9071280" cy="1261800"/>
+          </a:xfrm>
+          <a:prstGeom prst="rect">
+            <a:avLst/>
+          </a:prstGeom>
+        </p:spPr>
+        <p:txBody>
+          <a:bodyPr lIns="0" rIns="0" tIns="0" bIns="0" anchor="ctr"/>
+          <a:p>
+            <a:pPr algn="ctr"/>
+            <a:endParaRPr b="0" lang="en-US" sz="4400" spc="-1" strike="noStrike">
+              <a:solidFill>
+                <a:srgbClr val="000000"/>
+              </a:solidFill>
+              <a:uFill>
+                <a:solidFill>
+                  <a:srgbClr val="ffffff"/>
+                </a:solidFill>
+              </a:uFill>
+              <a:latin typeface="Arial"/>
+            </a:endParaRPr>
+          </a:p>
+        </p:txBody>
+      </p:sp>
+      <p:sp>
+        <p:nvSpPr>
+          <p:cNvPr id="63" name="PlaceHolder 2"/>
+          <p:cNvSpPr>
+            <a:spLocks noGrp="1"/>
+          </p:cNvSpPr>
+          <p:nvPr>
+            <p:ph type="body"/>
+          </p:nvPr>
+        </p:nvSpPr>
+        <p:spPr>
+          <a:xfrm>
+            <a:off x="504000" y="1769040"/>
+            <a:ext cx="4426560" cy="2090880"/>
+          </a:xfrm>
+          <a:prstGeom prst="rect">
+            <a:avLst/>
+          </a:prstGeom>
+        </p:spPr>
+        <p:txBody>
+          <a:bodyPr lIns="0" rIns="0" tIns="0" bIns="0"/>
+          <a:p>
+            <a:endParaRPr b="0" lang="en-US" sz="3200" spc="-1" strike="noStrike">
+              <a:solidFill>
+                <a:srgbClr val="000000"/>
+              </a:solidFill>
+              <a:uFill>
+                <a:solidFill>
+                  <a:srgbClr val="ffffff"/>
+                </a:solidFill>
+              </a:uFill>
+              <a:latin typeface="Arial"/>
+            </a:endParaRPr>
+          </a:p>
+        </p:txBody>
+      </p:sp>
+      <p:sp>
+        <p:nvSpPr>
+          <p:cNvPr id="64" name="PlaceHolder 3"/>
+          <p:cNvSpPr>
+            <a:spLocks noGrp="1"/>
+          </p:cNvSpPr>
+          <p:nvPr>
+            <p:ph type="body"/>
+          </p:nvPr>
+        </p:nvSpPr>
+        <p:spPr>
+          <a:xfrm>
+            <a:off x="5152320" y="1769040"/>
+            <a:ext cx="4426560" cy="2090880"/>
+          </a:xfrm>
+          <a:prstGeom prst="rect">
+            <a:avLst/>
+          </a:prstGeom>
+        </p:spPr>
+        <p:txBody>
+          <a:bodyPr lIns="0" rIns="0" tIns="0" bIns="0"/>
+          <a:p>
+            <a:endParaRPr b="0" lang="en-US" sz="3200" spc="-1" strike="noStrike">
+              <a:solidFill>
+                <a:srgbClr val="000000"/>
+              </a:solidFill>
+              <a:uFill>
+                <a:solidFill>
+                  <a:srgbClr val="ffffff"/>
+                </a:solidFill>
+              </a:uFill>
+              <a:latin typeface="Arial"/>
+            </a:endParaRPr>
+          </a:p>
+        </p:txBody>
+      </p:sp>
+      <p:sp>
+        <p:nvSpPr>
+          <p:cNvPr id="65" name="PlaceHolder 4"/>
+          <p:cNvSpPr>
+            <a:spLocks noGrp="1"/>
+          </p:cNvSpPr>
+          <p:nvPr>
+            <p:ph type="body"/>
+          </p:nvPr>
+        </p:nvSpPr>
+        <p:spPr>
+          <a:xfrm>
+            <a:off x="5152320" y="4059000"/>
+            <a:ext cx="4426560" cy="2090880"/>
+          </a:xfrm>
+          <a:prstGeom prst="rect">
+            <a:avLst/>
+          </a:prstGeom>
+        </p:spPr>
+        <p:txBody>
+          <a:bodyPr lIns="0" rIns="0" tIns="0" bIns="0"/>
+          <a:p>
+            <a:endParaRPr b="0" lang="en-US" sz="3200" spc="-1" strike="noStrike">
+              <a:solidFill>
+                <a:srgbClr val="000000"/>
+              </a:solidFill>
+              <a:uFill>
+                <a:solidFill>
+                  <a:srgbClr val="ffffff"/>
+                </a:solidFill>
+              </a:uFill>
+              <a:latin typeface="Arial"/>
+            </a:endParaRPr>
+          </a:p>
+        </p:txBody>
+      </p:sp>
+      <p:sp>
+        <p:nvSpPr>
+          <p:cNvPr id="66" name="PlaceHolder 5"/>
+          <p:cNvSpPr>
+            <a:spLocks noGrp="1"/>
+          </p:cNvSpPr>
+          <p:nvPr>
+            <p:ph type="body"/>
+          </p:nvPr>
+        </p:nvSpPr>
+        <p:spPr>
+          <a:xfrm>
+            <a:off x="504000" y="4059000"/>
+            <a:ext cx="4426560" cy="2090880"/>
+          </a:xfrm>
+          <a:prstGeom prst="rect">
+            <a:avLst/>
+          </a:prstGeom>
+        </p:spPr>
+        <p:txBody>
+          <a:bodyPr lIns="0" rIns="0" tIns="0" bIns="0"/>
+          <a:p>
+            <a:endParaRPr b="0" lang="en-US" sz="3200" spc="-1" strike="noStrike">
+              <a:solidFill>
+                <a:srgbClr val="000000"/>
+              </a:solidFill>
+              <a:uFill>
+                <a:solidFill>
+                  <a:srgbClr val="ffffff"/>
+                </a:solidFill>
+              </a:uFill>
+              <a:latin typeface="Arial"/>
+            </a:endParaRPr>
+          </a:p>
+        </p:txBody>
+      </p:sp>
+    </p:spTree>
+  </p:cSld>
+</p:sldLayout>
+</file>
+
+<file path=ppt/slideLayouts/slideLayout24.xml><?xml version="1.0" encoding="utf-8"?>
+<p:sldLayout xmlns:a="http://schemas.openxmlformats.org/drawingml/2006/main" xmlns:p="http://schemas.openxmlformats.org/presentationml/2006/main" xmlns:r="http://schemas.openxmlformats.org/officeDocument/2006/relationships" xmlns:p14="http://schemas.microsoft.com/office/powerpoint/2010/main" xmlns:p15="http://schemas.microsoft.com/office/powerpoint/2012/main" xmlns:mc="http://schemas.openxmlformats.org/markup-compatibility/2006" type="blank" preserve="1">
+  <p:cSld name="Title, 6 Content">
+    <p:spTree>
+      <p:nvGrpSpPr>
+        <p:cNvPr id="1" name=""/>
+        <p:cNvGrpSpPr/>
+        <p:nvPr/>
+      </p:nvGrpSpPr>
+      <p:grpSpPr>
+        <a:xfrm>
+          <a:off x="0" y="0"/>
+          <a:ext cx="0" cy="0"/>
+          <a:chOff x="0" y="0"/>
+          <a:chExt cx="0" cy="0"/>
+        </a:xfrm>
+      </p:grpSpPr>
+      <p:sp>
+        <p:nvSpPr>
+          <p:cNvPr id="67" name="PlaceHolder 1"/>
+          <p:cNvSpPr>
+            <a:spLocks noGrp="1"/>
+          </p:cNvSpPr>
+          <p:nvPr>
+            <p:ph type="title"/>
+          </p:nvPr>
+        </p:nvSpPr>
+        <p:spPr>
+          <a:xfrm>
+            <a:off x="504000" y="301320"/>
+            <a:ext cx="9071280" cy="1261800"/>
+          </a:xfrm>
+          <a:prstGeom prst="rect">
+            <a:avLst/>
+          </a:prstGeom>
+        </p:spPr>
+        <p:txBody>
+          <a:bodyPr lIns="0" rIns="0" tIns="0" bIns="0" anchor="ctr"/>
+          <a:p>
+            <a:pPr algn="ctr"/>
+            <a:endParaRPr b="0" lang="en-US" sz="4400" spc="-1" strike="noStrike">
+              <a:solidFill>
+                <a:srgbClr val="000000"/>
+              </a:solidFill>
+              <a:uFill>
+                <a:solidFill>
+                  <a:srgbClr val="ffffff"/>
+                </a:solidFill>
+              </a:uFill>
+              <a:latin typeface="Arial"/>
+            </a:endParaRPr>
+          </a:p>
+        </p:txBody>
+      </p:sp>
+      <p:sp>
+        <p:nvSpPr>
+          <p:cNvPr id="68" name="PlaceHolder 2"/>
+          <p:cNvSpPr>
+            <a:spLocks noGrp="1"/>
+          </p:cNvSpPr>
+          <p:nvPr>
+            <p:ph type="body"/>
+          </p:nvPr>
+        </p:nvSpPr>
+        <p:spPr>
+          <a:xfrm>
+            <a:off x="504000" y="1769040"/>
+            <a:ext cx="9071280" cy="4384080"/>
+          </a:xfrm>
+          <a:prstGeom prst="rect">
+            <a:avLst/>
+          </a:prstGeom>
+        </p:spPr>
+        <p:txBody>
+          <a:bodyPr lIns="0" rIns="0" tIns="0" bIns="0"/>
+          <a:p>
+            <a:endParaRPr b="0" lang="en-US" sz="3200" spc="-1" strike="noStrike">
+              <a:solidFill>
+                <a:srgbClr val="000000"/>
+              </a:solidFill>
+              <a:uFill>
+                <a:solidFill>
+                  <a:srgbClr val="ffffff"/>
+                </a:solidFill>
+              </a:uFill>
+              <a:latin typeface="Arial"/>
+            </a:endParaRPr>
+          </a:p>
+        </p:txBody>
+      </p:sp>
+      <p:sp>
+        <p:nvSpPr>
+          <p:cNvPr id="69" name="PlaceHolder 3"/>
+          <p:cNvSpPr>
+            <a:spLocks noGrp="1"/>
+          </p:cNvSpPr>
+          <p:nvPr>
+            <p:ph type="body"/>
+          </p:nvPr>
+        </p:nvSpPr>
+        <p:spPr>
+          <a:xfrm>
+            <a:off x="504000" y="1769040"/>
+            <a:ext cx="9071280" cy="4384080"/>
+          </a:xfrm>
+          <a:prstGeom prst="rect">
+            <a:avLst/>
+          </a:prstGeom>
+        </p:spPr>
+        <p:txBody>
+          <a:bodyPr lIns="0" rIns="0" tIns="0" bIns="0"/>
+          <a:p>
+            <a:endParaRPr b="0" lang="en-US" sz="3200" spc="-1" strike="noStrike">
+              <a:solidFill>
+                <a:srgbClr val="000000"/>
+              </a:solidFill>
+              <a:uFill>
+                <a:solidFill>
+                  <a:srgbClr val="ffffff"/>
+                </a:solidFill>
+              </a:uFill>
+              <a:latin typeface="Arial"/>
+            </a:endParaRPr>
+          </a:p>
+        </p:txBody>
+      </p:sp>
+      <p:pic>
+        <p:nvPicPr>
+          <p:cNvPr id="70" name="" descr=""/>
+          <p:cNvPicPr/>
+          <p:nvPr/>
+        </p:nvPicPr>
+        <p:blipFill>
+          <a:blip r:embed="rId2"/>
+          <a:stretch/>
+        </p:blipFill>
+        <p:spPr>
+          <a:xfrm>
+            <a:off x="2292120" y="1769040"/>
+            <a:ext cx="5494680" cy="4384080"/>
+          </a:xfrm>
+          <a:prstGeom prst="rect">
+            <a:avLst/>
+          </a:prstGeom>
+          <a:ln>
+            <a:noFill/>
+          </a:ln>
+        </p:spPr>
+      </p:pic>
+      <p:pic>
+        <p:nvPicPr>
+          <p:cNvPr id="71" name="" descr=""/>
+          <p:cNvPicPr/>
+          <p:nvPr/>
+        </p:nvPicPr>
+        <p:blipFill>
+          <a:blip r:embed="rId3"/>
+          <a:stretch/>
+        </p:blipFill>
+        <p:spPr>
+          <a:xfrm>
+            <a:off x="2292120" y="1769040"/>
+            <a:ext cx="5494680" cy="4384080"/>
+          </a:xfrm>
+          <a:prstGeom prst="rect">
+            <a:avLst/>
+          </a:prstGeom>
+          <a:ln>
+            <a:noFill/>
+          </a:ln>
+        </p:spPr>
+      </p:pic>
     </p:spTree>
   </p:cSld>
 </p:sldLayout>
@@ -663,7 +2139,7 @@
       </p:grpSpPr>
       <p:sp>
         <p:nvSpPr>
-          <p:cNvPr id="7" name="PlaceHolder 1"/>
+          <p:cNvPr id="4" name="PlaceHolder 1"/>
           <p:cNvSpPr>
             <a:spLocks noGrp="1"/>
           </p:cNvSpPr>
@@ -674,7 +2150,7 @@
         <p:spPr>
           <a:xfrm>
             <a:off x="504000" y="301320"/>
-            <a:ext cx="9071640" cy="1262160"/>
+            <a:ext cx="9071280" cy="1261800"/>
           </a:xfrm>
           <a:prstGeom prst="rect">
             <a:avLst/>
@@ -700,7 +2176,7 @@
       </p:sp>
       <p:sp>
         <p:nvSpPr>
-          <p:cNvPr id="8" name="PlaceHolder 2"/>
+          <p:cNvPr id="5" name="PlaceHolder 2"/>
           <p:cNvSpPr>
             <a:spLocks noGrp="1"/>
           </p:cNvSpPr>
@@ -711,7 +2187,7 @@
         <p:spPr>
           <a:xfrm>
             <a:off x="504000" y="1769040"/>
-            <a:ext cx="9071640" cy="4384440"/>
+            <a:ext cx="9071280" cy="4384080"/>
           </a:xfrm>
           <a:prstGeom prst="rect">
             <a:avLst/>
@@ -758,7 +2234,7 @@
       </p:grpSpPr>
       <p:sp>
         <p:nvSpPr>
-          <p:cNvPr id="9" name="PlaceHolder 1"/>
+          <p:cNvPr id="6" name="PlaceHolder 1"/>
           <p:cNvSpPr>
             <a:spLocks noGrp="1"/>
           </p:cNvSpPr>
@@ -769,7 +2245,7 @@
         <p:spPr>
           <a:xfrm>
             <a:off x="504000" y="301320"/>
-            <a:ext cx="9071640" cy="1262160"/>
+            <a:ext cx="9071280" cy="1261800"/>
           </a:xfrm>
           <a:prstGeom prst="rect">
             <a:avLst/>
@@ -795,7 +2271,7 @@
       </p:sp>
       <p:sp>
         <p:nvSpPr>
-          <p:cNvPr id="10" name="PlaceHolder 2"/>
+          <p:cNvPr id="7" name="PlaceHolder 2"/>
           <p:cNvSpPr>
             <a:spLocks noGrp="1"/>
           </p:cNvSpPr>
@@ -806,7 +2282,7 @@
         <p:spPr>
           <a:xfrm>
             <a:off x="504000" y="1769040"/>
-            <a:ext cx="4426920" cy="4384440"/>
+            <a:ext cx="4426560" cy="4384080"/>
           </a:xfrm>
           <a:prstGeom prst="rect">
             <a:avLst/>
@@ -831,7 +2307,7 @@
       </p:sp>
       <p:sp>
         <p:nvSpPr>
-          <p:cNvPr id="11" name="PlaceHolder 3"/>
+          <p:cNvPr id="8" name="PlaceHolder 3"/>
           <p:cNvSpPr>
             <a:spLocks noGrp="1"/>
           </p:cNvSpPr>
@@ -841,8 +2317,8 @@
         </p:nvSpPr>
         <p:spPr>
           <a:xfrm>
-            <a:off x="5152680" y="1769040"/>
-            <a:ext cx="4426920" cy="4384440"/>
+            <a:off x="5152320" y="1769040"/>
+            <a:ext cx="4426560" cy="4384080"/>
           </a:xfrm>
           <a:prstGeom prst="rect">
             <a:avLst/>
@@ -889,7 +2365,7 @@
       </p:grpSpPr>
       <p:sp>
         <p:nvSpPr>
-          <p:cNvPr id="12" name="PlaceHolder 1"/>
+          <p:cNvPr id="9" name="PlaceHolder 1"/>
           <p:cNvSpPr>
             <a:spLocks noGrp="1"/>
           </p:cNvSpPr>
@@ -900,7 +2376,7 @@
         <p:spPr>
           <a:xfrm>
             <a:off x="504000" y="301320"/>
-            <a:ext cx="9071640" cy="1262160"/>
+            <a:ext cx="9071280" cy="1261800"/>
           </a:xfrm>
           <a:prstGeom prst="rect">
             <a:avLst/>
@@ -948,7 +2424,7 @@
       </p:grpSpPr>
       <p:sp>
         <p:nvSpPr>
-          <p:cNvPr id="13" name="PlaceHolder 1"/>
+          <p:cNvPr id="10" name="PlaceHolder 1"/>
           <p:cNvSpPr>
             <a:spLocks noGrp="1"/>
           </p:cNvSpPr>
@@ -959,7 +2435,7 @@
         <p:spPr>
           <a:xfrm>
             <a:off x="504000" y="301320"/>
-            <a:ext cx="9071640" cy="5851800"/>
+            <a:ext cx="9071280" cy="5850360"/>
           </a:xfrm>
           <a:prstGeom prst="rect">
             <a:avLst/>
@@ -1007,7 +2483,7 @@
       </p:grpSpPr>
       <p:sp>
         <p:nvSpPr>
-          <p:cNvPr id="14" name="PlaceHolder 1"/>
+          <p:cNvPr id="11" name="PlaceHolder 1"/>
           <p:cNvSpPr>
             <a:spLocks noGrp="1"/>
           </p:cNvSpPr>
@@ -1018,7 +2494,7 @@
         <p:spPr>
           <a:xfrm>
             <a:off x="504000" y="301320"/>
-            <a:ext cx="9071640" cy="1262160"/>
+            <a:ext cx="9071280" cy="1261800"/>
           </a:xfrm>
           <a:prstGeom prst="rect">
             <a:avLst/>
@@ -1044,7 +2520,7 @@
       </p:sp>
       <p:sp>
         <p:nvSpPr>
-          <p:cNvPr id="15" name="PlaceHolder 2"/>
+          <p:cNvPr id="12" name="PlaceHolder 2"/>
           <p:cNvSpPr>
             <a:spLocks noGrp="1"/>
           </p:cNvSpPr>
@@ -1055,7 +2531,7 @@
         <p:spPr>
           <a:xfrm>
             <a:off x="504000" y="1769040"/>
-            <a:ext cx="4426920" cy="2091240"/>
+            <a:ext cx="4426560" cy="2090880"/>
           </a:xfrm>
           <a:prstGeom prst="rect">
             <a:avLst/>
@@ -1080,7 +2556,7 @@
       </p:sp>
       <p:sp>
         <p:nvSpPr>
-          <p:cNvPr id="16" name="PlaceHolder 3"/>
+          <p:cNvPr id="13" name="PlaceHolder 3"/>
           <p:cNvSpPr>
             <a:spLocks noGrp="1"/>
           </p:cNvSpPr>
@@ -1090,8 +2566,8 @@
         </p:nvSpPr>
         <p:spPr>
           <a:xfrm>
-            <a:off x="504000" y="4059360"/>
-            <a:ext cx="4426920" cy="2091240"/>
+            <a:off x="504000" y="4059000"/>
+            <a:ext cx="4426560" cy="2090880"/>
           </a:xfrm>
           <a:prstGeom prst="rect">
             <a:avLst/>
@@ -1116,7 +2592,7 @@
       </p:sp>
       <p:sp>
         <p:nvSpPr>
-          <p:cNvPr id="17" name="PlaceHolder 4"/>
+          <p:cNvPr id="14" name="PlaceHolder 4"/>
           <p:cNvSpPr>
             <a:spLocks noGrp="1"/>
           </p:cNvSpPr>
@@ -1126,8 +2602,8 @@
         </p:nvSpPr>
         <p:spPr>
           <a:xfrm>
-            <a:off x="5152680" y="1769040"/>
-            <a:ext cx="4426920" cy="4384440"/>
+            <a:off x="5152320" y="1769040"/>
+            <a:ext cx="4426560" cy="4384080"/>
           </a:xfrm>
           <a:prstGeom prst="rect">
             <a:avLst/>
@@ -1174,7 +2650,7 @@
       </p:grpSpPr>
       <p:sp>
         <p:nvSpPr>
-          <p:cNvPr id="18" name="PlaceHolder 1"/>
+          <p:cNvPr id="15" name="PlaceHolder 1"/>
           <p:cNvSpPr>
             <a:spLocks noGrp="1"/>
           </p:cNvSpPr>
@@ -1185,7 +2661,7 @@
         <p:spPr>
           <a:xfrm>
             <a:off x="504000" y="301320"/>
-            <a:ext cx="9071640" cy="1262160"/>
+            <a:ext cx="9071280" cy="1261800"/>
           </a:xfrm>
           <a:prstGeom prst="rect">
             <a:avLst/>
@@ -1211,7 +2687,7 @@
       </p:sp>
       <p:sp>
         <p:nvSpPr>
-          <p:cNvPr id="19" name="PlaceHolder 2"/>
+          <p:cNvPr id="16" name="PlaceHolder 2"/>
           <p:cNvSpPr>
             <a:spLocks noGrp="1"/>
           </p:cNvSpPr>
@@ -1222,7 +2698,7 @@
         <p:spPr>
           <a:xfrm>
             <a:off x="504000" y="1769040"/>
-            <a:ext cx="4426920" cy="4384440"/>
+            <a:ext cx="4426560" cy="4384080"/>
           </a:xfrm>
           <a:prstGeom prst="rect">
             <a:avLst/>
@@ -1247,7 +2723,7 @@
       </p:sp>
       <p:sp>
         <p:nvSpPr>
-          <p:cNvPr id="20" name="PlaceHolder 3"/>
+          <p:cNvPr id="17" name="PlaceHolder 3"/>
           <p:cNvSpPr>
             <a:spLocks noGrp="1"/>
           </p:cNvSpPr>
@@ -1257,8 +2733,8 @@
         </p:nvSpPr>
         <p:spPr>
           <a:xfrm>
-            <a:off x="5152680" y="1769040"/>
-            <a:ext cx="4426920" cy="2091240"/>
+            <a:off x="5152320" y="1769040"/>
+            <a:ext cx="4426560" cy="2090880"/>
           </a:xfrm>
           <a:prstGeom prst="rect">
             <a:avLst/>
@@ -1283,7 +2759,7 @@
       </p:sp>
       <p:sp>
         <p:nvSpPr>
-          <p:cNvPr id="21" name="PlaceHolder 4"/>
+          <p:cNvPr id="18" name="PlaceHolder 4"/>
           <p:cNvSpPr>
             <a:spLocks noGrp="1"/>
           </p:cNvSpPr>
@@ -1293,8 +2769,8 @@
         </p:nvSpPr>
         <p:spPr>
           <a:xfrm>
-            <a:off x="5152680" y="4059360"/>
-            <a:ext cx="4426920" cy="2091240"/>
+            <a:off x="5152320" y="4059000"/>
+            <a:ext cx="4426560" cy="2090880"/>
           </a:xfrm>
           <a:prstGeom prst="rect">
             <a:avLst/>
@@ -1341,7 +2817,7 @@
       </p:grpSpPr>
       <p:sp>
         <p:nvSpPr>
-          <p:cNvPr id="22" name="PlaceHolder 1"/>
+          <p:cNvPr id="19" name="PlaceHolder 1"/>
           <p:cNvSpPr>
             <a:spLocks noGrp="1"/>
           </p:cNvSpPr>
@@ -1352,7 +2828,7 @@
         <p:spPr>
           <a:xfrm>
             <a:off x="504000" y="301320"/>
-            <a:ext cx="9071640" cy="1262160"/>
+            <a:ext cx="9071280" cy="1261800"/>
           </a:xfrm>
           <a:prstGeom prst="rect">
             <a:avLst/>
@@ -1378,7 +2854,7 @@
       </p:sp>
       <p:sp>
         <p:nvSpPr>
-          <p:cNvPr id="23" name="PlaceHolder 2"/>
+          <p:cNvPr id="20" name="PlaceHolder 2"/>
           <p:cNvSpPr>
             <a:spLocks noGrp="1"/>
           </p:cNvSpPr>
@@ -1389,7 +2865,7 @@
         <p:spPr>
           <a:xfrm>
             <a:off x="504000" y="1769040"/>
-            <a:ext cx="4426920" cy="2091240"/>
+            <a:ext cx="4426560" cy="2090880"/>
           </a:xfrm>
           <a:prstGeom prst="rect">
             <a:avLst/>
@@ -1414,7 +2890,7 @@
       </p:sp>
       <p:sp>
         <p:nvSpPr>
-          <p:cNvPr id="24" name="PlaceHolder 3"/>
+          <p:cNvPr id="21" name="PlaceHolder 3"/>
           <p:cNvSpPr>
             <a:spLocks noGrp="1"/>
           </p:cNvSpPr>
@@ -1424,8 +2900,8 @@
         </p:nvSpPr>
         <p:spPr>
           <a:xfrm>
-            <a:off x="5152680" y="1769040"/>
-            <a:ext cx="4426920" cy="2091240"/>
+            <a:off x="5152320" y="1769040"/>
+            <a:ext cx="4426560" cy="2090880"/>
           </a:xfrm>
           <a:prstGeom prst="rect">
             <a:avLst/>
@@ -1450,7 +2926,7 @@
       </p:sp>
       <p:sp>
         <p:nvSpPr>
-          <p:cNvPr id="25" name="PlaceHolder 4"/>
+          <p:cNvPr id="22" name="PlaceHolder 4"/>
           <p:cNvSpPr>
             <a:spLocks noGrp="1"/>
           </p:cNvSpPr>
@@ -1460,8 +2936,8 @@
         </p:nvSpPr>
         <p:spPr>
           <a:xfrm>
-            <a:off x="504000" y="4059360"/>
-            <a:ext cx="9071640" cy="2091240"/>
+            <a:off x="504000" y="4059000"/>
+            <a:ext cx="9071280" cy="2090880"/>
           </a:xfrm>
           <a:prstGeom prst="rect">
             <a:avLst/>
@@ -1519,7 +2995,7 @@
         <p:spPr>
           <a:xfrm>
             <a:off x="504000" y="301320"/>
-            <a:ext cx="9071640" cy="1262160"/>
+            <a:ext cx="9071280" cy="1261800"/>
           </a:xfrm>
           <a:prstGeom prst="rect">
             <a:avLst/>
@@ -1529,20 +3005,6 @@
           <a:bodyPr lIns="0" rIns="0" tIns="0" bIns="0" anchor="ctr"/>
           <a:p>
             <a:pPr algn="ctr"/>
-            <a:r>
-              <a:rPr b="0" lang="en-US" sz="4400" spc="-1" strike="noStrike">
-                <a:solidFill>
-                  <a:srgbClr val="000000"/>
-                </a:solidFill>
-                <a:uFill>
-                  <a:solidFill>
-                    <a:srgbClr val="ffffff"/>
-                  </a:solidFill>
-                </a:uFill>
-                <a:latin typeface="Arial"/>
-              </a:rPr>
-              <a:t>Click to edit the title text format</a:t>
-            </a:r>
             <a:endParaRPr b="0" lang="en-US" sz="4400" spc="-1" strike="noStrike">
               <a:solidFill>
                 <a:srgbClr val="000000"/>
@@ -1569,8 +3031,8 @@
         </p:nvSpPr>
         <p:spPr>
           <a:xfrm>
-            <a:off x="504000" y="1769040"/>
-            <a:ext cx="9071640" cy="4384440"/>
+            <a:off x="504000" y="1768680"/>
+            <a:ext cx="9072000" cy="4384080"/>
           </a:xfrm>
           <a:prstGeom prst="rect">
             <a:avLst/>
@@ -1821,158 +3283,6 @@
                 </a:solidFill>
               </a:uFill>
               <a:latin typeface="Arial"/>
-            </a:endParaRPr>
-          </a:p>
-        </p:txBody>
-      </p:sp>
-      <p:sp>
-        <p:nvSpPr>
-          <p:cNvPr id="2" name="PlaceHolder 3"/>
-          <p:cNvSpPr>
-            <a:spLocks noGrp="1"/>
-          </p:cNvSpPr>
-          <p:nvPr>
-            <p:ph type="dt"/>
-          </p:nvPr>
-        </p:nvSpPr>
-        <p:spPr>
-          <a:xfrm>
-            <a:off x="504000" y="6887160"/>
-            <a:ext cx="2348280" cy="521280"/>
-          </a:xfrm>
-          <a:prstGeom prst="rect">
-            <a:avLst/>
-          </a:prstGeom>
-        </p:spPr>
-        <p:txBody>
-          <a:bodyPr lIns="0" rIns="0" tIns="0" bIns="0"/>
-          <a:p>
-            <a:r>
-              <a:rPr b="0" lang="en-US" sz="1400" spc="-1" strike="noStrike">
-                <a:solidFill>
-                  <a:srgbClr val="000000"/>
-                </a:solidFill>
-                <a:uFill>
-                  <a:solidFill>
-                    <a:srgbClr val="ffffff"/>
-                  </a:solidFill>
-                </a:uFill>
-                <a:latin typeface="Times New Roman"/>
-              </a:rPr>
-              <a:t>&lt;date/time&gt;</a:t>
-            </a:r>
-            <a:endParaRPr b="0" lang="en-US" sz="1400" spc="-1" strike="noStrike">
-              <a:solidFill>
-                <a:srgbClr val="000000"/>
-              </a:solidFill>
-              <a:uFill>
-                <a:solidFill>
-                  <a:srgbClr val="ffffff"/>
-                </a:solidFill>
-              </a:uFill>
-              <a:latin typeface="Times New Roman"/>
-            </a:endParaRPr>
-          </a:p>
-        </p:txBody>
-      </p:sp>
-      <p:sp>
-        <p:nvSpPr>
-          <p:cNvPr id="3" name="PlaceHolder 4"/>
-          <p:cNvSpPr>
-            <a:spLocks noGrp="1"/>
-          </p:cNvSpPr>
-          <p:nvPr>
-            <p:ph type="ftr"/>
-          </p:nvPr>
-        </p:nvSpPr>
-        <p:spPr>
-          <a:xfrm>
-            <a:off x="3447360" y="6887160"/>
-            <a:ext cx="3195000" cy="521280"/>
-          </a:xfrm>
-          <a:prstGeom prst="rect">
-            <a:avLst/>
-          </a:prstGeom>
-        </p:spPr>
-        <p:txBody>
-          <a:bodyPr lIns="0" rIns="0" tIns="0" bIns="0"/>
-          <a:p>
-            <a:pPr algn="ctr"/>
-            <a:r>
-              <a:rPr b="0" lang="en-US" sz="1400" spc="-1" strike="noStrike">
-                <a:solidFill>
-                  <a:srgbClr val="000000"/>
-                </a:solidFill>
-                <a:uFill>
-                  <a:solidFill>
-                    <a:srgbClr val="ffffff"/>
-                  </a:solidFill>
-                </a:uFill>
-                <a:latin typeface="Times New Roman"/>
-              </a:rPr>
-              <a:t>&lt;footer&gt;</a:t>
-            </a:r>
-            <a:endParaRPr b="0" lang="en-US" sz="1400" spc="-1" strike="noStrike">
-              <a:solidFill>
-                <a:srgbClr val="000000"/>
-              </a:solidFill>
-              <a:uFill>
-                <a:solidFill>
-                  <a:srgbClr val="ffffff"/>
-                </a:solidFill>
-              </a:uFill>
-              <a:latin typeface="Times New Roman"/>
-            </a:endParaRPr>
-          </a:p>
-        </p:txBody>
-      </p:sp>
-      <p:sp>
-        <p:nvSpPr>
-          <p:cNvPr id="4" name="PlaceHolder 5"/>
-          <p:cNvSpPr>
-            <a:spLocks noGrp="1"/>
-          </p:cNvSpPr>
-          <p:nvPr>
-            <p:ph type="sldNum"/>
-          </p:nvPr>
-        </p:nvSpPr>
-        <p:spPr>
-          <a:xfrm>
-            <a:off x="7227360" y="6887160"/>
-            <a:ext cx="2348280" cy="521280"/>
-          </a:xfrm>
-          <a:prstGeom prst="rect">
-            <a:avLst/>
-          </a:prstGeom>
-        </p:spPr>
-        <p:txBody>
-          <a:bodyPr lIns="0" rIns="0" tIns="0" bIns="0"/>
-          <a:p>
-            <a:pPr algn="r"/>
-            <a:fld id="{42FF39A2-B6BB-402F-B320-8583C8698D4F}" type="slidenum">
-              <a:rPr b="0" lang="en-US" sz="1400" spc="-1" strike="noStrike">
-                <a:solidFill>
-                  <a:srgbClr val="000000"/>
-                </a:solidFill>
-                <a:uFill>
-                  <a:solidFill>
-                    <a:srgbClr val="ffffff"/>
-                  </a:solidFill>
-                </a:uFill>
-                <a:latin typeface="Times New Roman"/>
-              </a:rPr>
-              <a:t>&lt;number&gt;</a:t>
-            </a:fld>
-            <a:endParaRPr b="0" lang="en-US" sz="1400" spc="-1" strike="noStrike">
-              <a:solidFill>
-                <a:srgbClr val="000000"/>
-              </a:solidFill>
-              <a:uFill>
-                <a:solidFill>
-                  <a:srgbClr val="ffffff"/>
-                </a:solidFill>
-              </a:uFill>
-              <a:latin typeface="Times New Roman"/>
             </a:endParaRPr>
           </a:p>
         </p:txBody>
@@ -1993,6 +3303,348 @@
     <p:sldLayoutId id="2147483658" r:id="rId11"/>
     <p:sldLayoutId id="2147483659" r:id="rId12"/>
     <p:sldLayoutId id="2147483660" r:id="rId13"/>
+  </p:sldLayoutIdLst>
+</p:sldMaster>
+</file>
+
+<file path=ppt/slideMasters/slideMaster2.xml><?xml version="1.0" encoding="utf-8"?>
+<p:sldMaster xmlns:a="http://schemas.openxmlformats.org/drawingml/2006/main" xmlns:p="http://schemas.openxmlformats.org/presentationml/2006/main" xmlns:r="http://schemas.openxmlformats.org/officeDocument/2006/relationships" xmlns:p14="http://schemas.microsoft.com/office/powerpoint/2010/main" xmlns:p15="http://schemas.microsoft.com/office/powerpoint/2012/main" xmlns:mc="http://schemas.openxmlformats.org/markup-compatibility/2006">
+  <p:cSld>
+    <p:spTree>
+      <p:nvGrpSpPr>
+        <p:cNvPr id="1" name=""/>
+        <p:cNvGrpSpPr/>
+        <p:nvPr/>
+      </p:nvGrpSpPr>
+      <p:grpSpPr>
+        <a:xfrm>
+          <a:off x="0" y="0"/>
+          <a:ext cx="0" cy="0"/>
+          <a:chOff x="0" y="0"/>
+          <a:chExt cx="0" cy="0"/>
+        </a:xfrm>
+      </p:grpSpPr>
+      <p:sp>
+        <p:nvSpPr>
+          <p:cNvPr id="36" name="PlaceHolder 1"/>
+          <p:cNvSpPr>
+            <a:spLocks noGrp="1"/>
+          </p:cNvSpPr>
+          <p:nvPr>
+            <p:ph type="title"/>
+          </p:nvPr>
+        </p:nvSpPr>
+        <p:spPr>
+          <a:xfrm>
+            <a:off x="504000" y="301320"/>
+            <a:ext cx="9071280" cy="1261800"/>
+          </a:xfrm>
+          <a:prstGeom prst="rect">
+            <a:avLst/>
+          </a:prstGeom>
+        </p:spPr>
+        <p:txBody>
+          <a:bodyPr lIns="0" rIns="0" tIns="0" bIns="0" anchor="ctr"/>
+          <a:p>
+            <a:pPr algn="ctr"/>
+            <a:endParaRPr b="0" lang="en-US" sz="4400" spc="-1" strike="noStrike">
+              <a:solidFill>
+                <a:srgbClr val="000000"/>
+              </a:solidFill>
+              <a:uFill>
+                <a:solidFill>
+                  <a:srgbClr val="ffffff"/>
+                </a:solidFill>
+              </a:uFill>
+              <a:latin typeface="Arial"/>
+            </a:endParaRPr>
+          </a:p>
+        </p:txBody>
+      </p:sp>
+      <p:sp>
+        <p:nvSpPr>
+          <p:cNvPr id="37" name="PlaceHolder 2"/>
+          <p:cNvSpPr>
+            <a:spLocks noGrp="1"/>
+          </p:cNvSpPr>
+          <p:nvPr>
+            <p:ph type="body"/>
+          </p:nvPr>
+        </p:nvSpPr>
+        <p:spPr>
+          <a:xfrm>
+            <a:off x="504000" y="1769040"/>
+            <a:ext cx="9071280" cy="4384080"/>
+          </a:xfrm>
+          <a:prstGeom prst="rect">
+            <a:avLst/>
+          </a:prstGeom>
+        </p:spPr>
+        <p:txBody>
+          <a:bodyPr lIns="0" rIns="0" tIns="0" bIns="0"/>
+          <a:p>
+            <a:pPr marL="432000" indent="-324000">
+              <a:buClr>
+                <a:srgbClr val="000000"/>
+              </a:buClr>
+              <a:buSzPct val="45000"/>
+              <a:buFont typeface="Wingdings" charset="2"/>
+              <a:buChar char=""/>
+            </a:pPr>
+            <a:r>
+              <a:rPr b="0" lang="en-US" sz="1800" spc="-1" strike="noStrike">
+                <a:solidFill>
+                  <a:srgbClr val="000000"/>
+                </a:solidFill>
+                <a:uFill>
+                  <a:solidFill>
+                    <a:srgbClr val="ffffff"/>
+                  </a:solidFill>
+                </a:uFill>
+                <a:latin typeface="Arial"/>
+              </a:rPr>
+              <a:t>Click to edit the outline text format</a:t>
+            </a:r>
+            <a:endParaRPr b="0" lang="en-US" sz="1800" spc="-1" strike="noStrike">
+              <a:solidFill>
+                <a:srgbClr val="000000"/>
+              </a:solidFill>
+              <a:uFill>
+                <a:solidFill>
+                  <a:srgbClr val="ffffff"/>
+                </a:solidFill>
+              </a:uFill>
+              <a:latin typeface="Arial"/>
+            </a:endParaRPr>
+          </a:p>
+          <a:p>
+            <a:pPr lvl="1" marL="864000" indent="-324000">
+              <a:buClr>
+                <a:srgbClr val="000000"/>
+              </a:buClr>
+              <a:buSzPct val="75000"/>
+              <a:buFont typeface="Symbol" charset="2"/>
+              <a:buChar char=""/>
+            </a:pPr>
+            <a:r>
+              <a:rPr b="0" lang="en-US" sz="1800" spc="-1" strike="noStrike">
+                <a:solidFill>
+                  <a:srgbClr val="000000"/>
+                </a:solidFill>
+                <a:uFill>
+                  <a:solidFill>
+                    <a:srgbClr val="ffffff"/>
+                  </a:solidFill>
+                </a:uFill>
+                <a:latin typeface="Arial"/>
+              </a:rPr>
+              <a:t>Second Outline Level</a:t>
+            </a:r>
+            <a:endParaRPr b="0" lang="en-US" sz="1800" spc="-1" strike="noStrike">
+              <a:solidFill>
+                <a:srgbClr val="000000"/>
+              </a:solidFill>
+              <a:uFill>
+                <a:solidFill>
+                  <a:srgbClr val="ffffff"/>
+                </a:solidFill>
+              </a:uFill>
+              <a:latin typeface="Arial"/>
+            </a:endParaRPr>
+          </a:p>
+          <a:p>
+            <a:pPr lvl="2" marL="1296000" indent="-288000">
+              <a:buClr>
+                <a:srgbClr val="000000"/>
+              </a:buClr>
+              <a:buSzPct val="45000"/>
+              <a:buFont typeface="Wingdings" charset="2"/>
+              <a:buChar char=""/>
+            </a:pPr>
+            <a:r>
+              <a:rPr b="0" lang="en-US" sz="1800" spc="-1" strike="noStrike">
+                <a:solidFill>
+                  <a:srgbClr val="000000"/>
+                </a:solidFill>
+                <a:uFill>
+                  <a:solidFill>
+                    <a:srgbClr val="ffffff"/>
+                  </a:solidFill>
+                </a:uFill>
+                <a:latin typeface="Arial"/>
+              </a:rPr>
+              <a:t>Third Outline Level</a:t>
+            </a:r>
+            <a:endParaRPr b="0" lang="en-US" sz="1800" spc="-1" strike="noStrike">
+              <a:solidFill>
+                <a:srgbClr val="000000"/>
+              </a:solidFill>
+              <a:uFill>
+                <a:solidFill>
+                  <a:srgbClr val="ffffff"/>
+                </a:solidFill>
+              </a:uFill>
+              <a:latin typeface="Arial"/>
+            </a:endParaRPr>
+          </a:p>
+          <a:p>
+            <a:pPr lvl="3" marL="1728000" indent="-216000">
+              <a:buClr>
+                <a:srgbClr val="000000"/>
+              </a:buClr>
+              <a:buSzPct val="75000"/>
+              <a:buFont typeface="Symbol" charset="2"/>
+              <a:buChar char=""/>
+            </a:pPr>
+            <a:r>
+              <a:rPr b="0" lang="en-US" sz="1800" spc="-1" strike="noStrike">
+                <a:solidFill>
+                  <a:srgbClr val="000000"/>
+                </a:solidFill>
+                <a:uFill>
+                  <a:solidFill>
+                    <a:srgbClr val="ffffff"/>
+                  </a:solidFill>
+                </a:uFill>
+                <a:latin typeface="Arial"/>
+              </a:rPr>
+              <a:t>Fourth Outline Level</a:t>
+            </a:r>
+            <a:endParaRPr b="0" lang="en-US" sz="1800" spc="-1" strike="noStrike">
+              <a:solidFill>
+                <a:srgbClr val="000000"/>
+              </a:solidFill>
+              <a:uFill>
+                <a:solidFill>
+                  <a:srgbClr val="ffffff"/>
+                </a:solidFill>
+              </a:uFill>
+              <a:latin typeface="Arial"/>
+            </a:endParaRPr>
+          </a:p>
+          <a:p>
+            <a:pPr lvl="4" marL="2160000" indent="-216000">
+              <a:buClr>
+                <a:srgbClr val="000000"/>
+              </a:buClr>
+              <a:buSzPct val="45000"/>
+              <a:buFont typeface="Wingdings" charset="2"/>
+              <a:buChar char=""/>
+            </a:pPr>
+            <a:r>
+              <a:rPr b="0" lang="en-US" sz="1800" spc="-1" strike="noStrike">
+                <a:solidFill>
+                  <a:srgbClr val="000000"/>
+                </a:solidFill>
+                <a:uFill>
+                  <a:solidFill>
+                    <a:srgbClr val="ffffff"/>
+                  </a:solidFill>
+                </a:uFill>
+                <a:latin typeface="Arial"/>
+              </a:rPr>
+              <a:t>Fifth Outline Level</a:t>
+            </a:r>
+            <a:endParaRPr b="0" lang="en-US" sz="1800" spc="-1" strike="noStrike">
+              <a:solidFill>
+                <a:srgbClr val="000000"/>
+              </a:solidFill>
+              <a:uFill>
+                <a:solidFill>
+                  <a:srgbClr val="ffffff"/>
+                </a:solidFill>
+              </a:uFill>
+              <a:latin typeface="Arial"/>
+            </a:endParaRPr>
+          </a:p>
+          <a:p>
+            <a:pPr lvl="5" marL="2592000" indent="-216000">
+              <a:buClr>
+                <a:srgbClr val="000000"/>
+              </a:buClr>
+              <a:buSzPct val="45000"/>
+              <a:buFont typeface="Wingdings" charset="2"/>
+              <a:buChar char=""/>
+            </a:pPr>
+            <a:r>
+              <a:rPr b="0" lang="en-US" sz="1800" spc="-1" strike="noStrike">
+                <a:solidFill>
+                  <a:srgbClr val="000000"/>
+                </a:solidFill>
+                <a:uFill>
+                  <a:solidFill>
+                    <a:srgbClr val="ffffff"/>
+                  </a:solidFill>
+                </a:uFill>
+                <a:latin typeface="Arial"/>
+              </a:rPr>
+              <a:t>Sixth Outline Level</a:t>
+            </a:r>
+            <a:endParaRPr b="0" lang="en-US" sz="1800" spc="-1" strike="noStrike">
+              <a:solidFill>
+                <a:srgbClr val="000000"/>
+              </a:solidFill>
+              <a:uFill>
+                <a:solidFill>
+                  <a:srgbClr val="ffffff"/>
+                </a:solidFill>
+              </a:uFill>
+              <a:latin typeface="Arial"/>
+            </a:endParaRPr>
+          </a:p>
+          <a:p>
+            <a:pPr lvl="6" marL="3024000" indent="-216000">
+              <a:buClr>
+                <a:srgbClr val="000000"/>
+              </a:buClr>
+              <a:buSzPct val="45000"/>
+              <a:buFont typeface="Wingdings" charset="2"/>
+              <a:buChar char=""/>
+            </a:pPr>
+            <a:r>
+              <a:rPr b="0" lang="en-US" sz="1800" spc="-1" strike="noStrike">
+                <a:solidFill>
+                  <a:srgbClr val="000000"/>
+                </a:solidFill>
+                <a:uFill>
+                  <a:solidFill>
+                    <a:srgbClr val="ffffff"/>
+                  </a:solidFill>
+                </a:uFill>
+                <a:latin typeface="Arial"/>
+              </a:rPr>
+              <a:t>Seventh Outline Level</a:t>
+            </a:r>
+            <a:endParaRPr b="0" lang="en-US" sz="1800" spc="-1" strike="noStrike">
+              <a:solidFill>
+                <a:srgbClr val="000000"/>
+              </a:solidFill>
+              <a:uFill>
+                <a:solidFill>
+                  <a:srgbClr val="ffffff"/>
+                </a:solidFill>
+              </a:uFill>
+              <a:latin typeface="Arial"/>
+            </a:endParaRPr>
+          </a:p>
+        </p:txBody>
+      </p:sp>
+    </p:spTree>
+  </p:cSld>
+  <p:clrMap bg1="lt1" bg2="lt2" tx1="dk1" tx2="dk2" accent1="accent1" accent2="accent2" accent3="accent3" accent4="accent4" accent5="accent5" accent6="accent6" hlink="hlink" folHlink="folHlink"/>
+  <p:sldLayoutIdLst>
+    <p:sldLayoutId id="2147483662" r:id="rId2"/>
+    <p:sldLayoutId id="2147483663" r:id="rId3"/>
+    <p:sldLayoutId id="2147483664" r:id="rId4"/>
+    <p:sldLayoutId id="2147483665" r:id="rId5"/>
+    <p:sldLayoutId id="2147483666" r:id="rId6"/>
+    <p:sldLayoutId id="2147483667" r:id="rId7"/>
+    <p:sldLayoutId id="2147483668" r:id="rId8"/>
+    <p:sldLayoutId id="2147483669" r:id="rId9"/>
+    <p:sldLayoutId id="2147483670" r:id="rId10"/>
+    <p:sldLayoutId id="2147483671" r:id="rId11"/>
+    <p:sldLayoutId id="2147483672" r:id="rId12"/>
+    <p:sldLayoutId id="2147483673" r:id="rId13"/>
   </p:sldLayoutIdLst>
 </p:sldMaster>
 </file>
@@ -2016,14 +3668,14 @@
       </p:grpSpPr>
       <p:sp>
         <p:nvSpPr>
-          <p:cNvPr id="39" name="TextShape 1"/>
-          <p:cNvSpPr txBox="1"/>
+          <p:cNvPr id="72" name="CustomShape 1"/>
+          <p:cNvSpPr/>
           <p:nvPr/>
         </p:nvSpPr>
         <p:spPr>
           <a:xfrm>
             <a:off x="504000" y="1769040"/>
-            <a:ext cx="9071640" cy="4384440"/>
+            <a:ext cx="9071280" cy="4384080"/>
           </a:xfrm>
           <a:prstGeom prst="rect">
             <a:avLst/>
@@ -2033,10 +3685,20 @@
             <a:noFill/>
           </a:ln>
         </p:spPr>
+        <p:style>
+          <a:lnRef idx="0"/>
+          <a:fillRef idx="0"/>
+          <a:effectRef idx="0"/>
+          <a:fontRef idx="minor"/>
+        </p:style>
         <p:txBody>
           <a:bodyPr lIns="0" rIns="0" tIns="0" bIns="0" anchor="ctr"/>
           <a:p>
-            <a:pPr algn="ctr"/>
+            <a:pPr algn="ctr">
+              <a:lnSpc>
+                <a:spcPct val="100000"/>
+              </a:lnSpc>
+            </a:pPr>
             <a:r>
               <a:rPr b="0" lang="en-US" sz="4400" spc="-1" strike="noStrike">
                 <a:solidFill>
@@ -2050,146 +3712,11 @@
                 <a:latin typeface="Arial"/>
                 <a:ea typeface="Noto Sans CJK SC Regular"/>
               </a:rPr>
-              <a:t>Autono</a:t>
-            </a:r>
-            <a:r>
-              <a:rPr b="0" lang="en-US" sz="4400" spc="-1" strike="noStrike">
-                <a:solidFill>
-                  <a:srgbClr val="800000"/>
-                </a:solidFill>
-                <a:uFill>
-                  <a:solidFill>
-                    <a:srgbClr val="ffffff"/>
-                  </a:solidFill>
-                </a:uFill>
-                <a:latin typeface="Arial"/>
-                <a:ea typeface="Noto Sans CJK SC Regular"/>
-              </a:rPr>
-              <a:t>mous </a:t>
-            </a:r>
-            <a:r>
-              <a:rPr b="0" lang="en-US" sz="4400" spc="-1" strike="noStrike">
-                <a:solidFill>
-                  <a:srgbClr val="800000"/>
-                </a:solidFill>
-                <a:uFill>
-                  <a:solidFill>
-                    <a:srgbClr val="ffffff"/>
-                  </a:solidFill>
-                </a:uFill>
-                <a:latin typeface="Arial"/>
-                <a:ea typeface="Noto Sans CJK SC Regular"/>
-              </a:rPr>
-              <a:t>Video </a:t>
-            </a:r>
-            <a:r>
-              <a:rPr b="0" lang="en-US" sz="4400" spc="-1" strike="noStrike">
-                <a:solidFill>
-                  <a:srgbClr val="800000"/>
-                </a:solidFill>
-                <a:uFill>
-                  <a:solidFill>
-                    <a:srgbClr val="ffffff"/>
-                  </a:solidFill>
-                </a:uFill>
-                <a:latin typeface="Arial"/>
-                <a:ea typeface="Noto Sans CJK SC Regular"/>
-              </a:rPr>
-              <a:t>based </a:t>
-            </a:r>
-            <a:r>
-              <a:rPr b="0" lang="en-US" sz="4400" spc="-1" strike="noStrike">
-                <a:solidFill>
-                  <a:srgbClr val="800000"/>
-                </a:solidFill>
-                <a:uFill>
-                  <a:solidFill>
-                    <a:srgbClr val="ffffff"/>
-                  </a:solidFill>
-                </a:uFill>
-                <a:latin typeface="Arial"/>
-                <a:ea typeface="Noto Sans CJK SC Regular"/>
-              </a:rPr>
-              <a:t>Aquatic </a:t>
-            </a:r>
-            <a:r>
-              <a:rPr b="0" lang="en-US" sz="4400" spc="-1" strike="noStrike">
-                <a:solidFill>
-                  <a:srgbClr val="800000"/>
-                </a:solidFill>
-                <a:uFill>
-                  <a:solidFill>
-                    <a:srgbClr val="ffffff"/>
-                  </a:solidFill>
-                </a:uFill>
-                <a:latin typeface="Arial"/>
-                <a:ea typeface="Noto Sans CJK SC Regular"/>
-              </a:rPr>
-              <a:t>Alarm </a:t>
-            </a:r>
-            <a:r>
-              <a:rPr b="0" lang="en-US" sz="4400" spc="-1" strike="noStrike">
-                <a:solidFill>
-                  <a:srgbClr val="800000"/>
-                </a:solidFill>
-                <a:uFill>
-                  <a:solidFill>
-                    <a:srgbClr val="ffffff"/>
-                  </a:solidFill>
-                </a:uFill>
-                <a:latin typeface="Arial"/>
-                <a:ea typeface="Noto Sans CJK SC Regular"/>
-              </a:rPr>
-              <a:t>and </a:t>
-            </a:r>
-            <a:r>
-              <a:rPr b="0" lang="en-US" sz="4400" spc="-1" strike="noStrike">
-                <a:solidFill>
-                  <a:srgbClr val="800000"/>
-                </a:solidFill>
-                <a:uFill>
-                  <a:solidFill>
-                    <a:srgbClr val="ffffff"/>
-                  </a:solidFill>
-                </a:uFill>
-                <a:latin typeface="Arial"/>
-                <a:ea typeface="Noto Sans CJK SC Regular"/>
-              </a:rPr>
-              <a:t>Monitori</a:t>
-            </a:r>
-            <a:r>
-              <a:rPr b="0" lang="en-US" sz="4400" spc="-1" strike="noStrike">
-                <a:solidFill>
-                  <a:srgbClr val="800000"/>
-                </a:solidFill>
-                <a:uFill>
-                  <a:solidFill>
-                    <a:srgbClr val="ffffff"/>
-                  </a:solidFill>
-                </a:uFill>
-                <a:latin typeface="Arial"/>
-                <a:ea typeface="Noto Sans CJK SC Regular"/>
-              </a:rPr>
-              <a:t>ng </a:t>
-            </a:r>
-            <a:r>
-              <a:rPr b="0" lang="en-US" sz="4400" spc="-1" strike="noStrike">
-                <a:solidFill>
-                  <a:srgbClr val="800000"/>
-                </a:solidFill>
-                <a:uFill>
-                  <a:solidFill>
-                    <a:srgbClr val="ffffff"/>
-                  </a:solidFill>
-                </a:uFill>
-                <a:latin typeface="Arial"/>
-                <a:ea typeface="Noto Sans CJK SC Regular"/>
-              </a:rPr>
-              <a:t>System</a:t>
-            </a:r>
-            <a:endParaRPr b="0" lang="en-US" sz="3200" spc="-1" strike="noStrike">
-              <a:solidFill>
-                <a:srgbClr val="800000"/>
+              <a:t>Autonomous Video based Aquatic Alarm and Monitoring System</a:t>
+            </a:r>
+            <a:endParaRPr b="0" lang="en-US" sz="1800" spc="-1" strike="noStrike">
+              <a:solidFill>
+                <a:srgbClr val="000000"/>
               </a:solidFill>
               <a:uFill>
                 <a:solidFill>
@@ -2252,14 +3779,14 @@
       </p:grpSpPr>
       <p:sp>
         <p:nvSpPr>
-          <p:cNvPr id="40" name="TextShape 1"/>
-          <p:cNvSpPr txBox="1"/>
+          <p:cNvPr id="73" name="CustomShape 1"/>
+          <p:cNvSpPr/>
           <p:nvPr/>
         </p:nvSpPr>
         <p:spPr>
           <a:xfrm>
             <a:off x="504000" y="1769040"/>
-            <a:ext cx="9071640" cy="4384440"/>
+            <a:ext cx="9071280" cy="4384080"/>
           </a:xfrm>
           <a:prstGeom prst="rect">
             <a:avLst/>
@@ -2269,10 +3796,19 @@
             <a:noFill/>
           </a:ln>
         </p:spPr>
+        <p:style>
+          <a:lnRef idx="0"/>
+          <a:fillRef idx="0"/>
+          <a:effectRef idx="0"/>
+          <a:fontRef idx="minor"/>
+        </p:style>
         <p:txBody>
           <a:bodyPr lIns="0" rIns="0" tIns="0" bIns="0"/>
           <a:p>
-            <a:pPr marL="432000" indent="-324000">
+            <a:pPr marL="432000" indent="-323640">
+              <a:lnSpc>
+                <a:spcPct val="100000"/>
+              </a:lnSpc>
               <a:buClr>
                 <a:srgbClr val="000000"/>
               </a:buClr>
@@ -2294,20 +3830,23 @@
               </a:rPr>
               <a:t>Drowning is the 3rd leading cause of unintentional injury death worldwide accouting to 372 000 annual drowning deaths worldwide.</a:t>
             </a:r>
-            <a:endParaRPr b="0" lang="en-US" sz="3200" spc="-1" strike="noStrike">
-              <a:solidFill>
-                <a:srgbClr val="800000"/>
-              </a:solidFill>
-              <a:uFill>
-                <a:solidFill>
-                  <a:srgbClr val="ffffff"/>
-                </a:solidFill>
-              </a:uFill>
-              <a:latin typeface="Arial"/>
-            </a:endParaRPr>
-          </a:p>
-          <a:p>
-            <a:pPr marL="432000" indent="-324000">
+            <a:endParaRPr b="0" lang="en-US" sz="1800" spc="-1" strike="noStrike">
+              <a:solidFill>
+                <a:srgbClr val="000000"/>
+              </a:solidFill>
+              <a:uFill>
+                <a:solidFill>
+                  <a:srgbClr val="ffffff"/>
+                </a:solidFill>
+              </a:uFill>
+              <a:latin typeface="Arial"/>
+            </a:endParaRPr>
+          </a:p>
+          <a:p>
+            <a:pPr marL="432000" indent="-323640">
+              <a:lnSpc>
+                <a:spcPct val="100000"/>
+              </a:lnSpc>
               <a:buClr>
                 <a:srgbClr val="000000"/>
               </a:buClr>
@@ -2329,20 +3868,23 @@
               </a:rPr>
               <a:t>Coastal drowning in the United States alone accounts for US$ 273 million each year in direct and indirect costs. In Australia and Canada, the total annual cost of drowning injury is US$ 85.5 million and US$ 173 million respectively.</a:t>
             </a:r>
-            <a:endParaRPr b="0" lang="en-US" sz="3200" spc="-1" strike="noStrike">
-              <a:solidFill>
-                <a:srgbClr val="800000"/>
-              </a:solidFill>
-              <a:uFill>
-                <a:solidFill>
-                  <a:srgbClr val="ffffff"/>
-                </a:solidFill>
-              </a:uFill>
-              <a:latin typeface="Arial"/>
-            </a:endParaRPr>
-          </a:p>
-          <a:p>
-            <a:pPr marL="432000" indent="-324000">
+            <a:endParaRPr b="0" lang="en-US" sz="1800" spc="-1" strike="noStrike">
+              <a:solidFill>
+                <a:srgbClr val="000000"/>
+              </a:solidFill>
+              <a:uFill>
+                <a:solidFill>
+                  <a:srgbClr val="ffffff"/>
+                </a:solidFill>
+              </a:uFill>
+              <a:latin typeface="Arial"/>
+            </a:endParaRPr>
+          </a:p>
+          <a:p>
+            <a:pPr marL="432000" indent="-323640">
+              <a:lnSpc>
+                <a:spcPct val="100000"/>
+              </a:lnSpc>
               <a:buClr>
                 <a:srgbClr val="000000"/>
               </a:buClr>
@@ -2364,9 +3906,9 @@
               </a:rPr>
               <a:t>Drowning is one of the top 5 causes of death for people aged 1-14 years </a:t>
             </a:r>
-            <a:endParaRPr b="0" lang="en-US" sz="3200" spc="-1" strike="noStrike">
-              <a:solidFill>
-                <a:srgbClr val="800000"/>
+            <a:endParaRPr b="0" lang="en-US" sz="1800" spc="-1" strike="noStrike">
+              <a:solidFill>
+                <a:srgbClr val="000000"/>
               </a:solidFill>
               <a:uFill>
                 <a:solidFill>
@@ -2429,14 +3971,14 @@
       </p:grpSpPr>
       <p:sp>
         <p:nvSpPr>
-          <p:cNvPr id="41" name="TextShape 1"/>
-          <p:cNvSpPr txBox="1"/>
+          <p:cNvPr id="74" name="CustomShape 1"/>
+          <p:cNvSpPr/>
           <p:nvPr/>
         </p:nvSpPr>
         <p:spPr>
           <a:xfrm>
             <a:off x="504000" y="301320"/>
-            <a:ext cx="9071640" cy="1262160"/>
+            <a:ext cx="9071280" cy="1261800"/>
           </a:xfrm>
           <a:prstGeom prst="rect">
             <a:avLst/>
@@ -2446,10 +3988,20 @@
             <a:noFill/>
           </a:ln>
         </p:spPr>
+        <p:style>
+          <a:lnRef idx="0"/>
+          <a:fillRef idx="0"/>
+          <a:effectRef idx="0"/>
+          <a:fontRef idx="minor"/>
+        </p:style>
         <p:txBody>
           <a:bodyPr lIns="0" rIns="0" tIns="0" bIns="0" anchor="ctr"/>
           <a:p>
-            <a:pPr algn="ctr"/>
+            <a:pPr algn="ctr">
+              <a:lnSpc>
+                <a:spcPct val="100000"/>
+              </a:lnSpc>
+            </a:pPr>
             <a:r>
               <a:rPr b="0" lang="en-US" sz="4400" spc="-1" strike="noStrike">
                 <a:solidFill>
@@ -2492,30 +4044,30 @@
               </a:rPr>
               <a:t>Design</a:t>
             </a:r>
-            <a:endParaRPr b="0" lang="en-US" sz="4400" spc="-1" strike="noStrike">
-              <a:solidFill>
-                <a:srgbClr val="000000"/>
-              </a:solidFill>
-              <a:uFill>
-                <a:solidFill>
-                  <a:srgbClr val="ffffff"/>
-                </a:solidFill>
-              </a:uFill>
-              <a:latin typeface="Arial"/>
-            </a:endParaRPr>
-          </a:p>
-        </p:txBody>
-      </p:sp>
-      <p:sp>
-        <p:nvSpPr>
-          <p:cNvPr id="42" name="CustomShape 2"/>
+            <a:endParaRPr b="0" lang="en-US" sz="1800" spc="-1" strike="noStrike">
+              <a:solidFill>
+                <a:srgbClr val="000000"/>
+              </a:solidFill>
+              <a:uFill>
+                <a:solidFill>
+                  <a:srgbClr val="ffffff"/>
+                </a:solidFill>
+              </a:uFill>
+              <a:latin typeface="Arial"/>
+            </a:endParaRPr>
+          </a:p>
+        </p:txBody>
+      </p:sp>
+      <p:sp>
+        <p:nvSpPr>
+          <p:cNvPr id="75" name="CustomShape 2"/>
           <p:cNvSpPr/>
           <p:nvPr/>
         </p:nvSpPr>
         <p:spPr>
           <a:xfrm>
             <a:off x="6309360" y="1828800"/>
-            <a:ext cx="2904480" cy="4206240"/>
+            <a:ext cx="2904120" cy="4205880"/>
           </a:xfrm>
           <a:prstGeom prst="rect">
             <a:avLst/>
@@ -2538,14 +4090,14 @@
       </p:sp>
       <p:sp>
         <p:nvSpPr>
-          <p:cNvPr id="43" name="TextShape 3"/>
-          <p:cNvSpPr txBox="1"/>
+          <p:cNvPr id="76" name="CustomShape 3"/>
+          <p:cNvSpPr/>
           <p:nvPr/>
         </p:nvSpPr>
         <p:spPr>
           <a:xfrm>
             <a:off x="504000" y="1769040"/>
-            <a:ext cx="9071640" cy="4384440"/>
+            <a:ext cx="9071280" cy="4384080"/>
           </a:xfrm>
           <a:prstGeom prst="rect">
             <a:avLst/>
@@ -2555,33 +4107,23 @@
             <a:noFill/>
           </a:ln>
         </p:spPr>
-        <p:txBody>
-          <a:bodyPr lIns="0" rIns="0" tIns="0" bIns="0"/>
-          <a:p>
-            <a:endParaRPr b="0" lang="en-US" sz="3200" spc="-1" strike="noStrike">
-              <a:solidFill>
-                <a:srgbClr val="000000"/>
-              </a:solidFill>
-              <a:uFill>
-                <a:solidFill>
-                  <a:srgbClr val="ffffff"/>
-                </a:solidFill>
-              </a:uFill>
-              <a:latin typeface="Arial"/>
-            </a:endParaRPr>
-          </a:p>
-        </p:txBody>
-      </p:sp>
-      <p:sp>
-        <p:nvSpPr>
-          <p:cNvPr id="44" name="CustomShape 4"/>
+        <p:style>
+          <a:lnRef idx="0"/>
+          <a:fillRef idx="0"/>
+          <a:effectRef idx="0"/>
+          <a:fontRef idx="minor"/>
+        </p:style>
+      </p:sp>
+      <p:sp>
+        <p:nvSpPr>
+          <p:cNvPr id="77" name="CustomShape 4"/>
           <p:cNvSpPr/>
           <p:nvPr/>
         </p:nvSpPr>
         <p:spPr>
           <a:xfrm>
             <a:off x="822960" y="1828800"/>
-            <a:ext cx="5029200" cy="4206240"/>
+            <a:ext cx="5028840" cy="4205880"/>
           </a:xfrm>
           <a:prstGeom prst="rect">
             <a:avLst/>
@@ -2604,14 +4146,14 @@
       </p:sp>
       <p:sp>
         <p:nvSpPr>
-          <p:cNvPr id="45" name="CustomShape 5"/>
+          <p:cNvPr id="78" name="CustomShape 5"/>
           <p:cNvSpPr/>
           <p:nvPr/>
         </p:nvSpPr>
         <p:spPr>
           <a:xfrm>
             <a:off x="2589480" y="2651760"/>
-            <a:ext cx="1188720" cy="548640"/>
+            <a:ext cx="1188360" cy="548280"/>
           </a:xfrm>
           <a:prstGeom prst="rect">
             <a:avLst/>
@@ -2634,7 +4176,11 @@
         <p:txBody>
           <a:bodyPr wrap="none" lIns="90000" rIns="90000" tIns="45000" bIns="45000" anchor="ctr"/>
           <a:p>
-            <a:pPr algn="ctr"/>
+            <a:pPr algn="ctr">
+              <a:lnSpc>
+                <a:spcPct val="100000"/>
+              </a:lnSpc>
+            </a:pPr>
             <a:r>
               <a:rPr b="0" lang="en-US" sz="1800" spc="-1" strike="noStrike">
                 <a:solidFill>
@@ -2646,6 +4192,7 @@
                   </a:solidFill>
                 </a:uFill>
                 <a:latin typeface="Arial"/>
+                <a:ea typeface="DejaVu Sans"/>
               </a:rPr>
               <a:t>Camera</a:t>
             </a:r>
@@ -2665,14 +4212,14 @@
       </p:sp>
       <p:sp>
         <p:nvSpPr>
-          <p:cNvPr id="46" name="CustomShape 6"/>
+          <p:cNvPr id="79" name="CustomShape 6"/>
           <p:cNvSpPr/>
           <p:nvPr/>
         </p:nvSpPr>
         <p:spPr>
           <a:xfrm>
             <a:off x="1280160" y="3931920"/>
-            <a:ext cx="3840480" cy="1737360"/>
+            <a:ext cx="3840120" cy="1737000"/>
           </a:xfrm>
           <a:prstGeom prst="rect">
             <a:avLst/>
@@ -2695,7 +4242,11 @@
         <p:txBody>
           <a:bodyPr wrap="none" lIns="90000" rIns="90000" tIns="45000" bIns="45000" anchor="ctr"/>
           <a:p>
-            <a:pPr algn="ctr"/>
+            <a:pPr algn="ctr">
+              <a:lnSpc>
+                <a:spcPct val="100000"/>
+              </a:lnSpc>
+            </a:pPr>
             <a:r>
               <a:rPr b="0" lang="en-US" sz="1800" spc="-1" strike="noStrike">
                 <a:solidFill>
@@ -2707,6 +4258,7 @@
                   </a:solidFill>
                 </a:uFill>
                 <a:latin typeface="Arial"/>
+                <a:ea typeface="DejaVu Sans"/>
               </a:rPr>
               <a:t>Primary Sensors and </a:t>
             </a:r>
@@ -2723,7 +4275,11 @@
             </a:endParaRPr>
           </a:p>
           <a:p>
-            <a:pPr algn="ctr"/>
+            <a:pPr algn="ctr">
+              <a:lnSpc>
+                <a:spcPct val="100000"/>
+              </a:lnSpc>
+            </a:pPr>
             <a:r>
               <a:rPr b="0" lang="en-US" sz="1800" spc="-1" strike="noStrike">
                 <a:solidFill>
@@ -2735,6 +4291,7 @@
                   </a:solidFill>
                 </a:uFill>
                 <a:latin typeface="Arial"/>
+                <a:ea typeface="DejaVu Sans"/>
               </a:rPr>
               <a:t>Alarm(Buzzer,LED)</a:t>
             </a:r>
@@ -2754,14 +4311,14 @@
       </p:sp>
       <p:sp>
         <p:nvSpPr>
-          <p:cNvPr id="47" name="CustomShape 7"/>
+          <p:cNvPr id="80" name="CustomShape 7"/>
           <p:cNvSpPr/>
           <p:nvPr/>
         </p:nvSpPr>
         <p:spPr>
           <a:xfrm>
             <a:off x="1097280" y="2286000"/>
-            <a:ext cx="1371600" cy="1371600"/>
+            <a:ext cx="1371240" cy="1371240"/>
           </a:xfrm>
           <a:custGeom>
             <a:avLst/>
@@ -2807,7 +4364,11 @@
         <p:txBody>
           <a:bodyPr wrap="none" lIns="90000" rIns="90000" tIns="45000" bIns="45000" anchor="ctr"/>
           <a:p>
-            <a:pPr algn="ctr"/>
+            <a:pPr algn="ctr">
+              <a:lnSpc>
+                <a:spcPct val="100000"/>
+              </a:lnSpc>
+            </a:pPr>
             <a:r>
               <a:rPr b="0" lang="en-US" sz="1800" spc="-1" strike="noStrike">
                 <a:solidFill>
@@ -2819,6 +4380,7 @@
                   </a:solidFill>
                 </a:uFill>
                 <a:latin typeface="Arial"/>
+                <a:ea typeface="DejaVu Sans"/>
               </a:rPr>
               <a:t>Pool</a:t>
             </a:r>
@@ -2838,14 +4400,14 @@
       </p:sp>
       <p:sp>
         <p:nvSpPr>
-          <p:cNvPr id="48" name="CustomShape 8"/>
+          <p:cNvPr id="81" name="CustomShape 8"/>
           <p:cNvSpPr/>
           <p:nvPr/>
         </p:nvSpPr>
         <p:spPr>
           <a:xfrm>
             <a:off x="2194560" y="5486400"/>
-            <a:ext cx="1737360" cy="548640"/>
+            <a:ext cx="1737000" cy="548280"/>
           </a:xfrm>
           <a:prstGeom prst="rect">
             <a:avLst/>
@@ -2868,7 +4430,11 @@
         <p:txBody>
           <a:bodyPr wrap="none" lIns="90000" rIns="90000" tIns="45000" bIns="45000" anchor="ctr"/>
           <a:p>
-            <a:pPr algn="ctr"/>
+            <a:pPr algn="ctr">
+              <a:lnSpc>
+                <a:spcPct val="100000"/>
+              </a:lnSpc>
+            </a:pPr>
             <a:r>
               <a:rPr b="0" lang="en-US" sz="1800" spc="-1" strike="noStrike">
                 <a:solidFill>
@@ -2880,6 +4446,7 @@
                   </a:solidFill>
                 </a:uFill>
                 <a:latin typeface="Arial"/>
+                <a:ea typeface="DejaVu Sans"/>
               </a:rPr>
               <a:t>On-site</a:t>
             </a:r>
@@ -2899,14 +4466,14 @@
       </p:sp>
       <p:sp>
         <p:nvSpPr>
-          <p:cNvPr id="49" name="CustomShape 9"/>
+          <p:cNvPr id="82" name="CustomShape 9"/>
           <p:cNvSpPr/>
           <p:nvPr/>
         </p:nvSpPr>
         <p:spPr>
           <a:xfrm>
             <a:off x="6949440" y="5394960"/>
-            <a:ext cx="1737360" cy="548640"/>
+            <a:ext cx="1737000" cy="548280"/>
           </a:xfrm>
           <a:prstGeom prst="rect">
             <a:avLst/>
@@ -2929,7 +4496,11 @@
         <p:txBody>
           <a:bodyPr wrap="none" lIns="90000" rIns="90000" tIns="45000" bIns="45000" anchor="ctr"/>
           <a:p>
-            <a:pPr algn="ctr"/>
+            <a:pPr algn="ctr">
+              <a:lnSpc>
+                <a:spcPct val="100000"/>
+              </a:lnSpc>
+            </a:pPr>
             <a:r>
               <a:rPr b="0" lang="en-US" sz="1800" spc="-1" strike="noStrike">
                 <a:solidFill>
@@ -2941,6 +4512,7 @@
                   </a:solidFill>
                 </a:uFill>
                 <a:latin typeface="Arial"/>
+                <a:ea typeface="DejaVu Sans"/>
               </a:rPr>
               <a:t>Remote Monitoring</a:t>
             </a:r>
@@ -2958,23 +4530,34 @@
           </a:p>
         </p:txBody>
       </p:sp>
-      <p:cxnSp>
-        <p:nvCxnSpPr>
-          <p:cNvPr id="50" name="Line 10"/>
-          <p:cNvCxnSpPr>
-            <a:stCxn id="45" idx="2"/>
-            <a:endCxn id="46" idx="0"/>
-          </p:cNvCxnSpPr>
+      <p:sp>
+        <p:nvSpPr>
+          <p:cNvPr id="83" name="CustomShape 10"/>
+          <p:cNvSpPr/>
           <p:nvPr/>
-        </p:nvCxnSpPr>
+        </p:nvSpPr>
         <p:spPr>
           <a:xfrm>
             <a:off x="3183840" y="3200400"/>
-            <a:ext cx="16920" cy="731880"/>
-          </a:xfrm>
-          <a:prstGeom prst="straightConnector1">
-            <a:avLst/>
-          </a:prstGeom>
+            <a:ext cx="16560" cy="731520"/>
+          </a:xfrm>
+          <a:custGeom>
+            <a:avLst/>
+            <a:gdLst/>
+            <a:ahLst/>
+            <a:rect l="l" t="t" r="r" b="b"/>
+            <a:pathLst>
+              <a:path w="21600" h="21600">
+                <a:moveTo>
+                  <a:pt x="0" y="0"/>
+                </a:moveTo>
+                <a:lnTo>
+                  <a:pt x="21600" y="21600"/>
+                </a:lnTo>
+              </a:path>
+            </a:pathLst>
+          </a:custGeom>
+          <a:noFill/>
           <a:ln>
             <a:solidFill>
               <a:srgbClr val="000000"/>
@@ -2983,17 +4566,23 @@
             <a:tailEnd len="med" type="triangle" w="med"/>
           </a:ln>
         </p:spPr>
-      </p:cxnSp>
-      <p:sp>
-        <p:nvSpPr>
-          <p:cNvPr id="51" name="CustomShape 11"/>
+        <p:style>
+          <a:lnRef idx="0"/>
+          <a:fillRef idx="0"/>
+          <a:effectRef idx="0"/>
+          <a:fontRef idx="minor"/>
+        </p:style>
+      </p:sp>
+      <p:sp>
+        <p:nvSpPr>
+          <p:cNvPr id="84" name="CustomShape 11"/>
           <p:cNvSpPr/>
           <p:nvPr/>
         </p:nvSpPr>
         <p:spPr>
           <a:xfrm>
             <a:off x="4206240" y="6217920"/>
-            <a:ext cx="2560320" cy="1005840"/>
+            <a:ext cx="2559960" cy="1005480"/>
           </a:xfrm>
           <a:prstGeom prst="rect">
             <a:avLst/>
@@ -3016,7 +4605,11 @@
         <p:txBody>
           <a:bodyPr wrap="none" lIns="90000" rIns="90000" tIns="45000" bIns="45000" anchor="ctr"/>
           <a:p>
-            <a:pPr algn="ctr"/>
+            <a:pPr algn="ctr">
+              <a:lnSpc>
+                <a:spcPct val="100000"/>
+              </a:lnSpc>
+            </a:pPr>
             <a:r>
               <a:rPr b="0" lang="en-US" sz="1800" spc="-1" strike="noStrike">
                 <a:solidFill>
@@ -3028,6 +4621,7 @@
                   </a:solidFill>
                 </a:uFill>
                 <a:latin typeface="Arial"/>
+                <a:ea typeface="DejaVu Sans"/>
               </a:rPr>
               <a:t>Life Support</a:t>
             </a:r>
@@ -3047,14 +4641,14 @@
       </p:sp>
       <p:sp>
         <p:nvSpPr>
-          <p:cNvPr id="52" name="CustomShape 12"/>
+          <p:cNvPr id="85" name="CustomShape 12"/>
           <p:cNvSpPr/>
           <p:nvPr/>
         </p:nvSpPr>
         <p:spPr>
           <a:xfrm>
             <a:off x="6858000" y="3657600"/>
-            <a:ext cx="1737360" cy="822960"/>
+            <a:ext cx="1737000" cy="822600"/>
           </a:xfrm>
           <a:prstGeom prst="rect">
             <a:avLst/>
@@ -3077,7 +4671,11 @@
         <p:txBody>
           <a:bodyPr wrap="none" lIns="90000" rIns="90000" tIns="45000" bIns="45000" anchor="ctr"/>
           <a:p>
-            <a:pPr algn="ctr"/>
+            <a:pPr algn="ctr">
+              <a:lnSpc>
+                <a:spcPct val="100000"/>
+              </a:lnSpc>
+            </a:pPr>
             <a:r>
               <a:rPr b="0" lang="en-US" sz="1800" spc="-1" strike="noStrike">
                 <a:solidFill>
@@ -3089,6 +4687,7 @@
                   </a:solidFill>
                 </a:uFill>
                 <a:latin typeface="Arial"/>
+                <a:ea typeface="DejaVu Sans"/>
               </a:rPr>
               <a:t>CDP Server</a:t>
             </a:r>
@@ -3108,14 +4707,14 @@
       </p:sp>
       <p:sp>
         <p:nvSpPr>
-          <p:cNvPr id="53" name="CustomShape 13"/>
+          <p:cNvPr id="86" name="CustomShape 13"/>
           <p:cNvSpPr/>
           <p:nvPr/>
         </p:nvSpPr>
         <p:spPr>
           <a:xfrm>
             <a:off x="4937760" y="1371600"/>
-            <a:ext cx="3657600" cy="1280160"/>
+            <a:ext cx="3657240" cy="1279800"/>
           </a:xfrm>
           <a:prstGeom prst="cloudCallout">
             <a:avLst>
@@ -3141,7 +4740,11 @@
         <p:txBody>
           <a:bodyPr wrap="none" lIns="90000" rIns="90000" tIns="45000" bIns="45000" anchor="ctr"/>
           <a:p>
-            <a:pPr algn="ctr"/>
+            <a:pPr algn="ctr">
+              <a:lnSpc>
+                <a:spcPct val="100000"/>
+              </a:lnSpc>
+            </a:pPr>
             <a:r>
               <a:rPr b="0" lang="en-US" sz="1800" spc="-1" strike="noStrike">
                 <a:solidFill>
@@ -3153,6 +4756,7 @@
                   </a:solidFill>
                 </a:uFill>
                 <a:latin typeface="Arial"/>
+                <a:ea typeface="DejaVu Sans"/>
               </a:rPr>
               <a:t> </a:t>
             </a:r>
@@ -3167,6 +4771,7 @@
                   </a:solidFill>
                 </a:uFill>
                 <a:latin typeface="Arial"/>
+                <a:ea typeface="DejaVu Sans"/>
               </a:rPr>
               <a:t>Cloud (S3,Drop-box)</a:t>
             </a:r>
@@ -3184,23 +4789,34 @@
           </a:p>
         </p:txBody>
       </p:sp>
-      <p:cxnSp>
-        <p:nvCxnSpPr>
-          <p:cNvPr id="54" name="Line 14"/>
-          <p:cNvCxnSpPr>
-            <a:stCxn id="46" idx="3"/>
-            <a:endCxn id="52" idx="1"/>
-          </p:cNvCxnSpPr>
+      <p:sp>
+        <p:nvSpPr>
+          <p:cNvPr id="87" name="CustomShape 14"/>
+          <p:cNvSpPr/>
           <p:nvPr/>
-        </p:nvCxnSpPr>
+        </p:nvSpPr>
         <p:spPr>
           <a:xfrm flipV="1">
             <a:off x="5120640" y="4069080"/>
-            <a:ext cx="1737720" cy="731880"/>
-          </a:xfrm>
-          <a:prstGeom prst="straightConnector1">
-            <a:avLst/>
-          </a:prstGeom>
+            <a:ext cx="1737360" cy="731520"/>
+          </a:xfrm>
+          <a:custGeom>
+            <a:avLst/>
+            <a:gdLst/>
+            <a:ahLst/>
+            <a:rect l="l" t="t" r="r" b="b"/>
+            <a:pathLst>
+              <a:path w="21600" h="21600">
+                <a:moveTo>
+                  <a:pt x="0" y="0"/>
+                </a:moveTo>
+                <a:lnTo>
+                  <a:pt x="21600" y="21600"/>
+                </a:lnTo>
+              </a:path>
+            </a:pathLst>
+          </a:custGeom>
+          <a:noFill/>
           <a:ln>
             <a:solidFill>
               <a:srgbClr val="000000"/>
@@ -3209,10 +4825,16 @@
             <a:tailEnd len="med" type="triangle" w="med"/>
           </a:ln>
         </p:spPr>
-      </p:cxnSp>
-      <p:sp>
-        <p:nvSpPr>
-          <p:cNvPr id="55" name="Line 15"/>
+        <p:style>
+          <a:lnRef idx="0"/>
+          <a:fillRef idx="0"/>
+          <a:effectRef idx="0"/>
+          <a:fontRef idx="minor"/>
+        </p:style>
+      </p:sp>
+      <p:sp>
+        <p:nvSpPr>
+          <p:cNvPr id="88" name="Line 15"/>
           <p:cNvSpPr/>
           <p:nvPr/>
         </p:nvSpPr>
@@ -3289,14 +4911,14 @@
       </p:grpSpPr>
       <p:sp>
         <p:nvSpPr>
-          <p:cNvPr id="56" name="TextShape 1"/>
-          <p:cNvSpPr txBox="1"/>
+          <p:cNvPr id="89" name="CustomShape 1"/>
+          <p:cNvSpPr/>
           <p:nvPr/>
         </p:nvSpPr>
         <p:spPr>
           <a:xfrm>
             <a:off x="504000" y="301320"/>
-            <a:ext cx="9071640" cy="1262160"/>
+            <a:ext cx="9071280" cy="1261800"/>
           </a:xfrm>
           <a:prstGeom prst="rect">
             <a:avLst/>
@@ -3304,62 +4926,6 @@
           <a:noFill/>
           <a:ln>
             <a:noFill/>
-          </a:ln>
-        </p:spPr>
-        <p:txBody>
-          <a:bodyPr lIns="0" rIns="0" tIns="0" bIns="0" anchor="ctr"/>
-          <a:p>
-            <a:pPr algn="ctr"/>
-            <a:r>
-              <a:rPr b="0" lang="en-US" sz="4400" spc="-1" strike="noStrike">
-                <a:solidFill>
-                  <a:srgbClr val="800000"/>
-                </a:solidFill>
-                <a:uFill>
-                  <a:solidFill>
-                    <a:srgbClr val="ffffff"/>
-                  </a:solidFill>
-                </a:uFill>
-                <a:latin typeface="Arial"/>
-              </a:rPr>
-              <a:t>Active Contours based Drowning Detection System</a:t>
-            </a:r>
-            <a:endParaRPr b="0" lang="en-US" sz="4400" spc="-1" strike="noStrike">
-              <a:solidFill>
-                <a:srgbClr val="800000"/>
-              </a:solidFill>
-              <a:uFill>
-                <a:solidFill>
-                  <a:srgbClr val="ffffff"/>
-                </a:solidFill>
-              </a:uFill>
-              <a:latin typeface="Arial"/>
-            </a:endParaRPr>
-          </a:p>
-        </p:txBody>
-      </p:sp>
-      <p:sp>
-        <p:nvSpPr>
-          <p:cNvPr id="57" name="CustomShape 2"/>
-          <p:cNvSpPr/>
-          <p:nvPr/>
-        </p:nvSpPr>
-        <p:spPr>
-          <a:xfrm>
-            <a:off x="2103120" y="3200400"/>
-            <a:ext cx="5394960" cy="1463040"/>
-          </a:xfrm>
-          <a:prstGeom prst="rect">
-            <a:avLst/>
-          </a:prstGeom>
-          <a:solidFill>
-            <a:srgbClr val="729fcf"/>
-          </a:solidFill>
-          <a:ln>
-            <a:solidFill>
-              <a:srgbClr val="3465a4"/>
-            </a:solidFill>
-            <a:custDash/>
           </a:ln>
         </p:spPr>
         <p:style>
@@ -3368,17 +4934,52 @@
           <a:effectRef idx="0"/>
           <a:fontRef idx="minor"/>
         </p:style>
-      </p:sp>
-      <p:sp>
-        <p:nvSpPr>
-          <p:cNvPr id="58" name="CustomShape 3"/>
+        <p:txBody>
+          <a:bodyPr lIns="0" rIns="0" tIns="0" bIns="0" anchor="ctr"/>
+          <a:p>
+            <a:pPr algn="ctr">
+              <a:lnSpc>
+                <a:spcPct val="100000"/>
+              </a:lnSpc>
+            </a:pPr>
+            <a:r>
+              <a:rPr b="0" lang="en-US" sz="4400" spc="-1" strike="noStrike">
+                <a:solidFill>
+                  <a:srgbClr val="800000"/>
+                </a:solidFill>
+                <a:uFill>
+                  <a:solidFill>
+                    <a:srgbClr val="ffffff"/>
+                  </a:solidFill>
+                </a:uFill>
+                <a:latin typeface="Arial"/>
+              </a:rPr>
+              <a:t>Active Contours based Drowning Detection System</a:t>
+            </a:r>
+            <a:endParaRPr b="0" lang="en-US" sz="1800" spc="-1" strike="noStrike">
+              <a:solidFill>
+                <a:srgbClr val="000000"/>
+              </a:solidFill>
+              <a:uFill>
+                <a:solidFill>
+                  <a:srgbClr val="ffffff"/>
+                </a:solidFill>
+              </a:uFill>
+              <a:latin typeface="Arial"/>
+            </a:endParaRPr>
+          </a:p>
+        </p:txBody>
+      </p:sp>
+      <p:sp>
+        <p:nvSpPr>
+          <p:cNvPr id="90" name="CustomShape 2"/>
           <p:cNvSpPr/>
           <p:nvPr/>
         </p:nvSpPr>
         <p:spPr>
           <a:xfrm>
-            <a:off x="3840480" y="2377440"/>
-            <a:ext cx="2194560" cy="457200"/>
+            <a:off x="2103120" y="3200400"/>
+            <a:ext cx="5394600" cy="1462680"/>
           </a:xfrm>
           <a:prstGeom prst="rect">
             <a:avLst/>
@@ -3398,48 +4999,17 @@
           <a:effectRef idx="0"/>
           <a:fontRef idx="minor"/>
         </p:style>
-        <p:txBody>
-          <a:bodyPr wrap="none" lIns="90000" rIns="90000" tIns="45000" bIns="45000" anchor="ctr"/>
-          <a:p>
-            <a:pPr algn="ctr"/>
-            <a:r>
-              <a:rPr b="0" lang="en-US" sz="1800" spc="-1" strike="noStrike">
-                <a:solidFill>
-                  <a:srgbClr val="800000"/>
-                </a:solidFill>
-                <a:uFill>
-                  <a:solidFill>
-                    <a:srgbClr val="ffffff"/>
-                  </a:solidFill>
-                </a:uFill>
-                <a:latin typeface="Arial"/>
-              </a:rPr>
-              <a:t>Swimming pool image</a:t>
-            </a:r>
-            <a:endParaRPr b="0" lang="en-US" sz="1800" spc="-1" strike="noStrike">
-              <a:solidFill>
-                <a:srgbClr val="800000"/>
-              </a:solidFill>
-              <a:uFill>
-                <a:solidFill>
-                  <a:srgbClr val="ffffff"/>
-                </a:solidFill>
-              </a:uFill>
-              <a:latin typeface="Arial"/>
-            </a:endParaRPr>
-          </a:p>
-        </p:txBody>
-      </p:sp>
-      <p:sp>
-        <p:nvSpPr>
-          <p:cNvPr id="59" name="CustomShape 4"/>
+      </p:sp>
+      <p:sp>
+        <p:nvSpPr>
+          <p:cNvPr id="91" name="CustomShape 3"/>
           <p:cNvSpPr/>
           <p:nvPr/>
         </p:nvSpPr>
         <p:spPr>
           <a:xfrm>
-            <a:off x="3787920" y="1654560"/>
-            <a:ext cx="2194560" cy="457200"/>
+            <a:off x="3840480" y="2377440"/>
+            <a:ext cx="2194200" cy="456840"/>
           </a:xfrm>
           <a:prstGeom prst="rect">
             <a:avLst/>
@@ -3462,7 +5032,11 @@
         <p:txBody>
           <a:bodyPr wrap="none" lIns="90000" rIns="90000" tIns="45000" bIns="45000" anchor="ctr"/>
           <a:p>
-            <a:pPr algn="ctr"/>
+            <a:pPr algn="ctr">
+              <a:lnSpc>
+                <a:spcPct val="100000"/>
+              </a:lnSpc>
+            </a:pPr>
             <a:r>
               <a:rPr b="0" lang="en-US" sz="1800" spc="-1" strike="noStrike">
                 <a:solidFill>
@@ -3474,151 +5048,34 @@
                   </a:solidFill>
                 </a:uFill>
                 <a:latin typeface="Arial"/>
-              </a:rPr>
-              <a:t>Swimming pool video</a:t>
+                <a:ea typeface="DejaVu Sans"/>
+              </a:rPr>
+              <a:t>Swimming pool image</a:t>
             </a:r>
             <a:endParaRPr b="0" lang="en-US" sz="1800" spc="-1" strike="noStrike">
               <a:solidFill>
-                <a:srgbClr val="800000"/>
-              </a:solidFill>
-              <a:uFill>
-                <a:solidFill>
-                  <a:srgbClr val="ffffff"/>
-                </a:solidFill>
-              </a:uFill>
-              <a:latin typeface="Arial"/>
-            </a:endParaRPr>
-          </a:p>
-        </p:txBody>
-      </p:sp>
-      <p:sp>
-        <p:nvSpPr>
-          <p:cNvPr id="60" name="Line 5"/>
+                <a:srgbClr val="000000"/>
+              </a:solidFill>
+              <a:uFill>
+                <a:solidFill>
+                  <a:srgbClr val="ffffff"/>
+                </a:solidFill>
+              </a:uFill>
+              <a:latin typeface="Arial"/>
+            </a:endParaRPr>
+          </a:p>
+        </p:txBody>
+      </p:sp>
+      <p:sp>
+        <p:nvSpPr>
+          <p:cNvPr id="92" name="CustomShape 4"/>
           <p:cNvSpPr/>
           <p:nvPr/>
         </p:nvSpPr>
         <p:spPr>
           <a:xfrm>
-            <a:off x="4846320" y="2111760"/>
-            <a:ext cx="0" cy="265680"/>
-          </a:xfrm>
-          <a:prstGeom prst="line">
-            <a:avLst/>
-          </a:prstGeom>
-          <a:ln>
-            <a:solidFill>
-              <a:srgbClr val="000000"/>
-            </a:solidFill>
-            <a:tailEnd len="med" type="triangle" w="med"/>
-          </a:ln>
-        </p:spPr>
-        <p:style>
-          <a:lnRef idx="0"/>
-          <a:fillRef idx="0"/>
-          <a:effectRef idx="0"/>
-          <a:fontRef idx="minor"/>
-        </p:style>
-      </p:sp>
-      <p:sp>
-        <p:nvSpPr>
-          <p:cNvPr id="61" name="CustomShape 6"/>
-          <p:cNvSpPr/>
-          <p:nvPr/>
-        </p:nvSpPr>
-        <p:spPr>
-          <a:xfrm>
-            <a:off x="2326320" y="3450960"/>
-            <a:ext cx="2427120" cy="457200"/>
-          </a:xfrm>
-          <a:prstGeom prst="rect">
-            <a:avLst/>
-          </a:prstGeom>
-          <a:solidFill>
-            <a:srgbClr val="729fcf"/>
-          </a:solidFill>
-          <a:ln>
-            <a:solidFill>
-              <a:srgbClr val="3465a4"/>
-            </a:solidFill>
-            <a:custDash/>
-          </a:ln>
-        </p:spPr>
-        <p:style>
-          <a:lnRef idx="0"/>
-          <a:fillRef idx="0"/>
-          <a:effectRef idx="0"/>
-          <a:fontRef idx="minor"/>
-        </p:style>
-        <p:txBody>
-          <a:bodyPr wrap="none" lIns="90000" rIns="90000" tIns="45000" bIns="45000" anchor="ctr"/>
-          <a:p>
-            <a:pPr algn="ctr"/>
-            <a:r>
-              <a:rPr b="0" lang="en-US" sz="1800" spc="-1" strike="noStrike">
-                <a:solidFill>
-                  <a:srgbClr val="800000"/>
-                </a:solidFill>
-                <a:uFill>
-                  <a:solidFill>
-                    <a:srgbClr val="ffffff"/>
-                  </a:solidFill>
-                </a:uFill>
-                <a:latin typeface="Arial"/>
-              </a:rPr>
-              <a:t>1.Gray-scale Conversion</a:t>
-            </a:r>
-            <a:endParaRPr b="0" lang="en-US" sz="1800" spc="-1" strike="noStrike">
-              <a:solidFill>
-                <a:srgbClr val="800000"/>
-              </a:solidFill>
-              <a:uFill>
-                <a:solidFill>
-                  <a:srgbClr val="ffffff"/>
-                </a:solidFill>
-              </a:uFill>
-              <a:latin typeface="Arial"/>
-            </a:endParaRPr>
-          </a:p>
-          <a:p>
-            <a:pPr algn="ctr"/>
-            <a:r>
-              <a:rPr b="0" lang="en-US" sz="1800" spc="-1" strike="noStrike">
-                <a:solidFill>
-                  <a:srgbClr val="800000"/>
-                </a:solidFill>
-                <a:uFill>
-                  <a:solidFill>
-                    <a:srgbClr val="ffffff"/>
-                  </a:solidFill>
-                </a:uFill>
-                <a:latin typeface="Arial"/>
-              </a:rPr>
-              <a:t>(bg/fg detection)</a:t>
-            </a:r>
-            <a:endParaRPr b="0" lang="en-US" sz="1800" spc="-1" strike="noStrike">
-              <a:solidFill>
-                <a:srgbClr val="800000"/>
-              </a:solidFill>
-              <a:uFill>
-                <a:solidFill>
-                  <a:srgbClr val="ffffff"/>
-                </a:solidFill>
-              </a:uFill>
-              <a:latin typeface="Arial"/>
-            </a:endParaRPr>
-          </a:p>
-        </p:txBody>
-      </p:sp>
-      <p:sp>
-        <p:nvSpPr>
-          <p:cNvPr id="62" name="CustomShape 7"/>
-          <p:cNvSpPr/>
-          <p:nvPr/>
-        </p:nvSpPr>
-        <p:spPr>
-          <a:xfrm>
-            <a:off x="4897440" y="3456000"/>
-            <a:ext cx="2194560" cy="457200"/>
+            <a:off x="3787920" y="1654560"/>
+            <a:ext cx="2194200" cy="456840"/>
           </a:xfrm>
           <a:prstGeom prst="rect">
             <a:avLst/>
@@ -3641,7 +5098,11 @@
         <p:txBody>
           <a:bodyPr wrap="none" lIns="90000" rIns="90000" tIns="45000" bIns="45000" anchor="ctr"/>
           <a:p>
-            <a:pPr algn="ctr"/>
+            <a:pPr algn="ctr">
+              <a:lnSpc>
+                <a:spcPct val="100000"/>
+              </a:lnSpc>
+            </a:pPr>
             <a:r>
               <a:rPr b="0" lang="en-US" sz="1800" spc="-1" strike="noStrike">
                 <a:solidFill>
@@ -3653,61 +5114,62 @@
                   </a:solidFill>
                 </a:uFill>
                 <a:latin typeface="Arial"/>
-              </a:rPr>
-              <a:t>2.Gaussian Blur </a:t>
+                <a:ea typeface="DejaVu Sans"/>
+              </a:rPr>
+              <a:t>Swimming pool video</a:t>
             </a:r>
             <a:endParaRPr b="0" lang="en-US" sz="1800" spc="-1" strike="noStrike">
               <a:solidFill>
-                <a:srgbClr val="800000"/>
-              </a:solidFill>
-              <a:uFill>
-                <a:solidFill>
-                  <a:srgbClr val="ffffff"/>
-                </a:solidFill>
-              </a:uFill>
-              <a:latin typeface="Arial"/>
-            </a:endParaRPr>
-          </a:p>
-          <a:p>
-            <a:pPr algn="ctr"/>
-            <a:r>
-              <a:rPr b="0" lang="en-US" sz="1800" spc="-1" strike="noStrike">
-                <a:solidFill>
-                  <a:srgbClr val="800000"/>
-                </a:solidFill>
-                <a:uFill>
-                  <a:solidFill>
-                    <a:srgbClr val="ffffff"/>
-                  </a:solidFill>
-                </a:uFill>
-                <a:latin typeface="Arial"/>
-              </a:rPr>
-              <a:t>(Smooth objects)</a:t>
-            </a:r>
-            <a:endParaRPr b="0" lang="en-US" sz="1800" spc="-1" strike="noStrike">
-              <a:solidFill>
-                <a:srgbClr val="800000"/>
-              </a:solidFill>
-              <a:uFill>
-                <a:solidFill>
-                  <a:srgbClr val="ffffff"/>
-                </a:solidFill>
-              </a:uFill>
-              <a:latin typeface="Arial"/>
-            </a:endParaRPr>
-          </a:p>
-        </p:txBody>
-      </p:sp>
-      <p:sp>
-        <p:nvSpPr>
-          <p:cNvPr id="63" name="CustomShape 8"/>
+                <a:srgbClr val="000000"/>
+              </a:solidFill>
+              <a:uFill>
+                <a:solidFill>
+                  <a:srgbClr val="ffffff"/>
+                </a:solidFill>
+              </a:uFill>
+              <a:latin typeface="Arial"/>
+            </a:endParaRPr>
+          </a:p>
+        </p:txBody>
+      </p:sp>
+      <p:sp>
+        <p:nvSpPr>
+          <p:cNvPr id="93" name="Line 5"/>
           <p:cNvSpPr/>
           <p:nvPr/>
         </p:nvSpPr>
         <p:spPr>
           <a:xfrm>
-            <a:off x="2329200" y="4010400"/>
-            <a:ext cx="2466000" cy="457200"/>
+            <a:off x="4846320" y="2111760"/>
+            <a:ext cx="360" cy="265680"/>
+          </a:xfrm>
+          <a:prstGeom prst="line">
+            <a:avLst/>
+          </a:prstGeom>
+          <a:ln>
+            <a:solidFill>
+              <a:srgbClr val="000000"/>
+            </a:solidFill>
+            <a:tailEnd len="med" type="triangle" w="med"/>
+          </a:ln>
+        </p:spPr>
+        <p:style>
+          <a:lnRef idx="0"/>
+          <a:fillRef idx="0"/>
+          <a:effectRef idx="0"/>
+          <a:fontRef idx="minor"/>
+        </p:style>
+      </p:sp>
+      <p:sp>
+        <p:nvSpPr>
+          <p:cNvPr id="94" name="CustomShape 6"/>
+          <p:cNvSpPr/>
+          <p:nvPr/>
+        </p:nvSpPr>
+        <p:spPr>
+          <a:xfrm>
+            <a:off x="2326320" y="3450960"/>
+            <a:ext cx="2426760" cy="456840"/>
           </a:xfrm>
           <a:prstGeom prst="rect">
             <a:avLst/>
@@ -3730,7 +5192,11 @@
         <p:txBody>
           <a:bodyPr wrap="none" lIns="90000" rIns="90000" tIns="45000" bIns="45000" anchor="ctr"/>
           <a:p>
-            <a:pPr algn="ctr"/>
+            <a:pPr algn="ctr">
+              <a:lnSpc>
+                <a:spcPct val="100000"/>
+              </a:lnSpc>
+            </a:pPr>
             <a:r>
               <a:rPr b="0" lang="en-US" sz="1800" spc="-1" strike="noStrike">
                 <a:solidFill>
@@ -3742,23 +5208,28 @@
                   </a:solidFill>
                 </a:uFill>
                 <a:latin typeface="Arial"/>
-              </a:rPr>
-              <a:t>3.Subtract from the</a:t>
+                <a:ea typeface="DejaVu Sans"/>
+              </a:rPr>
+              <a:t>1.Gray-scale Conversion</a:t>
             </a:r>
             <a:endParaRPr b="0" lang="en-US" sz="1800" spc="-1" strike="noStrike">
               <a:solidFill>
-                <a:srgbClr val="800000"/>
-              </a:solidFill>
-              <a:uFill>
-                <a:solidFill>
-                  <a:srgbClr val="ffffff"/>
-                </a:solidFill>
-              </a:uFill>
-              <a:latin typeface="Arial"/>
-            </a:endParaRPr>
-          </a:p>
-          <a:p>
-            <a:pPr algn="ctr"/>
+                <a:srgbClr val="000000"/>
+              </a:solidFill>
+              <a:uFill>
+                <a:solidFill>
+                  <a:srgbClr val="ffffff"/>
+                </a:solidFill>
+              </a:uFill>
+              <a:latin typeface="Arial"/>
+            </a:endParaRPr>
+          </a:p>
+          <a:p>
+            <a:pPr algn="ctr">
+              <a:lnSpc>
+                <a:spcPct val="100000"/>
+              </a:lnSpc>
+            </a:pPr>
             <a:r>
               <a:rPr b="0" lang="en-US" sz="1800" spc="-1" strike="noStrike">
                 <a:solidFill>
@@ -3770,47 +5241,34 @@
                   </a:solidFill>
                 </a:uFill>
                 <a:latin typeface="Arial"/>
-              </a:rPr>
-              <a:t> </a:t>
-            </a:r>
-            <a:r>
-              <a:rPr b="0" lang="en-US" sz="1800" spc="-1" strike="noStrike">
-                <a:solidFill>
-                  <a:srgbClr val="800000"/>
-                </a:solidFill>
-                <a:uFill>
-                  <a:solidFill>
-                    <a:srgbClr val="ffffff"/>
-                  </a:solidFill>
-                </a:uFill>
-                <a:latin typeface="Arial"/>
-              </a:rPr>
-              <a:t>Avg Image</a:t>
+                <a:ea typeface="DejaVu Sans"/>
+              </a:rPr>
+              <a:t>(bg/fg detection)</a:t>
             </a:r>
             <a:endParaRPr b="0" lang="en-US" sz="1800" spc="-1" strike="noStrike">
               <a:solidFill>
-                <a:srgbClr val="800000"/>
-              </a:solidFill>
-              <a:uFill>
-                <a:solidFill>
-                  <a:srgbClr val="ffffff"/>
-                </a:solidFill>
-              </a:uFill>
-              <a:latin typeface="Arial"/>
-            </a:endParaRPr>
-          </a:p>
-        </p:txBody>
-      </p:sp>
-      <p:sp>
-        <p:nvSpPr>
-          <p:cNvPr id="64" name="CustomShape 9"/>
+                <a:srgbClr val="000000"/>
+              </a:solidFill>
+              <a:uFill>
+                <a:solidFill>
+                  <a:srgbClr val="ffffff"/>
+                </a:solidFill>
+              </a:uFill>
+              <a:latin typeface="Arial"/>
+            </a:endParaRPr>
+          </a:p>
+        </p:txBody>
+      </p:sp>
+      <p:sp>
+        <p:nvSpPr>
+          <p:cNvPr id="95" name="CustomShape 7"/>
           <p:cNvSpPr/>
           <p:nvPr/>
         </p:nvSpPr>
         <p:spPr>
           <a:xfrm>
-            <a:off x="4849200" y="4023360"/>
-            <a:ext cx="2466000" cy="457200"/>
+            <a:off x="4897440" y="3456000"/>
+            <a:ext cx="2194200" cy="456840"/>
           </a:xfrm>
           <a:prstGeom prst="rect">
             <a:avLst/>
@@ -3833,7 +5291,11 @@
         <p:txBody>
           <a:bodyPr wrap="none" lIns="90000" rIns="90000" tIns="45000" bIns="45000" anchor="ctr"/>
           <a:p>
-            <a:pPr algn="ctr"/>
+            <a:pPr algn="ctr">
+              <a:lnSpc>
+                <a:spcPct val="100000"/>
+              </a:lnSpc>
+            </a:pPr>
             <a:r>
               <a:rPr b="0" lang="en-US" sz="1800" spc="-1" strike="noStrike">
                 <a:solidFill>
@@ -3845,23 +5307,28 @@
                   </a:solidFill>
                 </a:uFill>
                 <a:latin typeface="Arial"/>
-              </a:rPr>
-              <a:t>4.Add the current image </a:t>
+                <a:ea typeface="DejaVu Sans"/>
+              </a:rPr>
+              <a:t>2.Gaussian Blur </a:t>
             </a:r>
             <a:endParaRPr b="0" lang="en-US" sz="1800" spc="-1" strike="noStrike">
               <a:solidFill>
-                <a:srgbClr val="800000"/>
-              </a:solidFill>
-              <a:uFill>
-                <a:solidFill>
-                  <a:srgbClr val="ffffff"/>
-                </a:solidFill>
-              </a:uFill>
-              <a:latin typeface="Arial"/>
-            </a:endParaRPr>
-          </a:p>
-          <a:p>
-            <a:pPr algn="ctr"/>
+                <a:srgbClr val="000000"/>
+              </a:solidFill>
+              <a:uFill>
+                <a:solidFill>
+                  <a:srgbClr val="ffffff"/>
+                </a:solidFill>
+              </a:uFill>
+              <a:latin typeface="Arial"/>
+            </a:endParaRPr>
+          </a:p>
+          <a:p>
+            <a:pPr algn="ctr">
+              <a:lnSpc>
+                <a:spcPct val="100000"/>
+              </a:lnSpc>
+            </a:pPr>
             <a:r>
               <a:rPr b="0" lang="en-US" sz="1800" spc="-1" strike="noStrike">
                 <a:solidFill>
@@ -3873,92 +5340,34 @@
                   </a:solidFill>
                 </a:uFill>
                 <a:latin typeface="Arial"/>
-              </a:rPr>
-              <a:t>To the Avg image</a:t>
+                <a:ea typeface="DejaVu Sans"/>
+              </a:rPr>
+              <a:t>(Smooth objects)</a:t>
             </a:r>
             <a:endParaRPr b="0" lang="en-US" sz="1800" spc="-1" strike="noStrike">
               <a:solidFill>
-                <a:srgbClr val="800000"/>
-              </a:solidFill>
-              <a:uFill>
-                <a:solidFill>
-                  <a:srgbClr val="ffffff"/>
-                </a:solidFill>
-              </a:uFill>
-              <a:latin typeface="Arial"/>
-            </a:endParaRPr>
-          </a:p>
-        </p:txBody>
-      </p:sp>
-      <p:sp>
-        <p:nvSpPr>
-          <p:cNvPr id="65" name="Line 10"/>
+                <a:srgbClr val="000000"/>
+              </a:solidFill>
+              <a:uFill>
+                <a:solidFill>
+                  <a:srgbClr val="ffffff"/>
+                </a:solidFill>
+              </a:uFill>
+              <a:latin typeface="Arial"/>
+            </a:endParaRPr>
+          </a:p>
+        </p:txBody>
+      </p:sp>
+      <p:sp>
+        <p:nvSpPr>
+          <p:cNvPr id="96" name="CustomShape 8"/>
           <p:cNvSpPr/>
           <p:nvPr/>
         </p:nvSpPr>
         <p:spPr>
           <a:xfrm>
-            <a:off x="4846320" y="2834640"/>
-            <a:ext cx="0" cy="365760"/>
-          </a:xfrm>
-          <a:prstGeom prst="line">
-            <a:avLst/>
-          </a:prstGeom>
-          <a:ln>
-            <a:solidFill>
-              <a:srgbClr val="000000"/>
-            </a:solidFill>
-            <a:tailEnd len="med" type="triangle" w="med"/>
-          </a:ln>
-        </p:spPr>
-        <p:style>
-          <a:lnRef idx="0"/>
-          <a:fillRef idx="0"/>
-          <a:effectRef idx="0"/>
-          <a:fontRef idx="minor"/>
-        </p:style>
-      </p:sp>
-      <p:sp>
-        <p:nvSpPr>
-          <p:cNvPr id="66" name="CustomShape 11"/>
-          <p:cNvSpPr/>
-          <p:nvPr/>
-        </p:nvSpPr>
-        <p:spPr>
-          <a:xfrm>
-            <a:off x="2103120" y="5000400"/>
-            <a:ext cx="5394960" cy="1463040"/>
-          </a:xfrm>
-          <a:prstGeom prst="rect">
-            <a:avLst/>
-          </a:prstGeom>
-          <a:solidFill>
-            <a:srgbClr val="729fcf"/>
-          </a:solidFill>
-          <a:ln>
-            <a:solidFill>
-              <a:srgbClr val="3465a4"/>
-            </a:solidFill>
-            <a:custDash/>
-          </a:ln>
-        </p:spPr>
-        <p:style>
-          <a:lnRef idx="0"/>
-          <a:fillRef idx="0"/>
-          <a:effectRef idx="0"/>
-          <a:fontRef idx="minor"/>
-        </p:style>
-      </p:sp>
-      <p:sp>
-        <p:nvSpPr>
-          <p:cNvPr id="67" name="CustomShape 12"/>
-          <p:cNvSpPr/>
-          <p:nvPr/>
-        </p:nvSpPr>
-        <p:spPr>
-          <a:xfrm>
-            <a:off x="4855680" y="5104800"/>
-            <a:ext cx="2466000" cy="457200"/>
+            <a:off x="2329200" y="4010400"/>
+            <a:ext cx="2465640" cy="456840"/>
           </a:xfrm>
           <a:prstGeom prst="rect">
             <a:avLst/>
@@ -3981,7 +5390,11 @@
         <p:txBody>
           <a:bodyPr wrap="none" lIns="90000" rIns="90000" tIns="45000" bIns="45000" anchor="ctr"/>
           <a:p>
-            <a:pPr algn="ctr"/>
+            <a:pPr algn="ctr">
+              <a:lnSpc>
+                <a:spcPct val="100000"/>
+              </a:lnSpc>
+            </a:pPr>
             <a:r>
               <a:rPr b="0" lang="en-US" sz="1800" spc="-1" strike="noStrike">
                 <a:solidFill>
@@ -3993,33 +5406,82 @@
                   </a:solidFill>
                 </a:uFill>
                 <a:latin typeface="Arial"/>
-              </a:rPr>
-              <a:t>6.Find all the Contours</a:t>
+                <a:ea typeface="DejaVu Sans"/>
+              </a:rPr>
+              <a:t>3.Subtract from the</a:t>
             </a:r>
             <a:endParaRPr b="0" lang="en-US" sz="1800" spc="-1" strike="noStrike">
               <a:solidFill>
-                <a:srgbClr val="800000"/>
-              </a:solidFill>
-              <a:uFill>
-                <a:solidFill>
-                  <a:srgbClr val="ffffff"/>
-                </a:solidFill>
-              </a:uFill>
-              <a:latin typeface="Arial"/>
-            </a:endParaRPr>
-          </a:p>
-        </p:txBody>
-      </p:sp>
-      <p:sp>
-        <p:nvSpPr>
-          <p:cNvPr id="68" name="CustomShape 13"/>
+                <a:srgbClr val="000000"/>
+              </a:solidFill>
+              <a:uFill>
+                <a:solidFill>
+                  <a:srgbClr val="ffffff"/>
+                </a:solidFill>
+              </a:uFill>
+              <a:latin typeface="Arial"/>
+            </a:endParaRPr>
+          </a:p>
+          <a:p>
+            <a:pPr algn="ctr">
+              <a:lnSpc>
+                <a:spcPct val="100000"/>
+              </a:lnSpc>
+            </a:pPr>
+            <a:r>
+              <a:rPr b="0" lang="en-US" sz="1800" spc="-1" strike="noStrike">
+                <a:solidFill>
+                  <a:srgbClr val="800000"/>
+                </a:solidFill>
+                <a:uFill>
+                  <a:solidFill>
+                    <a:srgbClr val="ffffff"/>
+                  </a:solidFill>
+                </a:uFill>
+                <a:latin typeface="Arial"/>
+                <a:ea typeface="DejaVu Sans"/>
+              </a:rPr>
+              <a:t> </a:t>
+            </a:r>
+            <a:r>
+              <a:rPr b="0" lang="en-US" sz="1800" spc="-1" strike="noStrike">
+                <a:solidFill>
+                  <a:srgbClr val="800000"/>
+                </a:solidFill>
+                <a:uFill>
+                  <a:solidFill>
+                    <a:srgbClr val="ffffff"/>
+                  </a:solidFill>
+                </a:uFill>
+                <a:latin typeface="Arial"/>
+                <a:ea typeface="DejaVu Sans"/>
+              </a:rPr>
+              <a:t>Avg Image</a:t>
+            </a:r>
+            <a:endParaRPr b="0" lang="en-US" sz="1800" spc="-1" strike="noStrike">
+              <a:solidFill>
+                <a:srgbClr val="000000"/>
+              </a:solidFill>
+              <a:uFill>
+                <a:solidFill>
+                  <a:srgbClr val="ffffff"/>
+                </a:solidFill>
+              </a:uFill>
+              <a:latin typeface="Arial"/>
+            </a:endParaRPr>
+          </a:p>
+        </p:txBody>
+      </p:sp>
+      <p:sp>
+        <p:nvSpPr>
+          <p:cNvPr id="97" name="CustomShape 9"/>
           <p:cNvSpPr/>
           <p:nvPr/>
         </p:nvSpPr>
         <p:spPr>
           <a:xfrm>
-            <a:off x="2352240" y="5195520"/>
-            <a:ext cx="2194560" cy="457200"/>
+            <a:off x="4849200" y="4023360"/>
+            <a:ext cx="2465640" cy="456840"/>
           </a:xfrm>
           <a:prstGeom prst="rect">
             <a:avLst/>
@@ -4042,7 +5504,11 @@
         <p:txBody>
           <a:bodyPr wrap="none" lIns="90000" rIns="90000" tIns="45000" bIns="45000" anchor="ctr"/>
           <a:p>
-            <a:pPr algn="ctr"/>
+            <a:pPr algn="ctr">
+              <a:lnSpc>
+                <a:spcPct val="100000"/>
+              </a:lnSpc>
+            </a:pPr>
             <a:r>
               <a:rPr b="0" lang="en-US" sz="1800" spc="-1" strike="noStrike">
                 <a:solidFill>
@@ -4054,23 +5520,28 @@
                   </a:solidFill>
                 </a:uFill>
                 <a:latin typeface="Arial"/>
-              </a:rPr>
-              <a:t>6.Find all the Edges</a:t>
+                <a:ea typeface="DejaVu Sans"/>
+              </a:rPr>
+              <a:t>4.Add the current image </a:t>
             </a:r>
             <a:endParaRPr b="0" lang="en-US" sz="1800" spc="-1" strike="noStrike">
               <a:solidFill>
-                <a:srgbClr val="800000"/>
-              </a:solidFill>
-              <a:uFill>
-                <a:solidFill>
-                  <a:srgbClr val="ffffff"/>
-                </a:solidFill>
-              </a:uFill>
-              <a:latin typeface="Arial"/>
-            </a:endParaRPr>
-          </a:p>
-          <a:p>
-            <a:pPr algn="ctr"/>
+                <a:srgbClr val="000000"/>
+              </a:solidFill>
+              <a:uFill>
+                <a:solidFill>
+                  <a:srgbClr val="ffffff"/>
+                </a:solidFill>
+              </a:uFill>
+              <a:latin typeface="Arial"/>
+            </a:endParaRPr>
+          </a:p>
+          <a:p>
+            <a:pPr algn="ctr">
+              <a:lnSpc>
+                <a:spcPct val="100000"/>
+              </a:lnSpc>
+            </a:pPr>
             <a:r>
               <a:rPr b="0" lang="en-US" sz="1800" spc="-1" strike="noStrike">
                 <a:solidFill>
@@ -4082,33 +5553,62 @@
                   </a:solidFill>
                 </a:uFill>
                 <a:latin typeface="Arial"/>
-              </a:rPr>
-              <a:t>In the image</a:t>
+                <a:ea typeface="DejaVu Sans"/>
+              </a:rPr>
+              <a:t>To the Avg image</a:t>
             </a:r>
             <a:endParaRPr b="0" lang="en-US" sz="1800" spc="-1" strike="noStrike">
               <a:solidFill>
-                <a:srgbClr val="800000"/>
-              </a:solidFill>
-              <a:uFill>
-                <a:solidFill>
-                  <a:srgbClr val="ffffff"/>
-                </a:solidFill>
-              </a:uFill>
-              <a:latin typeface="Arial"/>
-            </a:endParaRPr>
-          </a:p>
-        </p:txBody>
-      </p:sp>
-      <p:sp>
-        <p:nvSpPr>
-          <p:cNvPr id="69" name="CustomShape 14"/>
+                <a:srgbClr val="000000"/>
+              </a:solidFill>
+              <a:uFill>
+                <a:solidFill>
+                  <a:srgbClr val="ffffff"/>
+                </a:solidFill>
+              </a:uFill>
+              <a:latin typeface="Arial"/>
+            </a:endParaRPr>
+          </a:p>
+        </p:txBody>
+      </p:sp>
+      <p:sp>
+        <p:nvSpPr>
+          <p:cNvPr id="98" name="Line 10"/>
           <p:cNvSpPr/>
           <p:nvPr/>
         </p:nvSpPr>
         <p:spPr>
           <a:xfrm>
-            <a:off x="2337840" y="5824800"/>
-            <a:ext cx="2194560" cy="457200"/>
+            <a:off x="4846320" y="2834640"/>
+            <a:ext cx="360" cy="365760"/>
+          </a:xfrm>
+          <a:prstGeom prst="line">
+            <a:avLst/>
+          </a:prstGeom>
+          <a:ln>
+            <a:solidFill>
+              <a:srgbClr val="000000"/>
+            </a:solidFill>
+            <a:tailEnd len="med" type="triangle" w="med"/>
+          </a:ln>
+        </p:spPr>
+        <p:style>
+          <a:lnRef idx="0"/>
+          <a:fillRef idx="0"/>
+          <a:effectRef idx="0"/>
+          <a:fontRef idx="minor"/>
+        </p:style>
+      </p:sp>
+      <p:sp>
+        <p:nvSpPr>
+          <p:cNvPr id="99" name="CustomShape 11"/>
+          <p:cNvSpPr/>
+          <p:nvPr/>
+        </p:nvSpPr>
+        <p:spPr>
+          <a:xfrm>
+            <a:off x="2103120" y="5000400"/>
+            <a:ext cx="5394600" cy="1462680"/>
           </a:xfrm>
           <a:prstGeom prst="rect">
             <a:avLst/>
@@ -4128,90 +5628,17 @@
           <a:effectRef idx="0"/>
           <a:fontRef idx="minor"/>
         </p:style>
-        <p:txBody>
-          <a:bodyPr wrap="none" lIns="90000" rIns="90000" tIns="45000" bIns="45000" anchor="ctr"/>
-          <a:p>
-            <a:pPr algn="ctr"/>
-            <a:r>
-              <a:rPr b="0" lang="en-US" sz="1800" spc="-1" strike="noStrike">
-                <a:solidFill>
-                  <a:srgbClr val="800000"/>
-                </a:solidFill>
-                <a:uFill>
-                  <a:solidFill>
-                    <a:srgbClr val="ffffff"/>
-                  </a:solidFill>
-                </a:uFill>
-                <a:latin typeface="Arial"/>
-              </a:rPr>
-              <a:t>7.Calculate the area</a:t>
-            </a:r>
-            <a:endParaRPr b="0" lang="en-US" sz="1800" spc="-1" strike="noStrike">
-              <a:solidFill>
-                <a:srgbClr val="800000"/>
-              </a:solidFill>
-              <a:uFill>
-                <a:solidFill>
-                  <a:srgbClr val="ffffff"/>
-                </a:solidFill>
-              </a:uFill>
-              <a:latin typeface="Arial"/>
-            </a:endParaRPr>
-          </a:p>
-          <a:p>
-            <a:pPr algn="ctr"/>
-            <a:r>
-              <a:rPr b="0" lang="en-US" sz="1800" spc="-1" strike="noStrike">
-                <a:solidFill>
-                  <a:srgbClr val="800000"/>
-                </a:solidFill>
-                <a:uFill>
-                  <a:solidFill>
-                    <a:srgbClr val="ffffff"/>
-                  </a:solidFill>
-                </a:uFill>
-                <a:latin typeface="Arial"/>
-              </a:rPr>
-              <a:t> </a:t>
-            </a:r>
-            <a:r>
-              <a:rPr b="0" lang="en-US" sz="1800" spc="-1" strike="noStrike">
-                <a:solidFill>
-                  <a:srgbClr val="800000"/>
-                </a:solidFill>
-                <a:uFill>
-                  <a:solidFill>
-                    <a:srgbClr val="ffffff"/>
-                  </a:solidFill>
-                </a:uFill>
-                <a:latin typeface="Arial"/>
-              </a:rPr>
-              <a:t>inside the contour</a:t>
-            </a:r>
-            <a:endParaRPr b="0" lang="en-US" sz="1800" spc="-1" strike="noStrike">
-              <a:solidFill>
-                <a:srgbClr val="800000"/>
-              </a:solidFill>
-              <a:uFill>
-                <a:solidFill>
-                  <a:srgbClr val="ffffff"/>
-                </a:solidFill>
-              </a:uFill>
-              <a:latin typeface="Arial"/>
-            </a:endParaRPr>
-          </a:p>
-        </p:txBody>
-      </p:sp>
-      <p:sp>
-        <p:nvSpPr>
-          <p:cNvPr id="70" name="CustomShape 15"/>
+      </p:sp>
+      <p:sp>
+        <p:nvSpPr>
+          <p:cNvPr id="100" name="CustomShape 12"/>
           <p:cNvSpPr/>
           <p:nvPr/>
         </p:nvSpPr>
         <p:spPr>
           <a:xfrm>
-            <a:off x="4857840" y="5824800"/>
-            <a:ext cx="2194560" cy="457200"/>
+            <a:off x="4855680" y="5104800"/>
+            <a:ext cx="2465640" cy="456840"/>
           </a:xfrm>
           <a:prstGeom prst="rect">
             <a:avLst/>
@@ -4234,7 +5661,11 @@
         <p:txBody>
           <a:bodyPr wrap="none" lIns="90000" rIns="90000" tIns="45000" bIns="45000" anchor="ctr"/>
           <a:p>
-            <a:pPr algn="ctr"/>
+            <a:pPr algn="ctr">
+              <a:lnSpc>
+                <a:spcPct val="100000"/>
+              </a:lnSpc>
+            </a:pPr>
             <a:r>
               <a:rPr b="0" lang="en-US" sz="1800" spc="-1" strike="noStrike">
                 <a:solidFill>
@@ -4246,89 +5677,34 @@
                   </a:solidFill>
                 </a:uFill>
                 <a:latin typeface="Arial"/>
-              </a:rPr>
-              <a:t>8.Discard if its </a:t>
+                <a:ea typeface="DejaVu Sans"/>
+              </a:rPr>
+              <a:t>6.Find all the Contours</a:t>
             </a:r>
             <a:endParaRPr b="0" lang="en-US" sz="1800" spc="-1" strike="noStrike">
               <a:solidFill>
-                <a:srgbClr val="800000"/>
-              </a:solidFill>
-              <a:uFill>
-                <a:solidFill>
-                  <a:srgbClr val="ffffff"/>
-                </a:solidFill>
-              </a:uFill>
-              <a:latin typeface="Arial"/>
-            </a:endParaRPr>
-          </a:p>
-          <a:p>
-            <a:pPr algn="ctr"/>
-            <a:r>
-              <a:rPr b="0" lang="en-US" sz="1800" spc="-1" strike="noStrike">
-                <a:solidFill>
-                  <a:srgbClr val="800000"/>
-                </a:solidFill>
-                <a:uFill>
-                  <a:solidFill>
-                    <a:srgbClr val="ffffff"/>
-                  </a:solidFill>
-                </a:uFill>
-                <a:latin typeface="Arial"/>
-              </a:rPr>
-              <a:t>too small</a:t>
-            </a:r>
-            <a:endParaRPr b="0" lang="en-US" sz="1800" spc="-1" strike="noStrike">
-              <a:solidFill>
-                <a:srgbClr val="800000"/>
-              </a:solidFill>
-              <a:uFill>
-                <a:solidFill>
-                  <a:srgbClr val="ffffff"/>
-                </a:solidFill>
-              </a:uFill>
-              <a:latin typeface="Arial"/>
-            </a:endParaRPr>
-          </a:p>
-        </p:txBody>
-      </p:sp>
-      <p:sp>
-        <p:nvSpPr>
-          <p:cNvPr id="71" name="Line 16"/>
+                <a:srgbClr val="000000"/>
+              </a:solidFill>
+              <a:uFill>
+                <a:solidFill>
+                  <a:srgbClr val="ffffff"/>
+                </a:solidFill>
+              </a:uFill>
+              <a:latin typeface="Arial"/>
+            </a:endParaRPr>
+          </a:p>
+        </p:txBody>
+      </p:sp>
+      <p:sp>
+        <p:nvSpPr>
+          <p:cNvPr id="101" name="CustomShape 13"/>
           <p:cNvSpPr/>
           <p:nvPr/>
         </p:nvSpPr>
         <p:spPr>
           <a:xfrm>
-            <a:off x="4846320" y="4663440"/>
-            <a:ext cx="9360" cy="336960"/>
-          </a:xfrm>
-          <a:prstGeom prst="line">
-            <a:avLst/>
-          </a:prstGeom>
-          <a:ln>
-            <a:solidFill>
-              <a:srgbClr val="000000"/>
-            </a:solidFill>
-            <a:tailEnd len="med" type="triangle" w="med"/>
-          </a:ln>
-        </p:spPr>
-        <p:style>
-          <a:lnRef idx="0"/>
-          <a:fillRef idx="0"/>
-          <a:effectRef idx="0"/>
-          <a:fontRef idx="minor"/>
-        </p:style>
-      </p:sp>
-      <p:sp>
-        <p:nvSpPr>
-          <p:cNvPr id="72" name="CustomShape 17"/>
-          <p:cNvSpPr/>
-          <p:nvPr/>
-        </p:nvSpPr>
-        <p:spPr>
-          <a:xfrm>
-            <a:off x="7680960" y="3657600"/>
-            <a:ext cx="2011680" cy="457200"/>
+            <a:off x="2352240" y="5195520"/>
+            <a:ext cx="2194200" cy="456840"/>
           </a:xfrm>
           <a:prstGeom prst="rect">
             <a:avLst/>
@@ -4351,9 +5727,13 @@
         <p:txBody>
           <a:bodyPr wrap="none" lIns="90000" rIns="90000" tIns="45000" bIns="45000" anchor="ctr"/>
           <a:p>
-            <a:pPr algn="ctr"/>
-            <a:r>
-              <a:rPr b="0" lang="en-US" sz="2200" spc="-1" strike="noStrike">
+            <a:pPr algn="ctr">
+              <a:lnSpc>
+                <a:spcPct val="100000"/>
+              </a:lnSpc>
+            </a:pPr>
+            <a:r>
+              <a:rPr b="0" lang="en-US" sz="1800" spc="-1" strike="noStrike">
                 <a:solidFill>
                   <a:srgbClr val="800000"/>
                 </a:solidFill>
@@ -4363,33 +5743,67 @@
                   </a:solidFill>
                 </a:uFill>
                 <a:latin typeface="Arial"/>
-              </a:rPr>
-              <a:t>Pre-Processing</a:t>
+                <a:ea typeface="DejaVu Sans"/>
+              </a:rPr>
+              <a:t>6.Find all the Edges</a:t>
             </a:r>
             <a:endParaRPr b="0" lang="en-US" sz="1800" spc="-1" strike="noStrike">
               <a:solidFill>
-                <a:srgbClr val="800000"/>
-              </a:solidFill>
-              <a:uFill>
-                <a:solidFill>
-                  <a:srgbClr val="ffffff"/>
-                </a:solidFill>
-              </a:uFill>
-              <a:latin typeface="Arial"/>
-            </a:endParaRPr>
-          </a:p>
-        </p:txBody>
-      </p:sp>
-      <p:sp>
-        <p:nvSpPr>
-          <p:cNvPr id="73" name="CustomShape 18"/>
+                <a:srgbClr val="000000"/>
+              </a:solidFill>
+              <a:uFill>
+                <a:solidFill>
+                  <a:srgbClr val="ffffff"/>
+                </a:solidFill>
+              </a:uFill>
+              <a:latin typeface="Arial"/>
+            </a:endParaRPr>
+          </a:p>
+          <a:p>
+            <a:pPr algn="ctr">
+              <a:lnSpc>
+                <a:spcPct val="100000"/>
+              </a:lnSpc>
+            </a:pPr>
+            <a:r>
+              <a:rPr b="0" lang="en-US" sz="1800" spc="-1" strike="noStrike">
+                <a:solidFill>
+                  <a:srgbClr val="800000"/>
+                </a:solidFill>
+                <a:uFill>
+                  <a:solidFill>
+                    <a:srgbClr val="ffffff"/>
+                  </a:solidFill>
+                </a:uFill>
+                <a:latin typeface="Arial"/>
+                <a:ea typeface="DejaVu Sans"/>
+              </a:rPr>
+              <a:t>In the image</a:t>
+            </a:r>
+            <a:endParaRPr b="0" lang="en-US" sz="1800" spc="-1" strike="noStrike">
+              <a:solidFill>
+                <a:srgbClr val="000000"/>
+              </a:solidFill>
+              <a:uFill>
+                <a:solidFill>
+                  <a:srgbClr val="ffffff"/>
+                </a:solidFill>
+              </a:uFill>
+              <a:latin typeface="Arial"/>
+            </a:endParaRPr>
+          </a:p>
+        </p:txBody>
+      </p:sp>
+      <p:sp>
+        <p:nvSpPr>
+          <p:cNvPr id="102" name="CustomShape 14"/>
           <p:cNvSpPr/>
           <p:nvPr/>
         </p:nvSpPr>
         <p:spPr>
           <a:xfrm>
-            <a:off x="7680960" y="5457600"/>
-            <a:ext cx="2011680" cy="457200"/>
+            <a:off x="2337840" y="5824800"/>
+            <a:ext cx="2194200" cy="456840"/>
           </a:xfrm>
           <a:prstGeom prst="rect">
             <a:avLst/>
@@ -4412,9 +5826,13 @@
         <p:txBody>
           <a:bodyPr wrap="none" lIns="90000" rIns="90000" tIns="45000" bIns="45000" anchor="ctr"/>
           <a:p>
-            <a:pPr algn="ctr"/>
-            <a:r>
-              <a:rPr b="0" lang="en-US" sz="2200" spc="-1" strike="noStrike">
+            <a:pPr algn="ctr">
+              <a:lnSpc>
+                <a:spcPct val="100000"/>
+              </a:lnSpc>
+            </a:pPr>
+            <a:r>
+              <a:rPr b="0" lang="en-US" sz="1800" spc="-1" strike="noStrike">
                 <a:solidFill>
                   <a:srgbClr val="800000"/>
                 </a:solidFill>
@@ -4424,33 +5842,82 @@
                   </a:solidFill>
                 </a:uFill>
                 <a:latin typeface="Arial"/>
-              </a:rPr>
-              <a:t>Tracking</a:t>
+                <a:ea typeface="DejaVu Sans"/>
+              </a:rPr>
+              <a:t>7.Calculate the area</a:t>
             </a:r>
             <a:endParaRPr b="0" lang="en-US" sz="1800" spc="-1" strike="noStrike">
               <a:solidFill>
-                <a:srgbClr val="800000"/>
-              </a:solidFill>
-              <a:uFill>
-                <a:solidFill>
-                  <a:srgbClr val="ffffff"/>
-                </a:solidFill>
-              </a:uFill>
-              <a:latin typeface="Arial"/>
-            </a:endParaRPr>
-          </a:p>
-        </p:txBody>
-      </p:sp>
-      <p:sp>
-        <p:nvSpPr>
-          <p:cNvPr id="74" name="CustomShape 19"/>
+                <a:srgbClr val="000000"/>
+              </a:solidFill>
+              <a:uFill>
+                <a:solidFill>
+                  <a:srgbClr val="ffffff"/>
+                </a:solidFill>
+              </a:uFill>
+              <a:latin typeface="Arial"/>
+            </a:endParaRPr>
+          </a:p>
+          <a:p>
+            <a:pPr algn="ctr">
+              <a:lnSpc>
+                <a:spcPct val="100000"/>
+              </a:lnSpc>
+            </a:pPr>
+            <a:r>
+              <a:rPr b="0" lang="en-US" sz="1800" spc="-1" strike="noStrike">
+                <a:solidFill>
+                  <a:srgbClr val="800000"/>
+                </a:solidFill>
+                <a:uFill>
+                  <a:solidFill>
+                    <a:srgbClr val="ffffff"/>
+                  </a:solidFill>
+                </a:uFill>
+                <a:latin typeface="Arial"/>
+                <a:ea typeface="DejaVu Sans"/>
+              </a:rPr>
+              <a:t> </a:t>
+            </a:r>
+            <a:r>
+              <a:rPr b="0" lang="en-US" sz="1800" spc="-1" strike="noStrike">
+                <a:solidFill>
+                  <a:srgbClr val="800000"/>
+                </a:solidFill>
+                <a:uFill>
+                  <a:solidFill>
+                    <a:srgbClr val="ffffff"/>
+                  </a:solidFill>
+                </a:uFill>
+                <a:latin typeface="Arial"/>
+                <a:ea typeface="DejaVu Sans"/>
+              </a:rPr>
+              <a:t>inside the contour</a:t>
+            </a:r>
+            <a:endParaRPr b="0" lang="en-US" sz="1800" spc="-1" strike="noStrike">
+              <a:solidFill>
+                <a:srgbClr val="000000"/>
+              </a:solidFill>
+              <a:uFill>
+                <a:solidFill>
+                  <a:srgbClr val="ffffff"/>
+                </a:solidFill>
+              </a:uFill>
+              <a:latin typeface="Arial"/>
+            </a:endParaRPr>
+          </a:p>
+        </p:txBody>
+      </p:sp>
+      <p:sp>
+        <p:nvSpPr>
+          <p:cNvPr id="103" name="CustomShape 15"/>
           <p:cNvSpPr/>
           <p:nvPr/>
         </p:nvSpPr>
         <p:spPr>
           <a:xfrm>
-            <a:off x="3720960" y="6753600"/>
-            <a:ext cx="2011680" cy="457200"/>
+            <a:off x="4857840" y="5824800"/>
+            <a:ext cx="2194200" cy="456840"/>
           </a:xfrm>
           <a:prstGeom prst="rect">
             <a:avLst/>
@@ -4473,9 +5940,13 @@
         <p:txBody>
           <a:bodyPr wrap="none" lIns="90000" rIns="90000" tIns="45000" bIns="45000" anchor="ctr"/>
           <a:p>
-            <a:pPr algn="ctr"/>
-            <a:r>
-              <a:rPr b="0" lang="en-US" sz="2200" spc="-1" strike="noStrike">
+            <a:pPr algn="ctr">
+              <a:lnSpc>
+                <a:spcPct val="100000"/>
+              </a:lnSpc>
+            </a:pPr>
+            <a:r>
+              <a:rPr b="0" lang="en-US" sz="1800" spc="-1" strike="noStrike">
                 <a:solidFill>
                   <a:srgbClr val="800000"/>
                 </a:solidFill>
@@ -4485,33 +5956,293 @@
                   </a:solidFill>
                 </a:uFill>
                 <a:latin typeface="Arial"/>
-              </a:rPr>
-              <a:t>Alarm</a:t>
+                <a:ea typeface="DejaVu Sans"/>
+              </a:rPr>
+              <a:t>8.Discard if its </a:t>
             </a:r>
             <a:endParaRPr b="0" lang="en-US" sz="1800" spc="-1" strike="noStrike">
               <a:solidFill>
-                <a:srgbClr val="800000"/>
-              </a:solidFill>
-              <a:uFill>
-                <a:solidFill>
-                  <a:srgbClr val="ffffff"/>
-                </a:solidFill>
-              </a:uFill>
-              <a:latin typeface="Arial"/>
-            </a:endParaRPr>
-          </a:p>
-        </p:txBody>
-      </p:sp>
-      <p:sp>
-        <p:nvSpPr>
-          <p:cNvPr id="75" name="Line 20"/>
+                <a:srgbClr val="000000"/>
+              </a:solidFill>
+              <a:uFill>
+                <a:solidFill>
+                  <a:srgbClr val="ffffff"/>
+                </a:solidFill>
+              </a:uFill>
+              <a:latin typeface="Arial"/>
+            </a:endParaRPr>
+          </a:p>
+          <a:p>
+            <a:pPr algn="ctr">
+              <a:lnSpc>
+                <a:spcPct val="100000"/>
+              </a:lnSpc>
+            </a:pPr>
+            <a:r>
+              <a:rPr b="0" lang="en-US" sz="1800" spc="-1" strike="noStrike">
+                <a:solidFill>
+                  <a:srgbClr val="800000"/>
+                </a:solidFill>
+                <a:uFill>
+                  <a:solidFill>
+                    <a:srgbClr val="ffffff"/>
+                  </a:solidFill>
+                </a:uFill>
+                <a:latin typeface="Arial"/>
+                <a:ea typeface="DejaVu Sans"/>
+              </a:rPr>
+              <a:t>too small</a:t>
+            </a:r>
+            <a:endParaRPr b="0" lang="en-US" sz="1800" spc="-1" strike="noStrike">
+              <a:solidFill>
+                <a:srgbClr val="000000"/>
+              </a:solidFill>
+              <a:uFill>
+                <a:solidFill>
+                  <a:srgbClr val="ffffff"/>
+                </a:solidFill>
+              </a:uFill>
+              <a:latin typeface="Arial"/>
+            </a:endParaRPr>
+          </a:p>
+        </p:txBody>
+      </p:sp>
+      <p:sp>
+        <p:nvSpPr>
+          <p:cNvPr id="104" name="Line 16"/>
           <p:cNvSpPr/>
           <p:nvPr/>
         </p:nvSpPr>
         <p:spPr>
           <a:xfrm>
+            <a:off x="4846320" y="4663440"/>
+            <a:ext cx="9360" cy="336960"/>
+          </a:xfrm>
+          <a:prstGeom prst="line">
+            <a:avLst/>
+          </a:prstGeom>
+          <a:ln>
+            <a:solidFill>
+              <a:srgbClr val="000000"/>
+            </a:solidFill>
+            <a:tailEnd len="med" type="triangle" w="med"/>
+          </a:ln>
+        </p:spPr>
+        <p:style>
+          <a:lnRef idx="0"/>
+          <a:fillRef idx="0"/>
+          <a:effectRef idx="0"/>
+          <a:fontRef idx="minor"/>
+        </p:style>
+      </p:sp>
+      <p:sp>
+        <p:nvSpPr>
+          <p:cNvPr id="105" name="CustomShape 17"/>
+          <p:cNvSpPr/>
+          <p:nvPr/>
+        </p:nvSpPr>
+        <p:spPr>
+          <a:xfrm>
+            <a:off x="7680960" y="3657600"/>
+            <a:ext cx="2011320" cy="456840"/>
+          </a:xfrm>
+          <a:prstGeom prst="rect">
+            <a:avLst/>
+          </a:prstGeom>
+          <a:solidFill>
+            <a:srgbClr val="729fcf"/>
+          </a:solidFill>
+          <a:ln>
+            <a:solidFill>
+              <a:srgbClr val="3465a4"/>
+            </a:solidFill>
+          </a:ln>
+        </p:spPr>
+        <p:style>
+          <a:lnRef idx="0"/>
+          <a:fillRef idx="0"/>
+          <a:effectRef idx="0"/>
+          <a:fontRef idx="minor"/>
+        </p:style>
+        <p:txBody>
+          <a:bodyPr wrap="none" lIns="90000" rIns="90000" tIns="45000" bIns="45000" anchor="ctr"/>
+          <a:p>
+            <a:pPr algn="ctr">
+              <a:lnSpc>
+                <a:spcPct val="100000"/>
+              </a:lnSpc>
+            </a:pPr>
+            <a:r>
+              <a:rPr b="0" lang="en-US" sz="2200" spc="-1" strike="noStrike">
+                <a:solidFill>
+                  <a:srgbClr val="800000"/>
+                </a:solidFill>
+                <a:uFill>
+                  <a:solidFill>
+                    <a:srgbClr val="ffffff"/>
+                  </a:solidFill>
+                </a:uFill>
+                <a:latin typeface="Arial"/>
+                <a:ea typeface="DejaVu Sans"/>
+              </a:rPr>
+              <a:t>Pre-Processing</a:t>
+            </a:r>
+            <a:endParaRPr b="0" lang="en-US" sz="1800" spc="-1" strike="noStrike">
+              <a:solidFill>
+                <a:srgbClr val="000000"/>
+              </a:solidFill>
+              <a:uFill>
+                <a:solidFill>
+                  <a:srgbClr val="ffffff"/>
+                </a:solidFill>
+              </a:uFill>
+              <a:latin typeface="Arial"/>
+            </a:endParaRPr>
+          </a:p>
+        </p:txBody>
+      </p:sp>
+      <p:sp>
+        <p:nvSpPr>
+          <p:cNvPr id="106" name="CustomShape 18"/>
+          <p:cNvSpPr/>
+          <p:nvPr/>
+        </p:nvSpPr>
+        <p:spPr>
+          <a:xfrm>
+            <a:off x="7680960" y="5457600"/>
+            <a:ext cx="2011320" cy="456840"/>
+          </a:xfrm>
+          <a:prstGeom prst="rect">
+            <a:avLst/>
+          </a:prstGeom>
+          <a:solidFill>
+            <a:srgbClr val="729fcf"/>
+          </a:solidFill>
+          <a:ln>
+            <a:solidFill>
+              <a:srgbClr val="3465a4"/>
+            </a:solidFill>
+          </a:ln>
+        </p:spPr>
+        <p:style>
+          <a:lnRef idx="0"/>
+          <a:fillRef idx="0"/>
+          <a:effectRef idx="0"/>
+          <a:fontRef idx="minor"/>
+        </p:style>
+        <p:txBody>
+          <a:bodyPr wrap="none" lIns="90000" rIns="90000" tIns="45000" bIns="45000" anchor="ctr"/>
+          <a:p>
+            <a:pPr algn="ctr">
+              <a:lnSpc>
+                <a:spcPct val="100000"/>
+              </a:lnSpc>
+            </a:pPr>
+            <a:r>
+              <a:rPr b="0" lang="en-US" sz="2200" spc="-1" strike="noStrike">
+                <a:solidFill>
+                  <a:srgbClr val="800000"/>
+                </a:solidFill>
+                <a:uFill>
+                  <a:solidFill>
+                    <a:srgbClr val="ffffff"/>
+                  </a:solidFill>
+                </a:uFill>
+                <a:latin typeface="Arial"/>
+                <a:ea typeface="DejaVu Sans"/>
+              </a:rPr>
+              <a:t>Tracking</a:t>
+            </a:r>
+            <a:endParaRPr b="0" lang="en-US" sz="1800" spc="-1" strike="noStrike">
+              <a:solidFill>
+                <a:srgbClr val="000000"/>
+              </a:solidFill>
+              <a:uFill>
+                <a:solidFill>
+                  <a:srgbClr val="ffffff"/>
+                </a:solidFill>
+              </a:uFill>
+              <a:latin typeface="Arial"/>
+            </a:endParaRPr>
+          </a:p>
+        </p:txBody>
+      </p:sp>
+      <p:sp>
+        <p:nvSpPr>
+          <p:cNvPr id="107" name="CustomShape 19"/>
+          <p:cNvSpPr/>
+          <p:nvPr/>
+        </p:nvSpPr>
+        <p:spPr>
+          <a:xfrm>
+            <a:off x="3720960" y="6753600"/>
+            <a:ext cx="2011320" cy="456840"/>
+          </a:xfrm>
+          <a:prstGeom prst="rect">
+            <a:avLst/>
+          </a:prstGeom>
+          <a:solidFill>
+            <a:srgbClr val="729fcf"/>
+          </a:solidFill>
+          <a:ln>
+            <a:solidFill>
+              <a:srgbClr val="3465a4"/>
+            </a:solidFill>
+          </a:ln>
+        </p:spPr>
+        <p:style>
+          <a:lnRef idx="0"/>
+          <a:fillRef idx="0"/>
+          <a:effectRef idx="0"/>
+          <a:fontRef idx="minor"/>
+        </p:style>
+        <p:txBody>
+          <a:bodyPr wrap="none" lIns="90000" rIns="90000" tIns="45000" bIns="45000" anchor="ctr"/>
+          <a:p>
+            <a:pPr algn="ctr">
+              <a:lnSpc>
+                <a:spcPct val="100000"/>
+              </a:lnSpc>
+            </a:pPr>
+            <a:r>
+              <a:rPr b="0" lang="en-US" sz="2200" spc="-1" strike="noStrike">
+                <a:solidFill>
+                  <a:srgbClr val="800000"/>
+                </a:solidFill>
+                <a:uFill>
+                  <a:solidFill>
+                    <a:srgbClr val="ffffff"/>
+                  </a:solidFill>
+                </a:uFill>
+                <a:latin typeface="Arial"/>
+                <a:ea typeface="DejaVu Sans"/>
+              </a:rPr>
+              <a:t>Alarm</a:t>
+            </a:r>
+            <a:endParaRPr b="0" lang="en-US" sz="1800" spc="-1" strike="noStrike">
+              <a:solidFill>
+                <a:srgbClr val="000000"/>
+              </a:solidFill>
+              <a:uFill>
+                <a:solidFill>
+                  <a:srgbClr val="ffffff"/>
+                </a:solidFill>
+              </a:uFill>
+              <a:latin typeface="Arial"/>
+            </a:endParaRPr>
+          </a:p>
+        </p:txBody>
+      </p:sp>
+      <p:sp>
+        <p:nvSpPr>
+          <p:cNvPr id="108" name="Line 20"/>
+          <p:cNvSpPr/>
+          <p:nvPr/>
+        </p:nvSpPr>
+        <p:spPr>
+          <a:xfrm>
             <a:off x="4846320" y="6463440"/>
-            <a:ext cx="0" cy="290160"/>
+            <a:ext cx="360" cy="290160"/>
           </a:xfrm>
           <a:prstGeom prst="line">
             <a:avLst/>
@@ -4539,6 +6270,911 @@
           <p:childTnLst>
             <p:seq>
               <p:cTn id="8" nodeType="mainSeq"/>
+              <p:prevCondLst>
+                <p:cond delay="0" evt="onPrev">
+                  <p:tgtEl>
+                    <p:sldTgt/>
+                  </p:tgtEl>
+                </p:cond>
+              </p:prevCondLst>
+              <p:nextCondLst>
+                <p:cond delay="0" evt="onNext">
+                  <p:tgtEl>
+                    <p:sldTgt/>
+                  </p:tgtEl>
+                </p:cond>
+              </p:nextCondLst>
+            </p:seq>
+          </p:childTnLst>
+        </p:cTn>
+      </p:par>
+    </p:tnLst>
+  </p:timing>
+</p:sld>
+</file>
+
+<file path=ppt/slides/slide5.xml><?xml version="1.0" encoding="utf-8"?>
+<p:sld xmlns:a="http://schemas.openxmlformats.org/drawingml/2006/main" xmlns:p="http://schemas.openxmlformats.org/presentationml/2006/main" xmlns:r="http://schemas.openxmlformats.org/officeDocument/2006/relationships" xmlns:p14="http://schemas.microsoft.com/office/powerpoint/2010/main" xmlns:p15="http://schemas.microsoft.com/office/powerpoint/2012/main" xmlns:mc="http://schemas.openxmlformats.org/markup-compatibility/2006">
+  <p:cSld>
+    <p:spTree>
+      <p:nvGrpSpPr>
+        <p:cNvPr id="1" name=""/>
+        <p:cNvGrpSpPr/>
+        <p:nvPr/>
+      </p:nvGrpSpPr>
+      <p:grpSpPr>
+        <a:xfrm>
+          <a:off x="0" y="0"/>
+          <a:ext cx="0" cy="0"/>
+          <a:chOff x="0" y="0"/>
+          <a:chExt cx="0" cy="0"/>
+        </a:xfrm>
+      </p:grpSpPr>
+      <p:pic>
+        <p:nvPicPr>
+          <p:cNvPr id="109" name="" descr=""/>
+          <p:cNvPicPr/>
+          <p:nvPr/>
+        </p:nvPicPr>
+        <p:blipFill>
+          <a:blip r:embed="rId1"/>
+          <a:stretch/>
+        </p:blipFill>
+        <p:spPr>
+          <a:xfrm>
+            <a:off x="7876440" y="1741320"/>
+            <a:ext cx="1714320" cy="2114280"/>
+          </a:xfrm>
+          <a:prstGeom prst="rect">
+            <a:avLst/>
+          </a:prstGeom>
+          <a:ln>
+            <a:noFill/>
+          </a:ln>
+        </p:spPr>
+      </p:pic>
+      <p:sp>
+        <p:nvSpPr>
+          <p:cNvPr id="110" name="TextShape 1"/>
+          <p:cNvSpPr txBox="1"/>
+          <p:nvPr/>
+        </p:nvSpPr>
+        <p:spPr>
+          <a:xfrm>
+            <a:off x="365760" y="-60120"/>
+            <a:ext cx="5997960" cy="7769160"/>
+          </a:xfrm>
+          <a:prstGeom prst="rect">
+            <a:avLst/>
+          </a:prstGeom>
+          <a:noFill/>
+          <a:ln>
+            <a:noFill/>
+          </a:ln>
+        </p:spPr>
+        <p:txBody>
+          <a:bodyPr lIns="90000" rIns="90000" tIns="45000" bIns="45000"/>
+          <a:p>
+            <a:r>
+              <a:rPr b="0" lang="en-US" sz="1800" spc="-1" strike="noStrike">
+                <a:solidFill>
+                  <a:srgbClr val="000000"/>
+                </a:solidFill>
+                <a:uFill>
+                  <a:solidFill>
+                    <a:srgbClr val="ffffff"/>
+                  </a:solidFill>
+                </a:uFill>
+                <a:latin typeface="Arial"/>
+              </a:rPr>
+              <a:t>Main modules:</a:t>
+            </a:r>
+            <a:endParaRPr b="0" lang="en-US" sz="1800" spc="-1" strike="noStrike">
+              <a:solidFill>
+                <a:srgbClr val="000000"/>
+              </a:solidFill>
+              <a:uFill>
+                <a:solidFill>
+                  <a:srgbClr val="ffffff"/>
+                </a:solidFill>
+              </a:uFill>
+              <a:latin typeface="Arial"/>
+            </a:endParaRPr>
+          </a:p>
+          <a:p>
+            <a:r>
+              <a:rPr b="0" lang="en-US" sz="1800" spc="-1" strike="noStrike">
+                <a:solidFill>
+                  <a:srgbClr val="800000"/>
+                </a:solidFill>
+                <a:uFill>
+                  <a:solidFill>
+                    <a:srgbClr val="ffffff"/>
+                  </a:solidFill>
+                </a:uFill>
+                <a:latin typeface="Arial"/>
+              </a:rPr>
+              <a:t>core. Core functionality</a:t>
+            </a:r>
+            <a:endParaRPr b="0" lang="en-US" sz="1800" spc="-1" strike="noStrike">
+              <a:solidFill>
+                <a:srgbClr val="000000"/>
+              </a:solidFill>
+              <a:uFill>
+                <a:solidFill>
+                  <a:srgbClr val="ffffff"/>
+                </a:solidFill>
+              </a:uFill>
+              <a:latin typeface="Arial"/>
+            </a:endParaRPr>
+          </a:p>
+          <a:p>
+            <a:r>
+              <a:rPr b="0" lang="en-US" sz="1800" spc="-1" strike="noStrike">
+                <a:solidFill>
+                  <a:srgbClr val="800000"/>
+                </a:solidFill>
+                <a:uFill>
+                  <a:solidFill>
+                    <a:srgbClr val="ffffff"/>
+                  </a:solidFill>
+                </a:uFill>
+                <a:latin typeface="Arial"/>
+              </a:rPr>
+              <a:t>imgproc. Image processing</a:t>
+            </a:r>
+            <a:endParaRPr b="0" lang="en-US" sz="1800" spc="-1" strike="noStrike">
+              <a:solidFill>
+                <a:srgbClr val="000000"/>
+              </a:solidFill>
+              <a:uFill>
+                <a:solidFill>
+                  <a:srgbClr val="ffffff"/>
+                </a:solidFill>
+              </a:uFill>
+              <a:latin typeface="Arial"/>
+            </a:endParaRPr>
+          </a:p>
+          <a:p>
+            <a:r>
+              <a:rPr b="0" lang="en-US" sz="1800" spc="-1" strike="noStrike">
+                <a:solidFill>
+                  <a:srgbClr val="800000"/>
+                </a:solidFill>
+                <a:uFill>
+                  <a:solidFill>
+                    <a:srgbClr val="ffffff"/>
+                  </a:solidFill>
+                </a:uFill>
+                <a:latin typeface="Arial"/>
+              </a:rPr>
+              <a:t>imgcodecs. Image file reading and writing</a:t>
+            </a:r>
+            <a:endParaRPr b="0" lang="en-US" sz="1800" spc="-1" strike="noStrike">
+              <a:solidFill>
+                <a:srgbClr val="000000"/>
+              </a:solidFill>
+              <a:uFill>
+                <a:solidFill>
+                  <a:srgbClr val="ffffff"/>
+                </a:solidFill>
+              </a:uFill>
+              <a:latin typeface="Arial"/>
+            </a:endParaRPr>
+          </a:p>
+          <a:p>
+            <a:r>
+              <a:rPr b="0" lang="en-US" sz="1800" spc="-1" strike="noStrike">
+                <a:solidFill>
+                  <a:srgbClr val="800000"/>
+                </a:solidFill>
+                <a:uFill>
+                  <a:solidFill>
+                    <a:srgbClr val="ffffff"/>
+                  </a:solidFill>
+                </a:uFill>
+                <a:latin typeface="Arial"/>
+              </a:rPr>
+              <a:t>videoio. Video I/O</a:t>
+            </a:r>
+            <a:endParaRPr b="0" lang="en-US" sz="1800" spc="-1" strike="noStrike">
+              <a:solidFill>
+                <a:srgbClr val="000000"/>
+              </a:solidFill>
+              <a:uFill>
+                <a:solidFill>
+                  <a:srgbClr val="ffffff"/>
+                </a:solidFill>
+              </a:uFill>
+              <a:latin typeface="Arial"/>
+            </a:endParaRPr>
+          </a:p>
+          <a:p>
+            <a:r>
+              <a:rPr b="0" lang="en-US" sz="1800" spc="-1" strike="noStrike">
+                <a:solidFill>
+                  <a:srgbClr val="800000"/>
+                </a:solidFill>
+                <a:uFill>
+                  <a:solidFill>
+                    <a:srgbClr val="ffffff"/>
+                  </a:solidFill>
+                </a:uFill>
+                <a:latin typeface="Arial"/>
+              </a:rPr>
+              <a:t>highgui. High-level GUI</a:t>
+            </a:r>
+            <a:endParaRPr b="0" lang="en-US" sz="1800" spc="-1" strike="noStrike">
+              <a:solidFill>
+                <a:srgbClr val="000000"/>
+              </a:solidFill>
+              <a:uFill>
+                <a:solidFill>
+                  <a:srgbClr val="ffffff"/>
+                </a:solidFill>
+              </a:uFill>
+              <a:latin typeface="Arial"/>
+            </a:endParaRPr>
+          </a:p>
+          <a:p>
+            <a:r>
+              <a:rPr b="0" lang="en-US" sz="1800" spc="-1" strike="noStrike">
+                <a:solidFill>
+                  <a:srgbClr val="800000"/>
+                </a:solidFill>
+                <a:uFill>
+                  <a:solidFill>
+                    <a:srgbClr val="ffffff"/>
+                  </a:solidFill>
+                </a:uFill>
+                <a:latin typeface="Arial"/>
+              </a:rPr>
+              <a:t>video. Video Analysis</a:t>
+            </a:r>
+            <a:endParaRPr b="0" lang="en-US" sz="1800" spc="-1" strike="noStrike">
+              <a:solidFill>
+                <a:srgbClr val="000000"/>
+              </a:solidFill>
+              <a:uFill>
+                <a:solidFill>
+                  <a:srgbClr val="ffffff"/>
+                </a:solidFill>
+              </a:uFill>
+              <a:latin typeface="Arial"/>
+            </a:endParaRPr>
+          </a:p>
+          <a:p>
+            <a:r>
+              <a:rPr b="0" lang="en-US" sz="1800" spc="-1" strike="noStrike">
+                <a:solidFill>
+                  <a:srgbClr val="000000"/>
+                </a:solidFill>
+                <a:uFill>
+                  <a:solidFill>
+                    <a:srgbClr val="ffffff"/>
+                  </a:solidFill>
+                </a:uFill>
+                <a:latin typeface="Arial"/>
+              </a:rPr>
+              <a:t>calib3d. Camera Calibration and 3D Reconstruction</a:t>
+            </a:r>
+            <a:endParaRPr b="0" lang="en-US" sz="1800" spc="-1" strike="noStrike">
+              <a:solidFill>
+                <a:srgbClr val="000000"/>
+              </a:solidFill>
+              <a:uFill>
+                <a:solidFill>
+                  <a:srgbClr val="ffffff"/>
+                </a:solidFill>
+              </a:uFill>
+              <a:latin typeface="Arial"/>
+            </a:endParaRPr>
+          </a:p>
+          <a:p>
+            <a:r>
+              <a:rPr b="0" lang="en-US" sz="1800" spc="-1" strike="noStrike">
+                <a:solidFill>
+                  <a:srgbClr val="000000"/>
+                </a:solidFill>
+                <a:uFill>
+                  <a:solidFill>
+                    <a:srgbClr val="ffffff"/>
+                  </a:solidFill>
+                </a:uFill>
+                <a:latin typeface="Arial"/>
+              </a:rPr>
+              <a:t>features2d. 2D Features Framework</a:t>
+            </a:r>
+            <a:endParaRPr b="0" lang="en-US" sz="1800" spc="-1" strike="noStrike">
+              <a:solidFill>
+                <a:srgbClr val="000000"/>
+              </a:solidFill>
+              <a:uFill>
+                <a:solidFill>
+                  <a:srgbClr val="ffffff"/>
+                </a:solidFill>
+              </a:uFill>
+              <a:latin typeface="Arial"/>
+            </a:endParaRPr>
+          </a:p>
+          <a:p>
+            <a:r>
+              <a:rPr b="0" lang="en-US" sz="1800" spc="-1" strike="noStrike">
+                <a:solidFill>
+                  <a:srgbClr val="000000"/>
+                </a:solidFill>
+                <a:uFill>
+                  <a:solidFill>
+                    <a:srgbClr val="ffffff"/>
+                  </a:solidFill>
+                </a:uFill>
+                <a:latin typeface="Arial"/>
+              </a:rPr>
+              <a:t>objdetect. Object Detection</a:t>
+            </a:r>
+            <a:endParaRPr b="0" lang="en-US" sz="1800" spc="-1" strike="noStrike">
+              <a:solidFill>
+                <a:srgbClr val="000000"/>
+              </a:solidFill>
+              <a:uFill>
+                <a:solidFill>
+                  <a:srgbClr val="ffffff"/>
+                </a:solidFill>
+              </a:uFill>
+              <a:latin typeface="Arial"/>
+            </a:endParaRPr>
+          </a:p>
+          <a:p>
+            <a:r>
+              <a:rPr b="0" lang="en-US" sz="1800" spc="-1" strike="noStrike">
+                <a:solidFill>
+                  <a:srgbClr val="000000"/>
+                </a:solidFill>
+                <a:uFill>
+                  <a:solidFill>
+                    <a:srgbClr val="ffffff"/>
+                  </a:solidFill>
+                </a:uFill>
+                <a:latin typeface="Arial"/>
+              </a:rPr>
+              <a:t>ml. Machine Learning</a:t>
+            </a:r>
+            <a:endParaRPr b="0" lang="en-US" sz="1800" spc="-1" strike="noStrike">
+              <a:solidFill>
+                <a:srgbClr val="000000"/>
+              </a:solidFill>
+              <a:uFill>
+                <a:solidFill>
+                  <a:srgbClr val="ffffff"/>
+                </a:solidFill>
+              </a:uFill>
+              <a:latin typeface="Arial"/>
+            </a:endParaRPr>
+          </a:p>
+          <a:p>
+            <a:r>
+              <a:rPr b="0" lang="en-US" sz="1800" spc="-1" strike="noStrike">
+                <a:solidFill>
+                  <a:srgbClr val="000000"/>
+                </a:solidFill>
+                <a:uFill>
+                  <a:solidFill>
+                    <a:srgbClr val="ffffff"/>
+                  </a:solidFill>
+                </a:uFill>
+                <a:latin typeface="Arial"/>
+              </a:rPr>
+              <a:t>flann. Clustering and Search in Multi-Dimensional Spaces</a:t>
+            </a:r>
+            <a:endParaRPr b="0" lang="en-US" sz="1800" spc="-1" strike="noStrike">
+              <a:solidFill>
+                <a:srgbClr val="000000"/>
+              </a:solidFill>
+              <a:uFill>
+                <a:solidFill>
+                  <a:srgbClr val="ffffff"/>
+                </a:solidFill>
+              </a:uFill>
+              <a:latin typeface="Arial"/>
+            </a:endParaRPr>
+          </a:p>
+          <a:p>
+            <a:r>
+              <a:rPr b="0" lang="en-US" sz="1800" spc="-1" strike="noStrike">
+                <a:solidFill>
+                  <a:srgbClr val="000000"/>
+                </a:solidFill>
+                <a:uFill>
+                  <a:solidFill>
+                    <a:srgbClr val="ffffff"/>
+                  </a:solidFill>
+                </a:uFill>
+                <a:latin typeface="Arial"/>
+              </a:rPr>
+              <a:t>photo. Computational Photography</a:t>
+            </a:r>
+            <a:endParaRPr b="0" lang="en-US" sz="1800" spc="-1" strike="noStrike">
+              <a:solidFill>
+                <a:srgbClr val="000000"/>
+              </a:solidFill>
+              <a:uFill>
+                <a:solidFill>
+                  <a:srgbClr val="ffffff"/>
+                </a:solidFill>
+              </a:uFill>
+              <a:latin typeface="Arial"/>
+            </a:endParaRPr>
+          </a:p>
+          <a:p>
+            <a:r>
+              <a:rPr b="0" lang="en-US" sz="1800" spc="-1" strike="noStrike">
+                <a:solidFill>
+                  <a:srgbClr val="000000"/>
+                </a:solidFill>
+                <a:uFill>
+                  <a:solidFill>
+                    <a:srgbClr val="ffffff"/>
+                  </a:solidFill>
+                </a:uFill>
+                <a:latin typeface="Arial"/>
+              </a:rPr>
+              <a:t>stitching. Images stitching</a:t>
+            </a:r>
+            <a:endParaRPr b="0" lang="en-US" sz="1800" spc="-1" strike="noStrike">
+              <a:solidFill>
+                <a:srgbClr val="000000"/>
+              </a:solidFill>
+              <a:uFill>
+                <a:solidFill>
+                  <a:srgbClr val="ffffff"/>
+                </a:solidFill>
+              </a:uFill>
+              <a:latin typeface="Arial"/>
+            </a:endParaRPr>
+          </a:p>
+          <a:p>
+            <a:r>
+              <a:rPr b="0" lang="en-US" sz="1800" spc="-1" strike="noStrike">
+                <a:solidFill>
+                  <a:srgbClr val="000000"/>
+                </a:solidFill>
+                <a:uFill>
+                  <a:solidFill>
+                    <a:srgbClr val="ffffff"/>
+                  </a:solidFill>
+                </a:uFill>
+                <a:latin typeface="Arial"/>
+              </a:rPr>
+              <a:t>cudaarithm. Operations on Matrices</a:t>
+            </a:r>
+            <a:endParaRPr b="0" lang="en-US" sz="1800" spc="-1" strike="noStrike">
+              <a:solidFill>
+                <a:srgbClr val="000000"/>
+              </a:solidFill>
+              <a:uFill>
+                <a:solidFill>
+                  <a:srgbClr val="ffffff"/>
+                </a:solidFill>
+              </a:uFill>
+              <a:latin typeface="Arial"/>
+            </a:endParaRPr>
+          </a:p>
+          <a:p>
+            <a:r>
+              <a:rPr b="0" lang="en-US" sz="1800" spc="-1" strike="noStrike">
+                <a:solidFill>
+                  <a:srgbClr val="000000"/>
+                </a:solidFill>
+                <a:uFill>
+                  <a:solidFill>
+                    <a:srgbClr val="ffffff"/>
+                  </a:solidFill>
+                </a:uFill>
+                <a:latin typeface="Arial"/>
+              </a:rPr>
+              <a:t>cudabgsegm. Background Segmentation</a:t>
+            </a:r>
+            <a:endParaRPr b="0" lang="en-US" sz="1800" spc="-1" strike="noStrike">
+              <a:solidFill>
+                <a:srgbClr val="000000"/>
+              </a:solidFill>
+              <a:uFill>
+                <a:solidFill>
+                  <a:srgbClr val="ffffff"/>
+                </a:solidFill>
+              </a:uFill>
+              <a:latin typeface="Arial"/>
+            </a:endParaRPr>
+          </a:p>
+          <a:p>
+            <a:r>
+              <a:rPr b="0" lang="en-US" sz="1800" spc="-1" strike="noStrike">
+                <a:solidFill>
+                  <a:srgbClr val="000000"/>
+                </a:solidFill>
+                <a:uFill>
+                  <a:solidFill>
+                    <a:srgbClr val="ffffff"/>
+                  </a:solidFill>
+                </a:uFill>
+                <a:latin typeface="Arial"/>
+              </a:rPr>
+              <a:t>cudacodec. Video Encoding/Decoding</a:t>
+            </a:r>
+            <a:endParaRPr b="0" lang="en-US" sz="1800" spc="-1" strike="noStrike">
+              <a:solidFill>
+                <a:srgbClr val="000000"/>
+              </a:solidFill>
+              <a:uFill>
+                <a:solidFill>
+                  <a:srgbClr val="ffffff"/>
+                </a:solidFill>
+              </a:uFill>
+              <a:latin typeface="Arial"/>
+            </a:endParaRPr>
+          </a:p>
+          <a:p>
+            <a:r>
+              <a:rPr b="0" lang="en-US" sz="1800" spc="-1" strike="noStrike">
+                <a:solidFill>
+                  <a:srgbClr val="000000"/>
+                </a:solidFill>
+                <a:uFill>
+                  <a:solidFill>
+                    <a:srgbClr val="ffffff"/>
+                  </a:solidFill>
+                </a:uFill>
+                <a:latin typeface="Arial"/>
+              </a:rPr>
+              <a:t>cudafeatures2d. Feature Detection and Description</a:t>
+            </a:r>
+            <a:endParaRPr b="0" lang="en-US" sz="1800" spc="-1" strike="noStrike">
+              <a:solidFill>
+                <a:srgbClr val="000000"/>
+              </a:solidFill>
+              <a:uFill>
+                <a:solidFill>
+                  <a:srgbClr val="ffffff"/>
+                </a:solidFill>
+              </a:uFill>
+              <a:latin typeface="Arial"/>
+            </a:endParaRPr>
+          </a:p>
+          <a:p>
+            <a:r>
+              <a:rPr b="0" lang="en-US" sz="1800" spc="-1" strike="noStrike">
+                <a:solidFill>
+                  <a:srgbClr val="000000"/>
+                </a:solidFill>
+                <a:uFill>
+                  <a:solidFill>
+                    <a:srgbClr val="ffffff"/>
+                  </a:solidFill>
+                </a:uFill>
+                <a:latin typeface="Arial"/>
+              </a:rPr>
+              <a:t>cudafilters. Image Filtering</a:t>
+            </a:r>
+            <a:endParaRPr b="0" lang="en-US" sz="1800" spc="-1" strike="noStrike">
+              <a:solidFill>
+                <a:srgbClr val="000000"/>
+              </a:solidFill>
+              <a:uFill>
+                <a:solidFill>
+                  <a:srgbClr val="ffffff"/>
+                </a:solidFill>
+              </a:uFill>
+              <a:latin typeface="Arial"/>
+            </a:endParaRPr>
+          </a:p>
+          <a:p>
+            <a:r>
+              <a:rPr b="0" lang="en-US" sz="1800" spc="-1" strike="noStrike">
+                <a:solidFill>
+                  <a:srgbClr val="000000"/>
+                </a:solidFill>
+                <a:uFill>
+                  <a:solidFill>
+                    <a:srgbClr val="ffffff"/>
+                  </a:solidFill>
+                </a:uFill>
+                <a:latin typeface="Arial"/>
+              </a:rPr>
+              <a:t>cudaimgproc. Image Processing</a:t>
+            </a:r>
+            <a:endParaRPr b="0" lang="en-US" sz="1800" spc="-1" strike="noStrike">
+              <a:solidFill>
+                <a:srgbClr val="000000"/>
+              </a:solidFill>
+              <a:uFill>
+                <a:solidFill>
+                  <a:srgbClr val="ffffff"/>
+                </a:solidFill>
+              </a:uFill>
+              <a:latin typeface="Arial"/>
+            </a:endParaRPr>
+          </a:p>
+          <a:p>
+            <a:r>
+              <a:rPr b="0" lang="en-US" sz="1800" spc="-1" strike="noStrike">
+                <a:solidFill>
+                  <a:srgbClr val="000000"/>
+                </a:solidFill>
+                <a:uFill>
+                  <a:solidFill>
+                    <a:srgbClr val="ffffff"/>
+                  </a:solidFill>
+                </a:uFill>
+                <a:latin typeface="Arial"/>
+              </a:rPr>
+              <a:t>cudalegacy. Legacy support</a:t>
+            </a:r>
+            <a:endParaRPr b="0" lang="en-US" sz="1800" spc="-1" strike="noStrike">
+              <a:solidFill>
+                <a:srgbClr val="000000"/>
+              </a:solidFill>
+              <a:uFill>
+                <a:solidFill>
+                  <a:srgbClr val="ffffff"/>
+                </a:solidFill>
+              </a:uFill>
+              <a:latin typeface="Arial"/>
+            </a:endParaRPr>
+          </a:p>
+          <a:p>
+            <a:r>
+              <a:rPr b="0" lang="en-US" sz="1800" spc="-1" strike="noStrike">
+                <a:solidFill>
+                  <a:srgbClr val="000000"/>
+                </a:solidFill>
+                <a:uFill>
+                  <a:solidFill>
+                    <a:srgbClr val="ffffff"/>
+                  </a:solidFill>
+                </a:uFill>
+                <a:latin typeface="Arial"/>
+              </a:rPr>
+              <a:t>cudaobjdetect. Object Detection</a:t>
+            </a:r>
+            <a:endParaRPr b="0" lang="en-US" sz="1800" spc="-1" strike="noStrike">
+              <a:solidFill>
+                <a:srgbClr val="000000"/>
+              </a:solidFill>
+              <a:uFill>
+                <a:solidFill>
+                  <a:srgbClr val="ffffff"/>
+                </a:solidFill>
+              </a:uFill>
+              <a:latin typeface="Arial"/>
+            </a:endParaRPr>
+          </a:p>
+          <a:p>
+            <a:r>
+              <a:rPr b="0" lang="en-US" sz="1800" spc="-1" strike="noStrike">
+                <a:solidFill>
+                  <a:srgbClr val="000000"/>
+                </a:solidFill>
+                <a:uFill>
+                  <a:solidFill>
+                    <a:srgbClr val="ffffff"/>
+                  </a:solidFill>
+                </a:uFill>
+                <a:latin typeface="Arial"/>
+              </a:rPr>
+              <a:t>cudaoptflow. Optical Flow</a:t>
+            </a:r>
+            <a:endParaRPr b="0" lang="en-US" sz="1800" spc="-1" strike="noStrike">
+              <a:solidFill>
+                <a:srgbClr val="000000"/>
+              </a:solidFill>
+              <a:uFill>
+                <a:solidFill>
+                  <a:srgbClr val="ffffff"/>
+                </a:solidFill>
+              </a:uFill>
+              <a:latin typeface="Arial"/>
+            </a:endParaRPr>
+          </a:p>
+          <a:p>
+            <a:r>
+              <a:rPr b="0" lang="en-US" sz="1800" spc="-1" strike="noStrike">
+                <a:solidFill>
+                  <a:srgbClr val="000000"/>
+                </a:solidFill>
+                <a:uFill>
+                  <a:solidFill>
+                    <a:srgbClr val="ffffff"/>
+                  </a:solidFill>
+                </a:uFill>
+                <a:latin typeface="Arial"/>
+              </a:rPr>
+              <a:t>cudastereo. Stereo Correspondence</a:t>
+            </a:r>
+            <a:endParaRPr b="0" lang="en-US" sz="1800" spc="-1" strike="noStrike">
+              <a:solidFill>
+                <a:srgbClr val="000000"/>
+              </a:solidFill>
+              <a:uFill>
+                <a:solidFill>
+                  <a:srgbClr val="ffffff"/>
+                </a:solidFill>
+              </a:uFill>
+              <a:latin typeface="Arial"/>
+            </a:endParaRPr>
+          </a:p>
+          <a:p>
+            <a:r>
+              <a:rPr b="0" lang="en-US" sz="1800" spc="-1" strike="noStrike">
+                <a:solidFill>
+                  <a:srgbClr val="000000"/>
+                </a:solidFill>
+                <a:uFill>
+                  <a:solidFill>
+                    <a:srgbClr val="ffffff"/>
+                  </a:solidFill>
+                </a:uFill>
+                <a:latin typeface="Arial"/>
+              </a:rPr>
+              <a:t>cudawarping. Image Warping</a:t>
+            </a:r>
+            <a:endParaRPr b="0" lang="en-US" sz="1800" spc="-1" strike="noStrike">
+              <a:solidFill>
+                <a:srgbClr val="000000"/>
+              </a:solidFill>
+              <a:uFill>
+                <a:solidFill>
+                  <a:srgbClr val="ffffff"/>
+                </a:solidFill>
+              </a:uFill>
+              <a:latin typeface="Arial"/>
+            </a:endParaRPr>
+          </a:p>
+          <a:p>
+            <a:r>
+              <a:rPr b="0" lang="en-US" sz="1800" spc="-1" strike="noStrike">
+                <a:solidFill>
+                  <a:srgbClr val="000000"/>
+                </a:solidFill>
+                <a:uFill>
+                  <a:solidFill>
+                    <a:srgbClr val="ffffff"/>
+                  </a:solidFill>
+                </a:uFill>
+                <a:latin typeface="Arial"/>
+              </a:rPr>
+              <a:t>cudev. Device layer</a:t>
+            </a:r>
+            <a:endParaRPr b="0" lang="en-US" sz="1800" spc="-1" strike="noStrike">
+              <a:solidFill>
+                <a:srgbClr val="000000"/>
+              </a:solidFill>
+              <a:uFill>
+                <a:solidFill>
+                  <a:srgbClr val="ffffff"/>
+                </a:solidFill>
+              </a:uFill>
+              <a:latin typeface="Arial"/>
+            </a:endParaRPr>
+          </a:p>
+          <a:p>
+            <a:r>
+              <a:rPr b="0" lang="en-US" sz="1800" spc="-1" strike="noStrike">
+                <a:solidFill>
+                  <a:srgbClr val="000000"/>
+                </a:solidFill>
+                <a:uFill>
+                  <a:solidFill>
+                    <a:srgbClr val="ffffff"/>
+                  </a:solidFill>
+                </a:uFill>
+                <a:latin typeface="Arial"/>
+              </a:rPr>
+              <a:t>shape. Shape Distance and Matching</a:t>
+            </a:r>
+            <a:endParaRPr b="0" lang="en-US" sz="1800" spc="-1" strike="noStrike">
+              <a:solidFill>
+                <a:srgbClr val="000000"/>
+              </a:solidFill>
+              <a:uFill>
+                <a:solidFill>
+                  <a:srgbClr val="ffffff"/>
+                </a:solidFill>
+              </a:uFill>
+              <a:latin typeface="Arial"/>
+            </a:endParaRPr>
+          </a:p>
+          <a:p>
+            <a:r>
+              <a:rPr b="0" lang="en-US" sz="1800" spc="-1" strike="noStrike">
+                <a:solidFill>
+                  <a:srgbClr val="000000"/>
+                </a:solidFill>
+                <a:uFill>
+                  <a:solidFill>
+                    <a:srgbClr val="ffffff"/>
+                  </a:solidFill>
+                </a:uFill>
+                <a:latin typeface="Arial"/>
+              </a:rPr>
+              <a:t>superres. Super Resolution</a:t>
+            </a:r>
+            <a:endParaRPr b="0" lang="en-US" sz="1800" spc="-1" strike="noStrike">
+              <a:solidFill>
+                <a:srgbClr val="000000"/>
+              </a:solidFill>
+              <a:uFill>
+                <a:solidFill>
+                  <a:srgbClr val="ffffff"/>
+                </a:solidFill>
+              </a:uFill>
+              <a:latin typeface="Arial"/>
+            </a:endParaRPr>
+          </a:p>
+          <a:p>
+            <a:r>
+              <a:rPr b="0" lang="en-US" sz="1800" spc="-1" strike="noStrike">
+                <a:solidFill>
+                  <a:srgbClr val="000000"/>
+                </a:solidFill>
+                <a:uFill>
+                  <a:solidFill>
+                    <a:srgbClr val="ffffff"/>
+                  </a:solidFill>
+                </a:uFill>
+                <a:latin typeface="Arial"/>
+              </a:rPr>
+              <a:t>videostab. Video Stabilization</a:t>
+            </a:r>
+            <a:endParaRPr b="0" lang="en-US" sz="1800" spc="-1" strike="noStrike">
+              <a:solidFill>
+                <a:srgbClr val="000000"/>
+              </a:solidFill>
+              <a:uFill>
+                <a:solidFill>
+                  <a:srgbClr val="ffffff"/>
+                </a:solidFill>
+              </a:uFill>
+              <a:latin typeface="Arial"/>
+            </a:endParaRPr>
+          </a:p>
+          <a:p>
+            <a:r>
+              <a:rPr b="0" lang="en-US" sz="1800" spc="-1" strike="noStrike">
+                <a:solidFill>
+                  <a:srgbClr val="000000"/>
+                </a:solidFill>
+                <a:uFill>
+                  <a:solidFill>
+                    <a:srgbClr val="ffffff"/>
+                  </a:solidFill>
+                </a:uFill>
+                <a:latin typeface="Arial"/>
+              </a:rPr>
+              <a:t>viz. 3D Visualizer</a:t>
+            </a:r>
+            <a:endParaRPr b="0" lang="en-US" sz="1800" spc="-1" strike="noStrike">
+              <a:solidFill>
+                <a:srgbClr val="000000"/>
+              </a:solidFill>
+              <a:uFill>
+                <a:solidFill>
+                  <a:srgbClr val="ffffff"/>
+                </a:solidFill>
+              </a:uFill>
+              <a:latin typeface="Arial"/>
+            </a:endParaRPr>
+          </a:p>
+        </p:txBody>
+      </p:sp>
+    </p:spTree>
+  </p:cSld>
+  <p:timing>
+    <p:tnLst>
+      <p:par>
+        <p:cTn id="9" dur="indefinite" restart="never" nodeType="tmRoot">
+          <p:childTnLst>
+            <p:seq>
+              <p:cTn id="10" nodeType="mainSeq"/>
               <p:prevCondLst>
                 <p:cond delay="0" evt="onPrev">
                   <p:tgtEl>
@@ -4783,4 +7419,227 @@
     </a:fmtScheme>
   </a:themeElements>
 </a:theme>
+</file>
+
+<file path=ppt/theme/theme2.xml><?xml version="1.0" encoding="utf-8"?>
+<a:theme xmlns:a="http://schemas.openxmlformats.org/drawingml/2006/main" name="Office Theme">
+  <a:themeElements>
+    <a:clrScheme name="Office">
+      <a:dk1>
+        <a:sysClr val="windowText" lastClr="000000"/>
+      </a:dk1>
+      <a:lt1>
+        <a:sysClr val="window" lastClr="FFFFFF"/>
+      </a:lt1>
+      <a:dk2>
+        <a:srgbClr val="1F497D"/>
+      </a:dk2>
+      <a:lt2>
+        <a:srgbClr val="EEECE1"/>
+      </a:lt2>
+      <a:accent1>
+        <a:srgbClr val="4F81BD"/>
+      </a:accent1>
+      <a:accent2>
+        <a:srgbClr val="C0504D"/>
+      </a:accent2>
+      <a:accent3>
+        <a:srgbClr val="9BBB59"/>
+      </a:accent3>
+      <a:accent4>
+        <a:srgbClr val="8064A2"/>
+      </a:accent4>
+      <a:accent5>
+        <a:srgbClr val="4BACC6"/>
+      </a:accent5>
+      <a:accent6>
+        <a:srgbClr val="F79646"/>
+      </a:accent6>
+      <a:hlink>
+        <a:srgbClr val="0000FF"/>
+      </a:hlink>
+      <a:folHlink>
+        <a:srgbClr val="800080"/>
+      </a:folHlink>
+    </a:clrScheme>
+    <a:fontScheme name="Office">
+      <a:majorFont>
+        <a:latin typeface="Arial"/>
+        <a:ea typeface="DejaVu Sans"/>
+        <a:cs typeface="DejaVu Sans"/>
+      </a:majorFont>
+      <a:minorFont>
+        <a:latin typeface="Arial"/>
+        <a:ea typeface="DejaVu Sans"/>
+        <a:cs typeface="DejaVu Sans"/>
+      </a:minorFont>
+    </a:fontScheme>
+    <a:fmtScheme name="Office">
+      <a:fillStyleLst>
+        <a:solidFill>
+          <a:schemeClr val="phClr"/>
+        </a:solidFill>
+        <a:gradFill rotWithShape="1">
+          <a:gsLst>
+            <a:gs pos="0">
+              <a:schemeClr val="phClr">
+                <a:tint val="50000"/>
+                <a:satMod val="300000"/>
+              </a:schemeClr>
+            </a:gs>
+            <a:gs pos="35000">
+              <a:schemeClr val="phClr">
+                <a:tint val="37000"/>
+                <a:satMod val="300000"/>
+              </a:schemeClr>
+            </a:gs>
+            <a:gs pos="100000">
+              <a:schemeClr val="phClr">
+                <a:tint val="15000"/>
+                <a:satMod val="350000"/>
+              </a:schemeClr>
+            </a:gs>
+          </a:gsLst>
+          <a:lin ang="16200000" scaled="1"/>
+        </a:gradFill>
+        <a:gradFill rotWithShape="1">
+          <a:gsLst>
+            <a:gs pos="0">
+              <a:schemeClr val="phClr">
+                <a:shade val="51000"/>
+                <a:satMod val="130000"/>
+              </a:schemeClr>
+            </a:gs>
+            <a:gs pos="80000">
+              <a:schemeClr val="phClr">
+                <a:shade val="93000"/>
+                <a:satMod val="130000"/>
+              </a:schemeClr>
+            </a:gs>
+            <a:gs pos="100000">
+              <a:schemeClr val="phClr">
+                <a:shade val="94000"/>
+                <a:satMod val="135000"/>
+              </a:schemeClr>
+            </a:gs>
+          </a:gsLst>
+          <a:lin ang="16200000" scaled="0"/>
+        </a:gradFill>
+      </a:fillStyleLst>
+      <a:lnStyleLst>
+        <a:ln w="9525" cap="flat" cmpd="sng" algn="ctr">
+          <a:solidFill>
+            <a:schemeClr val="phClr">
+              <a:shade val="95000"/>
+              <a:satMod val="105000"/>
+            </a:schemeClr>
+          </a:solidFill>
+          <a:prstDash val="solid"/>
+        </a:ln>
+        <a:ln w="25400" cap="flat" cmpd="sng" algn="ctr">
+          <a:solidFill>
+            <a:schemeClr val="phClr"/>
+          </a:solidFill>
+          <a:prstDash val="solid"/>
+        </a:ln>
+        <a:ln w="38100" cap="flat" cmpd="sng" algn="ctr">
+          <a:solidFill>
+            <a:schemeClr val="phClr"/>
+          </a:solidFill>
+          <a:prstDash val="solid"/>
+        </a:ln>
+      </a:lnStyleLst>
+      <a:effectStyleLst>
+        <a:effectStyle>
+          <a:effectLst>
+            <a:outerShdw blurRad="40000" dist="20000" dir="5400000" rotWithShape="0">
+              <a:srgbClr val="000000">
+                <a:alpha val="38000"/>
+              </a:srgbClr>
+            </a:outerShdw>
+          </a:effectLst>
+        </a:effectStyle>
+        <a:effectStyle>
+          <a:effectLst>
+            <a:outerShdw blurRad="40000" dist="23000" dir="5400000" rotWithShape="0">
+              <a:srgbClr val="000000">
+                <a:alpha val="35000"/>
+              </a:srgbClr>
+            </a:outerShdw>
+          </a:effectLst>
+        </a:effectStyle>
+        <a:effectStyle>
+          <a:effectLst>
+            <a:outerShdw blurRad="40000" dist="23000" dir="5400000" rotWithShape="0">
+              <a:srgbClr val="000000">
+                <a:alpha val="35000"/>
+              </a:srgbClr>
+            </a:outerShdw>
+          </a:effectLst>
+          <a:scene3d>
+            <a:camera prst="orthographicFront">
+              <a:rot lat="0" lon="0" rev="0"/>
+            </a:camera>
+            <a:lightRig rig="threePt" dir="t">
+              <a:rot lat="0" lon="0" rev="1200000"/>
+            </a:lightRig>
+          </a:scene3d>
+          <a:sp3d>
+            <a:bevelT w="63500" h="25400"/>
+          </a:sp3d>
+        </a:effectStyle>
+      </a:effectStyleLst>
+      <a:bgFillStyleLst>
+        <a:solidFill>
+          <a:schemeClr val="phClr"/>
+        </a:solidFill>
+        <a:gradFill rotWithShape="1">
+          <a:gsLst>
+            <a:gs pos="0">
+              <a:schemeClr val="phClr">
+                <a:tint val="40000"/>
+                <a:satMod val="350000"/>
+              </a:schemeClr>
+            </a:gs>
+            <a:gs pos="40000">
+              <a:schemeClr val="phClr">
+                <a:tint val="45000"/>
+                <a:shade val="99000"/>
+                <a:satMod val="350000"/>
+              </a:schemeClr>
+            </a:gs>
+            <a:gs pos="100000">
+              <a:schemeClr val="phClr">
+                <a:shade val="20000"/>
+                <a:satMod val="255000"/>
+              </a:schemeClr>
+            </a:gs>
+          </a:gsLst>
+          <a:path path="circle">
+            <a:fillToRect l="50000" t="-80000" r="50000" b="180000"/>
+          </a:path>
+        </a:gradFill>
+        <a:gradFill rotWithShape="1">
+          <a:gsLst>
+            <a:gs pos="0">
+              <a:schemeClr val="phClr">
+                <a:tint val="80000"/>
+                <a:satMod val="300000"/>
+              </a:schemeClr>
+            </a:gs>
+            <a:gs pos="100000">
+              <a:schemeClr val="phClr">
+                <a:shade val="30000"/>
+                <a:satMod val="200000"/>
+              </a:schemeClr>
+            </a:gs>
+          </a:gsLst>
+          <a:path path="circle">
+            <a:fillToRect l="50000" t="50000" r="50000" b="50000"/>
+          </a:path>
+        </a:gradFill>
+      </a:bgFillStyleLst>
+    </a:fmtScheme>
+  </a:themeElements>
+</a:theme>
 </file>
--- a/poseidon/docs/Presentation.pptx
+++ b/poseidon/docs/Presentation.pptx
@@ -12,7 +12,7 @@
     <p:sldId id="259" r:id="rId7"/>
     <p:sldId id="260" r:id="rId8"/>
   </p:sldIdLst>
-  <p:sldSz cx="10080625" cy="7559675"/>
+  <p:sldSz cx="10077450" cy="7562850"/>
   <p:notesSz cx="7772400" cy="10058400"/>
 </p:presentation>
 </file>
@@ -68,8 +68,8 @@
         </p:nvSpPr>
         <p:spPr>
           <a:xfrm>
-            <a:off x="504000" y="301320"/>
-            <a:ext cx="9071280" cy="1261800"/>
+            <a:off x="503640" y="301320"/>
+            <a:ext cx="9068400" cy="1262160"/>
           </a:xfrm>
           <a:prstGeom prst="rect">
             <a:avLst/>
@@ -81,7 +81,7 @@
             <a:pPr algn="ctr"/>
             <a:endParaRPr b="0" lang="en-US" sz="4400" spc="-1" strike="noStrike">
               <a:solidFill>
-                <a:srgbClr val="000000"/>
+                <a:srgbClr val="ffffff"/>
               </a:solidFill>
               <a:uFill>
                 <a:solidFill>
@@ -105,8 +105,8 @@
         </p:nvSpPr>
         <p:spPr>
           <a:xfrm>
-            <a:off x="504000" y="1769040"/>
-            <a:ext cx="9071280" cy="2090880"/>
+            <a:off x="503640" y="1769040"/>
+            <a:ext cx="9068400" cy="2091600"/>
           </a:xfrm>
           <a:prstGeom prst="rect">
             <a:avLst/>
@@ -117,7 +117,7 @@
           <a:p>
             <a:endParaRPr b="0" lang="en-US" sz="3200" spc="-1" strike="noStrike">
               <a:solidFill>
-                <a:srgbClr val="000000"/>
+                <a:srgbClr val="ffffff"/>
               </a:solidFill>
               <a:uFill>
                 <a:solidFill>
@@ -141,8 +141,8 @@
         </p:nvSpPr>
         <p:spPr>
           <a:xfrm>
-            <a:off x="504000" y="4059000"/>
-            <a:ext cx="9071280" cy="2090880"/>
+            <a:off x="503640" y="4059720"/>
+            <a:ext cx="9068400" cy="2091600"/>
           </a:xfrm>
           <a:prstGeom prst="rect">
             <a:avLst/>
@@ -153,7 +153,7 @@
           <a:p>
             <a:endParaRPr b="0" lang="en-US" sz="3200" spc="-1" strike="noStrike">
               <a:solidFill>
-                <a:srgbClr val="000000"/>
+                <a:srgbClr val="ffffff"/>
               </a:solidFill>
               <a:uFill>
                 <a:solidFill>
@@ -199,8 +199,8 @@
         </p:nvSpPr>
         <p:spPr>
           <a:xfrm>
-            <a:off x="504000" y="301320"/>
-            <a:ext cx="9071280" cy="1261800"/>
+            <a:off x="503640" y="301320"/>
+            <a:ext cx="9068400" cy="1262160"/>
           </a:xfrm>
           <a:prstGeom prst="rect">
             <a:avLst/>
@@ -212,7 +212,7 @@
             <a:pPr algn="ctr"/>
             <a:endParaRPr b="0" lang="en-US" sz="4400" spc="-1" strike="noStrike">
               <a:solidFill>
-                <a:srgbClr val="000000"/>
+                <a:srgbClr val="ffffff"/>
               </a:solidFill>
               <a:uFill>
                 <a:solidFill>
@@ -236,8 +236,8 @@
         </p:nvSpPr>
         <p:spPr>
           <a:xfrm>
-            <a:off x="504000" y="1769040"/>
-            <a:ext cx="4426560" cy="2090880"/>
+            <a:off x="503640" y="1769040"/>
+            <a:ext cx="4425120" cy="2091600"/>
           </a:xfrm>
           <a:prstGeom prst="rect">
             <a:avLst/>
@@ -248,7 +248,7 @@
           <a:p>
             <a:endParaRPr b="0" lang="en-US" sz="3200" spc="-1" strike="noStrike">
               <a:solidFill>
-                <a:srgbClr val="000000"/>
+                <a:srgbClr val="ffffff"/>
               </a:solidFill>
               <a:uFill>
                 <a:solidFill>
@@ -272,8 +272,8 @@
         </p:nvSpPr>
         <p:spPr>
           <a:xfrm>
-            <a:off x="5152320" y="1769040"/>
-            <a:ext cx="4426560" cy="2090880"/>
+            <a:off x="5150520" y="1769040"/>
+            <a:ext cx="4425120" cy="2091600"/>
           </a:xfrm>
           <a:prstGeom prst="rect">
             <a:avLst/>
@@ -284,7 +284,7 @@
           <a:p>
             <a:endParaRPr b="0" lang="en-US" sz="3200" spc="-1" strike="noStrike">
               <a:solidFill>
-                <a:srgbClr val="000000"/>
+                <a:srgbClr val="ffffff"/>
               </a:solidFill>
               <a:uFill>
                 <a:solidFill>
@@ -308,8 +308,8 @@
         </p:nvSpPr>
         <p:spPr>
           <a:xfrm>
-            <a:off x="5152320" y="4059000"/>
-            <a:ext cx="4426560" cy="2090880"/>
+            <a:off x="5150520" y="4059720"/>
+            <a:ext cx="4425120" cy="2091600"/>
           </a:xfrm>
           <a:prstGeom prst="rect">
             <a:avLst/>
@@ -320,7 +320,7 @@
           <a:p>
             <a:endParaRPr b="0" lang="en-US" sz="3200" spc="-1" strike="noStrike">
               <a:solidFill>
-                <a:srgbClr val="000000"/>
+                <a:srgbClr val="ffffff"/>
               </a:solidFill>
               <a:uFill>
                 <a:solidFill>
@@ -344,8 +344,8 @@
         </p:nvSpPr>
         <p:spPr>
           <a:xfrm>
-            <a:off x="504000" y="4059000"/>
-            <a:ext cx="4426560" cy="2090880"/>
+            <a:off x="503640" y="4059720"/>
+            <a:ext cx="4425120" cy="2091600"/>
           </a:xfrm>
           <a:prstGeom prst="rect">
             <a:avLst/>
@@ -356,7 +356,7 @@
           <a:p>
             <a:endParaRPr b="0" lang="en-US" sz="3200" spc="-1" strike="noStrike">
               <a:solidFill>
-                <a:srgbClr val="000000"/>
+                <a:srgbClr val="ffffff"/>
               </a:solidFill>
               <a:uFill>
                 <a:solidFill>
@@ -402,8 +402,8 @@
         </p:nvSpPr>
         <p:spPr>
           <a:xfrm>
-            <a:off x="504000" y="301320"/>
-            <a:ext cx="9071280" cy="1261800"/>
+            <a:off x="503640" y="301320"/>
+            <a:ext cx="9068400" cy="1262160"/>
           </a:xfrm>
           <a:prstGeom prst="rect">
             <a:avLst/>
@@ -415,7 +415,7 @@
             <a:pPr algn="ctr"/>
             <a:endParaRPr b="0" lang="en-US" sz="4400" spc="-1" strike="noStrike">
               <a:solidFill>
-                <a:srgbClr val="000000"/>
+                <a:srgbClr val="ffffff"/>
               </a:solidFill>
               <a:uFill>
                 <a:solidFill>
@@ -439,8 +439,8 @@
         </p:nvSpPr>
         <p:spPr>
           <a:xfrm>
-            <a:off x="504000" y="1769040"/>
-            <a:ext cx="9071280" cy="4384080"/>
+            <a:off x="503640" y="1769040"/>
+            <a:ext cx="9068400" cy="4385520"/>
           </a:xfrm>
           <a:prstGeom prst="rect">
             <a:avLst/>
@@ -451,7 +451,7 @@
           <a:p>
             <a:endParaRPr b="0" lang="en-US" sz="3200" spc="-1" strike="noStrike">
               <a:solidFill>
-                <a:srgbClr val="000000"/>
+                <a:srgbClr val="ffffff"/>
               </a:solidFill>
               <a:uFill>
                 <a:solidFill>
@@ -475,8 +475,8 @@
         </p:nvSpPr>
         <p:spPr>
           <a:xfrm>
-            <a:off x="504000" y="1769040"/>
-            <a:ext cx="9071280" cy="4384080"/>
+            <a:off x="503640" y="1769040"/>
+            <a:ext cx="9068400" cy="4385520"/>
           </a:xfrm>
           <a:prstGeom prst="rect">
             <a:avLst/>
@@ -487,7 +487,7 @@
           <a:p>
             <a:endParaRPr b="0" lang="en-US" sz="3200" spc="-1" strike="noStrike">
               <a:solidFill>
-                <a:srgbClr val="000000"/>
+                <a:srgbClr val="ffffff"/>
               </a:solidFill>
               <a:uFill>
                 <a:solidFill>
@@ -511,8 +511,8 @@
         </p:blipFill>
         <p:spPr>
           <a:xfrm>
-            <a:off x="2292120" y="1769040"/>
-            <a:ext cx="5494680" cy="4384080"/>
+            <a:off x="2289600" y="1769040"/>
+            <a:ext cx="5496480" cy="4385520"/>
           </a:xfrm>
           <a:prstGeom prst="rect">
             <a:avLst/>
@@ -534,8 +534,8 @@
         </p:blipFill>
         <p:spPr>
           <a:xfrm>
-            <a:off x="2292120" y="1769040"/>
-            <a:ext cx="5494680" cy="4384080"/>
+            <a:off x="2289600" y="1769040"/>
+            <a:ext cx="5496480" cy="4385520"/>
           </a:xfrm>
           <a:prstGeom prst="rect">
             <a:avLst/>
@@ -601,8 +601,8 @@
         </p:nvSpPr>
         <p:spPr>
           <a:xfrm>
-            <a:off x="504000" y="301320"/>
-            <a:ext cx="9071280" cy="1261800"/>
+            <a:off x="503640" y="301320"/>
+            <a:ext cx="9068400" cy="1262160"/>
           </a:xfrm>
           <a:prstGeom prst="rect">
             <a:avLst/>
@@ -614,7 +614,7 @@
             <a:pPr algn="ctr"/>
             <a:endParaRPr b="0" lang="en-US" sz="4400" spc="-1" strike="noStrike">
               <a:solidFill>
-                <a:srgbClr val="000000"/>
+                <a:srgbClr val="ffffff"/>
               </a:solidFill>
               <a:uFill>
                 <a:solidFill>
@@ -638,8 +638,8 @@
         </p:nvSpPr>
         <p:spPr>
           <a:xfrm>
-            <a:off x="504000" y="1769040"/>
-            <a:ext cx="9071280" cy="4384080"/>
+            <a:off x="503640" y="1769040"/>
+            <a:ext cx="9068400" cy="4385520"/>
           </a:xfrm>
           <a:prstGeom prst="rect">
             <a:avLst/>
@@ -651,7 +651,7 @@
             <a:pPr algn="ctr"/>
             <a:endParaRPr b="0" lang="en-US" sz="3200" spc="-1" strike="noStrike">
               <a:solidFill>
-                <a:srgbClr val="000000"/>
+                <a:srgbClr val="ffffff"/>
               </a:solidFill>
               <a:uFill>
                 <a:solidFill>
@@ -697,8 +697,8 @@
         </p:nvSpPr>
         <p:spPr>
           <a:xfrm>
-            <a:off x="504000" y="301320"/>
-            <a:ext cx="9071280" cy="1261800"/>
+            <a:off x="503640" y="301320"/>
+            <a:ext cx="9068400" cy="1262160"/>
           </a:xfrm>
           <a:prstGeom prst="rect">
             <a:avLst/>
@@ -710,7 +710,7 @@
             <a:pPr algn="ctr"/>
             <a:endParaRPr b="0" lang="en-US" sz="4400" spc="-1" strike="noStrike">
               <a:solidFill>
-                <a:srgbClr val="000000"/>
+                <a:srgbClr val="ffffff"/>
               </a:solidFill>
               <a:uFill>
                 <a:solidFill>
@@ -734,8 +734,8 @@
         </p:nvSpPr>
         <p:spPr>
           <a:xfrm>
-            <a:off x="504000" y="1769040"/>
-            <a:ext cx="9071280" cy="4384080"/>
+            <a:off x="503640" y="1769040"/>
+            <a:ext cx="9068400" cy="4385520"/>
           </a:xfrm>
           <a:prstGeom prst="rect">
             <a:avLst/>
@@ -746,7 +746,7 @@
           <a:p>
             <a:endParaRPr b="0" lang="en-US" sz="3200" spc="-1" strike="noStrike">
               <a:solidFill>
-                <a:srgbClr val="000000"/>
+                <a:srgbClr val="ffffff"/>
               </a:solidFill>
               <a:uFill>
                 <a:solidFill>
@@ -792,8 +792,8 @@
         </p:nvSpPr>
         <p:spPr>
           <a:xfrm>
-            <a:off x="504000" y="301320"/>
-            <a:ext cx="9071280" cy="1261800"/>
+            <a:off x="503640" y="301320"/>
+            <a:ext cx="9068400" cy="1262160"/>
           </a:xfrm>
           <a:prstGeom prst="rect">
             <a:avLst/>
@@ -805,7 +805,7 @@
             <a:pPr algn="ctr"/>
             <a:endParaRPr b="0" lang="en-US" sz="4400" spc="-1" strike="noStrike">
               <a:solidFill>
-                <a:srgbClr val="000000"/>
+                <a:srgbClr val="ffffff"/>
               </a:solidFill>
               <a:uFill>
                 <a:solidFill>
@@ -829,8 +829,8 @@
         </p:nvSpPr>
         <p:spPr>
           <a:xfrm>
-            <a:off x="504000" y="1769040"/>
-            <a:ext cx="4426560" cy="4384080"/>
+            <a:off x="503640" y="1769040"/>
+            <a:ext cx="4425120" cy="4385520"/>
           </a:xfrm>
           <a:prstGeom prst="rect">
             <a:avLst/>
@@ -841,7 +841,7 @@
           <a:p>
             <a:endParaRPr b="0" lang="en-US" sz="3200" spc="-1" strike="noStrike">
               <a:solidFill>
-                <a:srgbClr val="000000"/>
+                <a:srgbClr val="ffffff"/>
               </a:solidFill>
               <a:uFill>
                 <a:solidFill>
@@ -865,8 +865,8 @@
         </p:nvSpPr>
         <p:spPr>
           <a:xfrm>
-            <a:off x="5152320" y="1769040"/>
-            <a:ext cx="4426560" cy="4384080"/>
+            <a:off x="5150520" y="1769040"/>
+            <a:ext cx="4425120" cy="4385520"/>
           </a:xfrm>
           <a:prstGeom prst="rect">
             <a:avLst/>
@@ -877,7 +877,7 @@
           <a:p>
             <a:endParaRPr b="0" lang="en-US" sz="3200" spc="-1" strike="noStrike">
               <a:solidFill>
-                <a:srgbClr val="000000"/>
+                <a:srgbClr val="ffffff"/>
               </a:solidFill>
               <a:uFill>
                 <a:solidFill>
@@ -923,8 +923,8 @@
         </p:nvSpPr>
         <p:spPr>
           <a:xfrm>
-            <a:off x="504000" y="301320"/>
-            <a:ext cx="9071280" cy="1261800"/>
+            <a:off x="503640" y="301320"/>
+            <a:ext cx="9068400" cy="1262160"/>
           </a:xfrm>
           <a:prstGeom prst="rect">
             <a:avLst/>
@@ -936,7 +936,7 @@
             <a:pPr algn="ctr"/>
             <a:endParaRPr b="0" lang="en-US" sz="4400" spc="-1" strike="noStrike">
               <a:solidFill>
-                <a:srgbClr val="000000"/>
+                <a:srgbClr val="ffffff"/>
               </a:solidFill>
               <a:uFill>
                 <a:solidFill>
@@ -982,8 +982,8 @@
         </p:nvSpPr>
         <p:spPr>
           <a:xfrm>
-            <a:off x="504000" y="301320"/>
-            <a:ext cx="9071280" cy="5850360"/>
+            <a:off x="503640" y="301320"/>
+            <a:ext cx="9068400" cy="5851800"/>
           </a:xfrm>
           <a:prstGeom prst="rect">
             <a:avLst/>
@@ -995,7 +995,7 @@
             <a:pPr algn="ctr"/>
             <a:endParaRPr b="0" lang="en-US" sz="3200" spc="-1" strike="noStrike">
               <a:solidFill>
-                <a:srgbClr val="000000"/>
+                <a:srgbClr val="ffffff"/>
               </a:solidFill>
               <a:uFill>
                 <a:solidFill>
@@ -1041,8 +1041,8 @@
         </p:nvSpPr>
         <p:spPr>
           <a:xfrm>
-            <a:off x="504000" y="301320"/>
-            <a:ext cx="9071280" cy="1261800"/>
+            <a:off x="503640" y="301320"/>
+            <a:ext cx="9068400" cy="1262160"/>
           </a:xfrm>
           <a:prstGeom prst="rect">
             <a:avLst/>
@@ -1054,7 +1054,7 @@
             <a:pPr algn="ctr"/>
             <a:endParaRPr b="0" lang="en-US" sz="4400" spc="-1" strike="noStrike">
               <a:solidFill>
-                <a:srgbClr val="000000"/>
+                <a:srgbClr val="ffffff"/>
               </a:solidFill>
               <a:uFill>
                 <a:solidFill>
@@ -1078,8 +1078,8 @@
         </p:nvSpPr>
         <p:spPr>
           <a:xfrm>
-            <a:off x="504000" y="1769040"/>
-            <a:ext cx="4426560" cy="2090880"/>
+            <a:off x="503640" y="1769040"/>
+            <a:ext cx="4425120" cy="2091600"/>
           </a:xfrm>
           <a:prstGeom prst="rect">
             <a:avLst/>
@@ -1090,7 +1090,7 @@
           <a:p>
             <a:endParaRPr b="0" lang="en-US" sz="3200" spc="-1" strike="noStrike">
               <a:solidFill>
-                <a:srgbClr val="000000"/>
+                <a:srgbClr val="ffffff"/>
               </a:solidFill>
               <a:uFill>
                 <a:solidFill>
@@ -1114,8 +1114,8 @@
         </p:nvSpPr>
         <p:spPr>
           <a:xfrm>
-            <a:off x="504000" y="4059000"/>
-            <a:ext cx="4426560" cy="2090880"/>
+            <a:off x="503640" y="4059720"/>
+            <a:ext cx="4425120" cy="2091600"/>
           </a:xfrm>
           <a:prstGeom prst="rect">
             <a:avLst/>
@@ -1126,7 +1126,7 @@
           <a:p>
             <a:endParaRPr b="0" lang="en-US" sz="3200" spc="-1" strike="noStrike">
               <a:solidFill>
-                <a:srgbClr val="000000"/>
+                <a:srgbClr val="ffffff"/>
               </a:solidFill>
               <a:uFill>
                 <a:solidFill>
@@ -1150,8 +1150,8 @@
         </p:nvSpPr>
         <p:spPr>
           <a:xfrm>
-            <a:off x="5152320" y="1769040"/>
-            <a:ext cx="4426560" cy="4384080"/>
+            <a:off x="5150520" y="1769040"/>
+            <a:ext cx="4425120" cy="4385520"/>
           </a:xfrm>
           <a:prstGeom prst="rect">
             <a:avLst/>
@@ -1162,7 +1162,7 @@
           <a:p>
             <a:endParaRPr b="0" lang="en-US" sz="3200" spc="-1" strike="noStrike">
               <a:solidFill>
-                <a:srgbClr val="000000"/>
+                <a:srgbClr val="ffffff"/>
               </a:solidFill>
               <a:uFill>
                 <a:solidFill>
@@ -1208,8 +1208,8 @@
         </p:nvSpPr>
         <p:spPr>
           <a:xfrm>
-            <a:off x="504000" y="301320"/>
-            <a:ext cx="9071280" cy="1261800"/>
+            <a:off x="503640" y="301320"/>
+            <a:ext cx="9068400" cy="1262160"/>
           </a:xfrm>
           <a:prstGeom prst="rect">
             <a:avLst/>
@@ -1221,7 +1221,7 @@
             <a:pPr algn="ctr"/>
             <a:endParaRPr b="0" lang="en-US" sz="4400" spc="-1" strike="noStrike">
               <a:solidFill>
-                <a:srgbClr val="000000"/>
+                <a:srgbClr val="ffffff"/>
               </a:solidFill>
               <a:uFill>
                 <a:solidFill>
@@ -1245,8 +1245,8 @@
         </p:nvSpPr>
         <p:spPr>
           <a:xfrm>
-            <a:off x="504000" y="1769040"/>
-            <a:ext cx="9071280" cy="4384080"/>
+            <a:off x="503640" y="1769040"/>
+            <a:ext cx="9068400" cy="4385520"/>
           </a:xfrm>
           <a:prstGeom prst="rect">
             <a:avLst/>
@@ -1258,7 +1258,7 @@
             <a:pPr algn="ctr"/>
             <a:endParaRPr b="0" lang="en-US" sz="3200" spc="-1" strike="noStrike">
               <a:solidFill>
-                <a:srgbClr val="000000"/>
+                <a:srgbClr val="ffffff"/>
               </a:solidFill>
               <a:uFill>
                 <a:solidFill>
@@ -1304,8 +1304,8 @@
         </p:nvSpPr>
         <p:spPr>
           <a:xfrm>
-            <a:off x="504000" y="301320"/>
-            <a:ext cx="9071280" cy="1261800"/>
+            <a:off x="503640" y="301320"/>
+            <a:ext cx="9068400" cy="1262160"/>
           </a:xfrm>
           <a:prstGeom prst="rect">
             <a:avLst/>
@@ -1317,7 +1317,7 @@
             <a:pPr algn="ctr"/>
             <a:endParaRPr b="0" lang="en-US" sz="4400" spc="-1" strike="noStrike">
               <a:solidFill>
-                <a:srgbClr val="000000"/>
+                <a:srgbClr val="ffffff"/>
               </a:solidFill>
               <a:uFill>
                 <a:solidFill>
@@ -1341,8 +1341,8 @@
         </p:nvSpPr>
         <p:spPr>
           <a:xfrm>
-            <a:off x="504000" y="1769040"/>
-            <a:ext cx="4426560" cy="4384080"/>
+            <a:off x="503640" y="1769040"/>
+            <a:ext cx="4425120" cy="4385520"/>
           </a:xfrm>
           <a:prstGeom prst="rect">
             <a:avLst/>
@@ -1353,7 +1353,7 @@
           <a:p>
             <a:endParaRPr b="0" lang="en-US" sz="3200" spc="-1" strike="noStrike">
               <a:solidFill>
-                <a:srgbClr val="000000"/>
+                <a:srgbClr val="ffffff"/>
               </a:solidFill>
               <a:uFill>
                 <a:solidFill>
@@ -1377,8 +1377,8 @@
         </p:nvSpPr>
         <p:spPr>
           <a:xfrm>
-            <a:off x="5152320" y="1769040"/>
-            <a:ext cx="4426560" cy="2090880"/>
+            <a:off x="5150520" y="1769040"/>
+            <a:ext cx="4425120" cy="2091600"/>
           </a:xfrm>
           <a:prstGeom prst="rect">
             <a:avLst/>
@@ -1389,7 +1389,7 @@
           <a:p>
             <a:endParaRPr b="0" lang="en-US" sz="3200" spc="-1" strike="noStrike">
               <a:solidFill>
-                <a:srgbClr val="000000"/>
+                <a:srgbClr val="ffffff"/>
               </a:solidFill>
               <a:uFill>
                 <a:solidFill>
@@ -1413,8 +1413,8 @@
         </p:nvSpPr>
         <p:spPr>
           <a:xfrm>
-            <a:off x="5152320" y="4059000"/>
-            <a:ext cx="4426560" cy="2090880"/>
+            <a:off x="5150520" y="4059720"/>
+            <a:ext cx="4425120" cy="2091600"/>
           </a:xfrm>
           <a:prstGeom prst="rect">
             <a:avLst/>
@@ -1425,7 +1425,7 @@
           <a:p>
             <a:endParaRPr b="0" lang="en-US" sz="3200" spc="-1" strike="noStrike">
               <a:solidFill>
-                <a:srgbClr val="000000"/>
+                <a:srgbClr val="ffffff"/>
               </a:solidFill>
               <a:uFill>
                 <a:solidFill>
@@ -1471,8 +1471,8 @@
         </p:nvSpPr>
         <p:spPr>
           <a:xfrm>
-            <a:off x="504000" y="301320"/>
-            <a:ext cx="9071280" cy="1261800"/>
+            <a:off x="503640" y="301320"/>
+            <a:ext cx="9068400" cy="1262160"/>
           </a:xfrm>
           <a:prstGeom prst="rect">
             <a:avLst/>
@@ -1484,7 +1484,7 @@
             <a:pPr algn="ctr"/>
             <a:endParaRPr b="0" lang="en-US" sz="4400" spc="-1" strike="noStrike">
               <a:solidFill>
-                <a:srgbClr val="000000"/>
+                <a:srgbClr val="ffffff"/>
               </a:solidFill>
               <a:uFill>
                 <a:solidFill>
@@ -1508,8 +1508,8 @@
         </p:nvSpPr>
         <p:spPr>
           <a:xfrm>
-            <a:off x="504000" y="1769040"/>
-            <a:ext cx="4426560" cy="2090880"/>
+            <a:off x="503640" y="1769040"/>
+            <a:ext cx="4425120" cy="2091600"/>
           </a:xfrm>
           <a:prstGeom prst="rect">
             <a:avLst/>
@@ -1520,7 +1520,7 @@
           <a:p>
             <a:endParaRPr b="0" lang="en-US" sz="3200" spc="-1" strike="noStrike">
               <a:solidFill>
-                <a:srgbClr val="000000"/>
+                <a:srgbClr val="ffffff"/>
               </a:solidFill>
               <a:uFill>
                 <a:solidFill>
@@ -1544,8 +1544,8 @@
         </p:nvSpPr>
         <p:spPr>
           <a:xfrm>
-            <a:off x="5152320" y="1769040"/>
-            <a:ext cx="4426560" cy="2090880"/>
+            <a:off x="5150520" y="1769040"/>
+            <a:ext cx="4425120" cy="2091600"/>
           </a:xfrm>
           <a:prstGeom prst="rect">
             <a:avLst/>
@@ -1556,7 +1556,7 @@
           <a:p>
             <a:endParaRPr b="0" lang="en-US" sz="3200" spc="-1" strike="noStrike">
               <a:solidFill>
-                <a:srgbClr val="000000"/>
+                <a:srgbClr val="ffffff"/>
               </a:solidFill>
               <a:uFill>
                 <a:solidFill>
@@ -1580,8 +1580,8 @@
         </p:nvSpPr>
         <p:spPr>
           <a:xfrm>
-            <a:off x="504000" y="4059000"/>
-            <a:ext cx="9071280" cy="2090880"/>
+            <a:off x="503640" y="4059720"/>
+            <a:ext cx="9068400" cy="2091600"/>
           </a:xfrm>
           <a:prstGeom prst="rect">
             <a:avLst/>
@@ -1592,7 +1592,7 @@
           <a:p>
             <a:endParaRPr b="0" lang="en-US" sz="3200" spc="-1" strike="noStrike">
               <a:solidFill>
-                <a:srgbClr val="000000"/>
+                <a:srgbClr val="ffffff"/>
               </a:solidFill>
               <a:uFill>
                 <a:solidFill>
@@ -1638,8 +1638,8 @@
         </p:nvSpPr>
         <p:spPr>
           <a:xfrm>
-            <a:off x="504000" y="301320"/>
-            <a:ext cx="9071280" cy="1261800"/>
+            <a:off x="503640" y="301320"/>
+            <a:ext cx="9068400" cy="1262160"/>
           </a:xfrm>
           <a:prstGeom prst="rect">
             <a:avLst/>
@@ -1651,7 +1651,7 @@
             <a:pPr algn="ctr"/>
             <a:endParaRPr b="0" lang="en-US" sz="4400" spc="-1" strike="noStrike">
               <a:solidFill>
-                <a:srgbClr val="000000"/>
+                <a:srgbClr val="ffffff"/>
               </a:solidFill>
               <a:uFill>
                 <a:solidFill>
@@ -1675,8 +1675,8 @@
         </p:nvSpPr>
         <p:spPr>
           <a:xfrm>
-            <a:off x="504000" y="1769040"/>
-            <a:ext cx="9071280" cy="2090880"/>
+            <a:off x="503640" y="1769040"/>
+            <a:ext cx="9068400" cy="2091600"/>
           </a:xfrm>
           <a:prstGeom prst="rect">
             <a:avLst/>
@@ -1687,7 +1687,7 @@
           <a:p>
             <a:endParaRPr b="0" lang="en-US" sz="3200" spc="-1" strike="noStrike">
               <a:solidFill>
-                <a:srgbClr val="000000"/>
+                <a:srgbClr val="ffffff"/>
               </a:solidFill>
               <a:uFill>
                 <a:solidFill>
@@ -1711,8 +1711,8 @@
         </p:nvSpPr>
         <p:spPr>
           <a:xfrm>
-            <a:off x="504000" y="4059000"/>
-            <a:ext cx="9071280" cy="2090880"/>
+            <a:off x="503640" y="4059720"/>
+            <a:ext cx="9068400" cy="2091600"/>
           </a:xfrm>
           <a:prstGeom prst="rect">
             <a:avLst/>
@@ -1723,7 +1723,7 @@
           <a:p>
             <a:endParaRPr b="0" lang="en-US" sz="3200" spc="-1" strike="noStrike">
               <a:solidFill>
-                <a:srgbClr val="000000"/>
+                <a:srgbClr val="ffffff"/>
               </a:solidFill>
               <a:uFill>
                 <a:solidFill>
@@ -1769,8 +1769,8 @@
         </p:nvSpPr>
         <p:spPr>
           <a:xfrm>
-            <a:off x="504000" y="301320"/>
-            <a:ext cx="9071280" cy="1261800"/>
+            <a:off x="503640" y="301320"/>
+            <a:ext cx="9068400" cy="1262160"/>
           </a:xfrm>
           <a:prstGeom prst="rect">
             <a:avLst/>
@@ -1782,7 +1782,7 @@
             <a:pPr algn="ctr"/>
             <a:endParaRPr b="0" lang="en-US" sz="4400" spc="-1" strike="noStrike">
               <a:solidFill>
-                <a:srgbClr val="000000"/>
+                <a:srgbClr val="ffffff"/>
               </a:solidFill>
               <a:uFill>
                 <a:solidFill>
@@ -1806,8 +1806,8 @@
         </p:nvSpPr>
         <p:spPr>
           <a:xfrm>
-            <a:off x="504000" y="1769040"/>
-            <a:ext cx="4426560" cy="2090880"/>
+            <a:off x="503640" y="1769040"/>
+            <a:ext cx="4425120" cy="2091600"/>
           </a:xfrm>
           <a:prstGeom prst="rect">
             <a:avLst/>
@@ -1818,7 +1818,7 @@
           <a:p>
             <a:endParaRPr b="0" lang="en-US" sz="3200" spc="-1" strike="noStrike">
               <a:solidFill>
-                <a:srgbClr val="000000"/>
+                <a:srgbClr val="ffffff"/>
               </a:solidFill>
               <a:uFill>
                 <a:solidFill>
@@ -1842,8 +1842,8 @@
         </p:nvSpPr>
         <p:spPr>
           <a:xfrm>
-            <a:off x="5152320" y="1769040"/>
-            <a:ext cx="4426560" cy="2090880"/>
+            <a:off x="5150520" y="1769040"/>
+            <a:ext cx="4425120" cy="2091600"/>
           </a:xfrm>
           <a:prstGeom prst="rect">
             <a:avLst/>
@@ -1854,7 +1854,7 @@
           <a:p>
             <a:endParaRPr b="0" lang="en-US" sz="3200" spc="-1" strike="noStrike">
               <a:solidFill>
-                <a:srgbClr val="000000"/>
+                <a:srgbClr val="ffffff"/>
               </a:solidFill>
               <a:uFill>
                 <a:solidFill>
@@ -1878,8 +1878,8 @@
         </p:nvSpPr>
         <p:spPr>
           <a:xfrm>
-            <a:off x="5152320" y="4059000"/>
-            <a:ext cx="4426560" cy="2090880"/>
+            <a:off x="5150520" y="4059720"/>
+            <a:ext cx="4425120" cy="2091600"/>
           </a:xfrm>
           <a:prstGeom prst="rect">
             <a:avLst/>
@@ -1890,7 +1890,7 @@
           <a:p>
             <a:endParaRPr b="0" lang="en-US" sz="3200" spc="-1" strike="noStrike">
               <a:solidFill>
-                <a:srgbClr val="000000"/>
+                <a:srgbClr val="ffffff"/>
               </a:solidFill>
               <a:uFill>
                 <a:solidFill>
@@ -1914,8 +1914,8 @@
         </p:nvSpPr>
         <p:spPr>
           <a:xfrm>
-            <a:off x="504000" y="4059000"/>
-            <a:ext cx="4426560" cy="2090880"/>
+            <a:off x="503640" y="4059720"/>
+            <a:ext cx="4425120" cy="2091600"/>
           </a:xfrm>
           <a:prstGeom prst="rect">
             <a:avLst/>
@@ -1926,7 +1926,7 @@
           <a:p>
             <a:endParaRPr b="0" lang="en-US" sz="3200" spc="-1" strike="noStrike">
               <a:solidFill>
-                <a:srgbClr val="000000"/>
+                <a:srgbClr val="ffffff"/>
               </a:solidFill>
               <a:uFill>
                 <a:solidFill>
@@ -1972,8 +1972,8 @@
         </p:nvSpPr>
         <p:spPr>
           <a:xfrm>
-            <a:off x="504000" y="301320"/>
-            <a:ext cx="9071280" cy="1261800"/>
+            <a:off x="503640" y="301320"/>
+            <a:ext cx="9068400" cy="1262160"/>
           </a:xfrm>
           <a:prstGeom prst="rect">
             <a:avLst/>
@@ -1985,7 +1985,7 @@
             <a:pPr algn="ctr"/>
             <a:endParaRPr b="0" lang="en-US" sz="4400" spc="-1" strike="noStrike">
               <a:solidFill>
-                <a:srgbClr val="000000"/>
+                <a:srgbClr val="ffffff"/>
               </a:solidFill>
               <a:uFill>
                 <a:solidFill>
@@ -2009,8 +2009,8 @@
         </p:nvSpPr>
         <p:spPr>
           <a:xfrm>
-            <a:off x="504000" y="1769040"/>
-            <a:ext cx="9071280" cy="4384080"/>
+            <a:off x="503640" y="1769040"/>
+            <a:ext cx="9068400" cy="4385520"/>
           </a:xfrm>
           <a:prstGeom prst="rect">
             <a:avLst/>
@@ -2021,7 +2021,7 @@
           <a:p>
             <a:endParaRPr b="0" lang="en-US" sz="3200" spc="-1" strike="noStrike">
               <a:solidFill>
-                <a:srgbClr val="000000"/>
+                <a:srgbClr val="ffffff"/>
               </a:solidFill>
               <a:uFill>
                 <a:solidFill>
@@ -2045,8 +2045,8 @@
         </p:nvSpPr>
         <p:spPr>
           <a:xfrm>
-            <a:off x="504000" y="1769040"/>
-            <a:ext cx="9071280" cy="4384080"/>
+            <a:off x="503640" y="1769040"/>
+            <a:ext cx="9068400" cy="4385520"/>
           </a:xfrm>
           <a:prstGeom prst="rect">
             <a:avLst/>
@@ -2057,7 +2057,7 @@
           <a:p>
             <a:endParaRPr b="0" lang="en-US" sz="3200" spc="-1" strike="noStrike">
               <a:solidFill>
-                <a:srgbClr val="000000"/>
+                <a:srgbClr val="ffffff"/>
               </a:solidFill>
               <a:uFill>
                 <a:solidFill>
@@ -2081,8 +2081,8 @@
         </p:blipFill>
         <p:spPr>
           <a:xfrm>
-            <a:off x="2292120" y="1769040"/>
-            <a:ext cx="5494680" cy="4384080"/>
+            <a:off x="2289600" y="1769040"/>
+            <a:ext cx="5496480" cy="4385520"/>
           </a:xfrm>
           <a:prstGeom prst="rect">
             <a:avLst/>
@@ -2104,8 +2104,8 @@
         </p:blipFill>
         <p:spPr>
           <a:xfrm>
-            <a:off x="2292120" y="1769040"/>
-            <a:ext cx="5494680" cy="4384080"/>
+            <a:off x="2289600" y="1769040"/>
+            <a:ext cx="5496480" cy="4385520"/>
           </a:xfrm>
           <a:prstGeom prst="rect">
             <a:avLst/>
@@ -2149,8 +2149,8 @@
         </p:nvSpPr>
         <p:spPr>
           <a:xfrm>
-            <a:off x="504000" y="301320"/>
-            <a:ext cx="9071280" cy="1261800"/>
+            <a:off x="503640" y="301320"/>
+            <a:ext cx="9068400" cy="1262160"/>
           </a:xfrm>
           <a:prstGeom prst="rect">
             <a:avLst/>
@@ -2162,7 +2162,7 @@
             <a:pPr algn="ctr"/>
             <a:endParaRPr b="0" lang="en-US" sz="4400" spc="-1" strike="noStrike">
               <a:solidFill>
-                <a:srgbClr val="000000"/>
+                <a:srgbClr val="ffffff"/>
               </a:solidFill>
               <a:uFill>
                 <a:solidFill>
@@ -2186,8 +2186,8 @@
         </p:nvSpPr>
         <p:spPr>
           <a:xfrm>
-            <a:off x="504000" y="1769040"/>
-            <a:ext cx="9071280" cy="4384080"/>
+            <a:off x="503640" y="1769040"/>
+            <a:ext cx="9068400" cy="4385520"/>
           </a:xfrm>
           <a:prstGeom prst="rect">
             <a:avLst/>
@@ -2198,7 +2198,7 @@
           <a:p>
             <a:endParaRPr b="0" lang="en-US" sz="3200" spc="-1" strike="noStrike">
               <a:solidFill>
-                <a:srgbClr val="000000"/>
+                <a:srgbClr val="ffffff"/>
               </a:solidFill>
               <a:uFill>
                 <a:solidFill>
@@ -2244,8 +2244,8 @@
         </p:nvSpPr>
         <p:spPr>
           <a:xfrm>
-            <a:off x="504000" y="301320"/>
-            <a:ext cx="9071280" cy="1261800"/>
+            <a:off x="503640" y="301320"/>
+            <a:ext cx="9068400" cy="1262160"/>
           </a:xfrm>
           <a:prstGeom prst="rect">
             <a:avLst/>
@@ -2257,7 +2257,7 @@
             <a:pPr algn="ctr"/>
             <a:endParaRPr b="0" lang="en-US" sz="4400" spc="-1" strike="noStrike">
               <a:solidFill>
-                <a:srgbClr val="000000"/>
+                <a:srgbClr val="ffffff"/>
               </a:solidFill>
               <a:uFill>
                 <a:solidFill>
@@ -2281,8 +2281,8 @@
         </p:nvSpPr>
         <p:spPr>
           <a:xfrm>
-            <a:off x="504000" y="1769040"/>
-            <a:ext cx="4426560" cy="4384080"/>
+            <a:off x="503640" y="1769040"/>
+            <a:ext cx="4425120" cy="4385520"/>
           </a:xfrm>
           <a:prstGeom prst="rect">
             <a:avLst/>
@@ -2293,7 +2293,7 @@
           <a:p>
             <a:endParaRPr b="0" lang="en-US" sz="3200" spc="-1" strike="noStrike">
               <a:solidFill>
-                <a:srgbClr val="000000"/>
+                <a:srgbClr val="ffffff"/>
               </a:solidFill>
               <a:uFill>
                 <a:solidFill>
@@ -2317,8 +2317,8 @@
         </p:nvSpPr>
         <p:spPr>
           <a:xfrm>
-            <a:off x="5152320" y="1769040"/>
-            <a:ext cx="4426560" cy="4384080"/>
+            <a:off x="5150520" y="1769040"/>
+            <a:ext cx="4425120" cy="4385520"/>
           </a:xfrm>
           <a:prstGeom prst="rect">
             <a:avLst/>
@@ -2329,7 +2329,7 @@
           <a:p>
             <a:endParaRPr b="0" lang="en-US" sz="3200" spc="-1" strike="noStrike">
               <a:solidFill>
-                <a:srgbClr val="000000"/>
+                <a:srgbClr val="ffffff"/>
               </a:solidFill>
               <a:uFill>
                 <a:solidFill>
@@ -2375,8 +2375,8 @@
         </p:nvSpPr>
         <p:spPr>
           <a:xfrm>
-            <a:off x="504000" y="301320"/>
-            <a:ext cx="9071280" cy="1261800"/>
+            <a:off x="503640" y="301320"/>
+            <a:ext cx="9068400" cy="1262160"/>
           </a:xfrm>
           <a:prstGeom prst="rect">
             <a:avLst/>
@@ -2388,7 +2388,7 @@
             <a:pPr algn="ctr"/>
             <a:endParaRPr b="0" lang="en-US" sz="4400" spc="-1" strike="noStrike">
               <a:solidFill>
-                <a:srgbClr val="000000"/>
+                <a:srgbClr val="ffffff"/>
               </a:solidFill>
               <a:uFill>
                 <a:solidFill>
@@ -2434,8 +2434,8 @@
         </p:nvSpPr>
         <p:spPr>
           <a:xfrm>
-            <a:off x="504000" y="301320"/>
-            <a:ext cx="9071280" cy="5850360"/>
+            <a:off x="503640" y="301320"/>
+            <a:ext cx="9068400" cy="5851800"/>
           </a:xfrm>
           <a:prstGeom prst="rect">
             <a:avLst/>
@@ -2447,7 +2447,7 @@
             <a:pPr algn="ctr"/>
             <a:endParaRPr b="0" lang="en-US" sz="3200" spc="-1" strike="noStrike">
               <a:solidFill>
-                <a:srgbClr val="000000"/>
+                <a:srgbClr val="ffffff"/>
               </a:solidFill>
               <a:uFill>
                 <a:solidFill>
@@ -2493,8 +2493,8 @@
         </p:nvSpPr>
         <p:spPr>
           <a:xfrm>
-            <a:off x="504000" y="301320"/>
-            <a:ext cx="9071280" cy="1261800"/>
+            <a:off x="503640" y="301320"/>
+            <a:ext cx="9068400" cy="1262160"/>
           </a:xfrm>
           <a:prstGeom prst="rect">
             <a:avLst/>
@@ -2506,7 +2506,7 @@
             <a:pPr algn="ctr"/>
             <a:endParaRPr b="0" lang="en-US" sz="4400" spc="-1" strike="noStrike">
               <a:solidFill>
-                <a:srgbClr val="000000"/>
+                <a:srgbClr val="ffffff"/>
               </a:solidFill>
               <a:uFill>
                 <a:solidFill>
@@ -2530,8 +2530,8 @@
         </p:nvSpPr>
         <p:spPr>
           <a:xfrm>
-            <a:off x="504000" y="1769040"/>
-            <a:ext cx="4426560" cy="2090880"/>
+            <a:off x="503640" y="1769040"/>
+            <a:ext cx="4425120" cy="2091600"/>
           </a:xfrm>
           <a:prstGeom prst="rect">
             <a:avLst/>
@@ -2542,7 +2542,7 @@
           <a:p>
             <a:endParaRPr b="0" lang="en-US" sz="3200" spc="-1" strike="noStrike">
               <a:solidFill>
-                <a:srgbClr val="000000"/>
+                <a:srgbClr val="ffffff"/>
               </a:solidFill>
               <a:uFill>
                 <a:solidFill>
@@ -2566,8 +2566,8 @@
         </p:nvSpPr>
         <p:spPr>
           <a:xfrm>
-            <a:off x="504000" y="4059000"/>
-            <a:ext cx="4426560" cy="2090880"/>
+            <a:off x="503640" y="4059720"/>
+            <a:ext cx="4425120" cy="2091600"/>
           </a:xfrm>
           <a:prstGeom prst="rect">
             <a:avLst/>
@@ -2578,7 +2578,7 @@
           <a:p>
             <a:endParaRPr b="0" lang="en-US" sz="3200" spc="-1" strike="noStrike">
               <a:solidFill>
-                <a:srgbClr val="000000"/>
+                <a:srgbClr val="ffffff"/>
               </a:solidFill>
               <a:uFill>
                 <a:solidFill>
@@ -2602,8 +2602,8 @@
         </p:nvSpPr>
         <p:spPr>
           <a:xfrm>
-            <a:off x="5152320" y="1769040"/>
-            <a:ext cx="4426560" cy="4384080"/>
+            <a:off x="5150520" y="1769040"/>
+            <a:ext cx="4425120" cy="4385520"/>
           </a:xfrm>
           <a:prstGeom prst="rect">
             <a:avLst/>
@@ -2614,7 +2614,7 @@
           <a:p>
             <a:endParaRPr b="0" lang="en-US" sz="3200" spc="-1" strike="noStrike">
               <a:solidFill>
-                <a:srgbClr val="000000"/>
+                <a:srgbClr val="ffffff"/>
               </a:solidFill>
               <a:uFill>
                 <a:solidFill>
@@ -2660,8 +2660,8 @@
         </p:nvSpPr>
         <p:spPr>
           <a:xfrm>
-            <a:off x="504000" y="301320"/>
-            <a:ext cx="9071280" cy="1261800"/>
+            <a:off x="503640" y="301320"/>
+            <a:ext cx="9068400" cy="1262160"/>
           </a:xfrm>
           <a:prstGeom prst="rect">
             <a:avLst/>
@@ -2673,7 +2673,7 @@
             <a:pPr algn="ctr"/>
             <a:endParaRPr b="0" lang="en-US" sz="4400" spc="-1" strike="noStrike">
               <a:solidFill>
-                <a:srgbClr val="000000"/>
+                <a:srgbClr val="ffffff"/>
               </a:solidFill>
               <a:uFill>
                 <a:solidFill>
@@ -2697,8 +2697,8 @@
         </p:nvSpPr>
         <p:spPr>
           <a:xfrm>
-            <a:off x="504000" y="1769040"/>
-            <a:ext cx="4426560" cy="4384080"/>
+            <a:off x="503640" y="1769040"/>
+            <a:ext cx="4425120" cy="4385520"/>
           </a:xfrm>
           <a:prstGeom prst="rect">
             <a:avLst/>
@@ -2709,7 +2709,7 @@
           <a:p>
             <a:endParaRPr b="0" lang="en-US" sz="3200" spc="-1" strike="noStrike">
               <a:solidFill>
-                <a:srgbClr val="000000"/>
+                <a:srgbClr val="ffffff"/>
               </a:solidFill>
               <a:uFill>
                 <a:solidFill>
@@ -2733,8 +2733,8 @@
         </p:nvSpPr>
         <p:spPr>
           <a:xfrm>
-            <a:off x="5152320" y="1769040"/>
-            <a:ext cx="4426560" cy="2090880"/>
+            <a:off x="5150520" y="1769040"/>
+            <a:ext cx="4425120" cy="2091600"/>
           </a:xfrm>
           <a:prstGeom prst="rect">
             <a:avLst/>
@@ -2745,7 +2745,7 @@
           <a:p>
             <a:endParaRPr b="0" lang="en-US" sz="3200" spc="-1" strike="noStrike">
               <a:solidFill>
-                <a:srgbClr val="000000"/>
+                <a:srgbClr val="ffffff"/>
               </a:solidFill>
               <a:uFill>
                 <a:solidFill>
@@ -2769,8 +2769,8 @@
         </p:nvSpPr>
         <p:spPr>
           <a:xfrm>
-            <a:off x="5152320" y="4059000"/>
-            <a:ext cx="4426560" cy="2090880"/>
+            <a:off x="5150520" y="4059720"/>
+            <a:ext cx="4425120" cy="2091600"/>
           </a:xfrm>
           <a:prstGeom prst="rect">
             <a:avLst/>
@@ -2781,7 +2781,7 @@
           <a:p>
             <a:endParaRPr b="0" lang="en-US" sz="3200" spc="-1" strike="noStrike">
               <a:solidFill>
-                <a:srgbClr val="000000"/>
+                <a:srgbClr val="ffffff"/>
               </a:solidFill>
               <a:uFill>
                 <a:solidFill>
@@ -2827,8 +2827,8 @@
         </p:nvSpPr>
         <p:spPr>
           <a:xfrm>
-            <a:off x="504000" y="301320"/>
-            <a:ext cx="9071280" cy="1261800"/>
+            <a:off x="503640" y="301320"/>
+            <a:ext cx="9068400" cy="1262160"/>
           </a:xfrm>
           <a:prstGeom prst="rect">
             <a:avLst/>
@@ -2840,7 +2840,7 @@
             <a:pPr algn="ctr"/>
             <a:endParaRPr b="0" lang="en-US" sz="4400" spc="-1" strike="noStrike">
               <a:solidFill>
-                <a:srgbClr val="000000"/>
+                <a:srgbClr val="ffffff"/>
               </a:solidFill>
               <a:uFill>
                 <a:solidFill>
@@ -2864,8 +2864,8 @@
         </p:nvSpPr>
         <p:spPr>
           <a:xfrm>
-            <a:off x="504000" y="1769040"/>
-            <a:ext cx="4426560" cy="2090880"/>
+            <a:off x="503640" y="1769040"/>
+            <a:ext cx="4425120" cy="2091600"/>
           </a:xfrm>
           <a:prstGeom prst="rect">
             <a:avLst/>
@@ -2876,7 +2876,7 @@
           <a:p>
             <a:endParaRPr b="0" lang="en-US" sz="3200" spc="-1" strike="noStrike">
               <a:solidFill>
-                <a:srgbClr val="000000"/>
+                <a:srgbClr val="ffffff"/>
               </a:solidFill>
               <a:uFill>
                 <a:solidFill>
@@ -2900,8 +2900,8 @@
         </p:nvSpPr>
         <p:spPr>
           <a:xfrm>
-            <a:off x="5152320" y="1769040"/>
-            <a:ext cx="4426560" cy="2090880"/>
+            <a:off x="5150520" y="1769040"/>
+            <a:ext cx="4425120" cy="2091600"/>
           </a:xfrm>
           <a:prstGeom prst="rect">
             <a:avLst/>
@@ -2912,7 +2912,7 @@
           <a:p>
             <a:endParaRPr b="0" lang="en-US" sz="3200" spc="-1" strike="noStrike">
               <a:solidFill>
-                <a:srgbClr val="000000"/>
+                <a:srgbClr val="ffffff"/>
               </a:solidFill>
               <a:uFill>
                 <a:solidFill>
@@ -2936,8 +2936,8 @@
         </p:nvSpPr>
         <p:spPr>
           <a:xfrm>
-            <a:off x="504000" y="4059000"/>
-            <a:ext cx="9071280" cy="2090880"/>
+            <a:off x="503640" y="4059720"/>
+            <a:ext cx="9068400" cy="2091600"/>
           </a:xfrm>
           <a:prstGeom prst="rect">
             <a:avLst/>
@@ -2948,7 +2948,7 @@
           <a:p>
             <a:endParaRPr b="0" lang="en-US" sz="3200" spc="-1" strike="noStrike">
               <a:solidFill>
-                <a:srgbClr val="000000"/>
+                <a:srgbClr val="ffffff"/>
               </a:solidFill>
               <a:uFill>
                 <a:solidFill>
@@ -2968,6 +2968,13 @@
 <file path=ppt/slideMasters/slideMaster1.xml><?xml version="1.0" encoding="utf-8"?>
 <p:sldMaster xmlns:a="http://schemas.openxmlformats.org/drawingml/2006/main" xmlns:p="http://schemas.openxmlformats.org/presentationml/2006/main" xmlns:r="http://schemas.openxmlformats.org/officeDocument/2006/relationships" xmlns:p14="http://schemas.microsoft.com/office/powerpoint/2010/main" xmlns:p15="http://schemas.microsoft.com/office/powerpoint/2012/main" xmlns:mc="http://schemas.openxmlformats.org/markup-compatibility/2006">
   <p:cSld>
+    <p:bg>
+      <p:bgPr>
+        <a:solidFill>
+          <a:srgbClr val="333333"/>
+        </a:solidFill>
+      </p:bgPr>
+    </p:bg>
     <p:spTree>
       <p:nvGrpSpPr>
         <p:cNvPr id="1" name=""/>
@@ -2994,8 +3001,8 @@
         </p:nvSpPr>
         <p:spPr>
           <a:xfrm>
-            <a:off x="504000" y="301320"/>
-            <a:ext cx="9071280" cy="1261800"/>
+            <a:off x="503640" y="301320"/>
+            <a:ext cx="9067320" cy="1261800"/>
           </a:xfrm>
           <a:prstGeom prst="rect">
             <a:avLst/>
@@ -3007,7 +3014,7 @@
             <a:pPr algn="ctr"/>
             <a:endParaRPr b="0" lang="en-US" sz="4400" spc="-1" strike="noStrike">
               <a:solidFill>
-                <a:srgbClr val="000000"/>
+                <a:srgbClr val="ffffff"/>
               </a:solidFill>
               <a:uFill>
                 <a:solidFill>
@@ -3031,8 +3038,8 @@
         </p:nvSpPr>
         <p:spPr>
           <a:xfrm>
-            <a:off x="504000" y="1768680"/>
-            <a:ext cx="9072000" cy="4384080"/>
+            <a:off x="503640" y="1769400"/>
+            <a:ext cx="9067320" cy="4385160"/>
           </a:xfrm>
           <a:prstGeom prst="rect">
             <a:avLst/>
@@ -3043,16 +3050,16 @@
           <a:p>
             <a:pPr marL="432000" indent="-324000">
               <a:buClr>
-                <a:srgbClr val="000000"/>
+                <a:srgbClr val="ffffff"/>
               </a:buClr>
               <a:buSzPct val="45000"/>
               <a:buFont typeface="Wingdings" charset="2"/>
               <a:buChar char=""/>
             </a:pPr>
             <a:r>
-              <a:rPr b="0" lang="en-US" sz="3200" spc="-1" strike="noStrike">
-                <a:solidFill>
-                  <a:srgbClr val="000000"/>
+              <a:rPr b="0" lang="en-US" sz="1800" spc="-1" strike="noStrike">
+                <a:solidFill>
+                  <a:srgbClr val="ffffff"/>
                 </a:solidFill>
                 <a:uFill>
                   <a:solidFill>
@@ -3063,9 +3070,9 @@
               </a:rPr>
               <a:t>Click to edit the outline text format</a:t>
             </a:r>
-            <a:endParaRPr b="0" lang="en-US" sz="3200" spc="-1" strike="noStrike">
-              <a:solidFill>
-                <a:srgbClr val="000000"/>
+            <a:endParaRPr b="0" lang="en-US" sz="1800" spc="-1" strike="noStrike">
+              <a:solidFill>
+                <a:srgbClr val="ffffff"/>
               </a:solidFill>
               <a:uFill>
                 <a:solidFill>
@@ -3078,16 +3085,16 @@
           <a:p>
             <a:pPr lvl="1" marL="864000" indent="-324000">
               <a:buClr>
-                <a:srgbClr val="000000"/>
+                <a:srgbClr val="ffffff"/>
               </a:buClr>
               <a:buSzPct val="75000"/>
               <a:buFont typeface="Symbol" charset="2"/>
               <a:buChar char=""/>
             </a:pPr>
             <a:r>
-              <a:rPr b="0" lang="en-US" sz="2800" spc="-1" strike="noStrike">
-                <a:solidFill>
-                  <a:srgbClr val="000000"/>
+              <a:rPr b="0" lang="en-US" sz="1800" spc="-1" strike="noStrike">
+                <a:solidFill>
+                  <a:srgbClr val="ffffff"/>
                 </a:solidFill>
                 <a:uFill>
                   <a:solidFill>
@@ -3098,9 +3105,9 @@
               </a:rPr>
               <a:t>Second Outline Level</a:t>
             </a:r>
-            <a:endParaRPr b="0" lang="en-US" sz="2800" spc="-1" strike="noStrike">
-              <a:solidFill>
-                <a:srgbClr val="000000"/>
+            <a:endParaRPr b="0" lang="en-US" sz="1800" spc="-1" strike="noStrike">
+              <a:solidFill>
+                <a:srgbClr val="ffffff"/>
               </a:solidFill>
               <a:uFill>
                 <a:solidFill>
@@ -3113,16 +3120,16 @@
           <a:p>
             <a:pPr lvl="2" marL="1296000" indent="-288000">
               <a:buClr>
-                <a:srgbClr val="000000"/>
+                <a:srgbClr val="ffffff"/>
               </a:buClr>
               <a:buSzPct val="45000"/>
               <a:buFont typeface="Wingdings" charset="2"/>
               <a:buChar char=""/>
             </a:pPr>
             <a:r>
-              <a:rPr b="0" lang="en-US" sz="2400" spc="-1" strike="noStrike">
-                <a:solidFill>
-                  <a:srgbClr val="000000"/>
+              <a:rPr b="0" lang="en-US" sz="1800" spc="-1" strike="noStrike">
+                <a:solidFill>
+                  <a:srgbClr val="ffffff"/>
                 </a:solidFill>
                 <a:uFill>
                   <a:solidFill>
@@ -3133,9 +3140,9 @@
               </a:rPr>
               <a:t>Third Outline Level</a:t>
             </a:r>
-            <a:endParaRPr b="0" lang="en-US" sz="2400" spc="-1" strike="noStrike">
-              <a:solidFill>
-                <a:srgbClr val="000000"/>
+            <a:endParaRPr b="0" lang="en-US" sz="1800" spc="-1" strike="noStrike">
+              <a:solidFill>
+                <a:srgbClr val="ffffff"/>
               </a:solidFill>
               <a:uFill>
                 <a:solidFill>
@@ -3148,16 +3155,16 @@
           <a:p>
             <a:pPr lvl="3" marL="1728000" indent="-216000">
               <a:buClr>
-                <a:srgbClr val="000000"/>
+                <a:srgbClr val="ffffff"/>
               </a:buClr>
               <a:buSzPct val="75000"/>
               <a:buFont typeface="Symbol" charset="2"/>
               <a:buChar char=""/>
             </a:pPr>
             <a:r>
-              <a:rPr b="0" lang="en-US" sz="2000" spc="-1" strike="noStrike">
-                <a:solidFill>
-                  <a:srgbClr val="000000"/>
+              <a:rPr b="0" lang="en-US" sz="1800" spc="-1" strike="noStrike">
+                <a:solidFill>
+                  <a:srgbClr val="ffffff"/>
                 </a:solidFill>
                 <a:uFill>
                   <a:solidFill>
@@ -3168,9 +3175,9 @@
               </a:rPr>
               <a:t>Fourth Outline Level</a:t>
             </a:r>
-            <a:endParaRPr b="0" lang="en-US" sz="2000" spc="-1" strike="noStrike">
-              <a:solidFill>
-                <a:srgbClr val="000000"/>
+            <a:endParaRPr b="0" lang="en-US" sz="1800" spc="-1" strike="noStrike">
+              <a:solidFill>
+                <a:srgbClr val="ffffff"/>
               </a:solidFill>
               <a:uFill>
                 <a:solidFill>
@@ -3183,16 +3190,16 @@
           <a:p>
             <a:pPr lvl="4" marL="2160000" indent="-216000">
               <a:buClr>
-                <a:srgbClr val="000000"/>
+                <a:srgbClr val="ffffff"/>
               </a:buClr>
               <a:buSzPct val="45000"/>
               <a:buFont typeface="Wingdings" charset="2"/>
               <a:buChar char=""/>
             </a:pPr>
             <a:r>
-              <a:rPr b="0" lang="en-US" sz="2000" spc="-1" strike="noStrike">
-                <a:solidFill>
-                  <a:srgbClr val="000000"/>
+              <a:rPr b="0" lang="en-US" sz="1800" spc="-1" strike="noStrike">
+                <a:solidFill>
+                  <a:srgbClr val="ffffff"/>
                 </a:solidFill>
                 <a:uFill>
                   <a:solidFill>
@@ -3203,9 +3210,9 @@
               </a:rPr>
               <a:t>Fifth Outline Level</a:t>
             </a:r>
-            <a:endParaRPr b="0" lang="en-US" sz="2000" spc="-1" strike="noStrike">
-              <a:solidFill>
-                <a:srgbClr val="000000"/>
+            <a:endParaRPr b="0" lang="en-US" sz="1800" spc="-1" strike="noStrike">
+              <a:solidFill>
+                <a:srgbClr val="ffffff"/>
               </a:solidFill>
               <a:uFill>
                 <a:solidFill>
@@ -3218,16 +3225,16 @@
           <a:p>
             <a:pPr lvl="5" marL="2592000" indent="-216000">
               <a:buClr>
-                <a:srgbClr val="000000"/>
+                <a:srgbClr val="ffffff"/>
               </a:buClr>
               <a:buSzPct val="45000"/>
               <a:buFont typeface="Wingdings" charset="2"/>
               <a:buChar char=""/>
             </a:pPr>
             <a:r>
-              <a:rPr b="0" lang="en-US" sz="2000" spc="-1" strike="noStrike">
-                <a:solidFill>
-                  <a:srgbClr val="000000"/>
+              <a:rPr b="0" lang="en-US" sz="1800" spc="-1" strike="noStrike">
+                <a:solidFill>
+                  <a:srgbClr val="ffffff"/>
                 </a:solidFill>
                 <a:uFill>
                   <a:solidFill>
@@ -3238,9 +3245,9 @@
               </a:rPr>
               <a:t>Sixth Outline Level</a:t>
             </a:r>
-            <a:endParaRPr b="0" lang="en-US" sz="2000" spc="-1" strike="noStrike">
-              <a:solidFill>
-                <a:srgbClr val="000000"/>
+            <a:endParaRPr b="0" lang="en-US" sz="1800" spc="-1" strike="noStrike">
+              <a:solidFill>
+                <a:srgbClr val="ffffff"/>
               </a:solidFill>
               <a:uFill>
                 <a:solidFill>
@@ -3253,16 +3260,16 @@
           <a:p>
             <a:pPr lvl="6" marL="3024000" indent="-216000">
               <a:buClr>
-                <a:srgbClr val="000000"/>
+                <a:srgbClr val="ffffff"/>
               </a:buClr>
               <a:buSzPct val="45000"/>
               <a:buFont typeface="Wingdings" charset="2"/>
               <a:buChar char=""/>
             </a:pPr>
             <a:r>
-              <a:rPr b="0" lang="en-US" sz="2000" spc="-1" strike="noStrike">
-                <a:solidFill>
-                  <a:srgbClr val="000000"/>
+              <a:rPr b="0" lang="en-US" sz="1800" spc="-1" strike="noStrike">
+                <a:solidFill>
+                  <a:srgbClr val="ffffff"/>
                 </a:solidFill>
                 <a:uFill>
                   <a:solidFill>
@@ -3273,9 +3280,9 @@
               </a:rPr>
               <a:t>Seventh Outline Level</a:t>
             </a:r>
-            <a:endParaRPr b="0" lang="en-US" sz="2000" spc="-1" strike="noStrike">
-              <a:solidFill>
-                <a:srgbClr val="000000"/>
+            <a:endParaRPr b="0" lang="en-US" sz="1800" spc="-1" strike="noStrike">
+              <a:solidFill>
+                <a:srgbClr val="ffffff"/>
               </a:solidFill>
               <a:uFill>
                 <a:solidFill>
@@ -3310,6 +3317,13 @@
 <file path=ppt/slideMasters/slideMaster2.xml><?xml version="1.0" encoding="utf-8"?>
 <p:sldMaster xmlns:a="http://schemas.openxmlformats.org/drawingml/2006/main" xmlns:p="http://schemas.openxmlformats.org/presentationml/2006/main" xmlns:r="http://schemas.openxmlformats.org/officeDocument/2006/relationships" xmlns:p14="http://schemas.microsoft.com/office/powerpoint/2010/main" xmlns:p15="http://schemas.microsoft.com/office/powerpoint/2012/main" xmlns:mc="http://schemas.openxmlformats.org/markup-compatibility/2006">
   <p:cSld>
+    <p:bg>
+      <p:bgPr>
+        <a:solidFill>
+          <a:srgbClr val="333333"/>
+        </a:solidFill>
+      </p:bgPr>
+    </p:bg>
     <p:spTree>
       <p:nvGrpSpPr>
         <p:cNvPr id="1" name=""/>
@@ -3336,8 +3350,8 @@
         </p:nvSpPr>
         <p:spPr>
           <a:xfrm>
-            <a:off x="504000" y="301320"/>
-            <a:ext cx="9071280" cy="1261800"/>
+            <a:off x="503640" y="301320"/>
+            <a:ext cx="9068400" cy="1262160"/>
           </a:xfrm>
           <a:prstGeom prst="rect">
             <a:avLst/>
@@ -3347,9 +3361,23 @@
           <a:bodyPr lIns="0" rIns="0" tIns="0" bIns="0" anchor="ctr"/>
           <a:p>
             <a:pPr algn="ctr"/>
+            <a:r>
+              <a:rPr b="0" lang="en-US" sz="4400" spc="-1" strike="noStrike">
+                <a:solidFill>
+                  <a:srgbClr val="ffffff"/>
+                </a:solidFill>
+                <a:uFill>
+                  <a:solidFill>
+                    <a:srgbClr val="ffffff"/>
+                  </a:solidFill>
+                </a:uFill>
+                <a:latin typeface="Arial"/>
+              </a:rPr>
+              <a:t>Click to edit the title text format</a:t>
+            </a:r>
             <a:endParaRPr b="0" lang="en-US" sz="4400" spc="-1" strike="noStrike">
               <a:solidFill>
-                <a:srgbClr val="000000"/>
+                <a:srgbClr val="ffffff"/>
               </a:solidFill>
               <a:uFill>
                 <a:solidFill>
@@ -3373,8 +3401,8 @@
         </p:nvSpPr>
         <p:spPr>
           <a:xfrm>
-            <a:off x="504000" y="1769040"/>
-            <a:ext cx="9071280" cy="4384080"/>
+            <a:off x="503640" y="1769040"/>
+            <a:ext cx="9068400" cy="4385520"/>
           </a:xfrm>
           <a:prstGeom prst="rect">
             <a:avLst/>
@@ -3385,16 +3413,16 @@
           <a:p>
             <a:pPr marL="432000" indent="-324000">
               <a:buClr>
-                <a:srgbClr val="000000"/>
+                <a:srgbClr val="ffffff"/>
               </a:buClr>
               <a:buSzPct val="45000"/>
               <a:buFont typeface="Wingdings" charset="2"/>
               <a:buChar char=""/>
             </a:pPr>
             <a:r>
-              <a:rPr b="0" lang="en-US" sz="1800" spc="-1" strike="noStrike">
-                <a:solidFill>
-                  <a:srgbClr val="000000"/>
+              <a:rPr b="0" lang="en-US" sz="3200" spc="-1" strike="noStrike">
+                <a:solidFill>
+                  <a:srgbClr val="ffffff"/>
                 </a:solidFill>
                 <a:uFill>
                   <a:solidFill>
@@ -3405,9 +3433,9 @@
               </a:rPr>
               <a:t>Click to edit the outline text format</a:t>
             </a:r>
-            <a:endParaRPr b="0" lang="en-US" sz="1800" spc="-1" strike="noStrike">
-              <a:solidFill>
-                <a:srgbClr val="000000"/>
+            <a:endParaRPr b="0" lang="en-US" sz="3200" spc="-1" strike="noStrike">
+              <a:solidFill>
+                <a:srgbClr val="ffffff"/>
               </a:solidFill>
               <a:uFill>
                 <a:solidFill>
@@ -3420,16 +3448,16 @@
           <a:p>
             <a:pPr lvl="1" marL="864000" indent="-324000">
               <a:buClr>
-                <a:srgbClr val="000000"/>
+                <a:srgbClr val="ffffff"/>
               </a:buClr>
               <a:buSzPct val="75000"/>
               <a:buFont typeface="Symbol" charset="2"/>
               <a:buChar char=""/>
             </a:pPr>
             <a:r>
-              <a:rPr b="0" lang="en-US" sz="1800" spc="-1" strike="noStrike">
-                <a:solidFill>
-                  <a:srgbClr val="000000"/>
+              <a:rPr b="0" lang="en-US" sz="2800" spc="-1" strike="noStrike">
+                <a:solidFill>
+                  <a:srgbClr val="ffffff"/>
                 </a:solidFill>
                 <a:uFill>
                   <a:solidFill>
@@ -3440,9 +3468,9 @@
               </a:rPr>
               <a:t>Second Outline Level</a:t>
             </a:r>
-            <a:endParaRPr b="0" lang="en-US" sz="1800" spc="-1" strike="noStrike">
-              <a:solidFill>
-                <a:srgbClr val="000000"/>
+            <a:endParaRPr b="0" lang="en-US" sz="2800" spc="-1" strike="noStrike">
+              <a:solidFill>
+                <a:srgbClr val="ffffff"/>
               </a:solidFill>
               <a:uFill>
                 <a:solidFill>
@@ -3455,16 +3483,16 @@
           <a:p>
             <a:pPr lvl="2" marL="1296000" indent="-288000">
               <a:buClr>
-                <a:srgbClr val="000000"/>
+                <a:srgbClr val="ffffff"/>
               </a:buClr>
               <a:buSzPct val="45000"/>
               <a:buFont typeface="Wingdings" charset="2"/>
               <a:buChar char=""/>
             </a:pPr>
             <a:r>
-              <a:rPr b="0" lang="en-US" sz="1800" spc="-1" strike="noStrike">
-                <a:solidFill>
-                  <a:srgbClr val="000000"/>
+              <a:rPr b="0" lang="en-US" sz="2400" spc="-1" strike="noStrike">
+                <a:solidFill>
+                  <a:srgbClr val="ffffff"/>
                 </a:solidFill>
                 <a:uFill>
                   <a:solidFill>
@@ -3475,9 +3503,9 @@
               </a:rPr>
               <a:t>Third Outline Level</a:t>
             </a:r>
-            <a:endParaRPr b="0" lang="en-US" sz="1800" spc="-1" strike="noStrike">
-              <a:solidFill>
-                <a:srgbClr val="000000"/>
+            <a:endParaRPr b="0" lang="en-US" sz="2400" spc="-1" strike="noStrike">
+              <a:solidFill>
+                <a:srgbClr val="ffffff"/>
               </a:solidFill>
               <a:uFill>
                 <a:solidFill>
@@ -3490,16 +3518,16 @@
           <a:p>
             <a:pPr lvl="3" marL="1728000" indent="-216000">
               <a:buClr>
-                <a:srgbClr val="000000"/>
+                <a:srgbClr val="ffffff"/>
               </a:buClr>
               <a:buSzPct val="75000"/>
               <a:buFont typeface="Symbol" charset="2"/>
               <a:buChar char=""/>
             </a:pPr>
             <a:r>
-              <a:rPr b="0" lang="en-US" sz="1800" spc="-1" strike="noStrike">
-                <a:solidFill>
-                  <a:srgbClr val="000000"/>
+              <a:rPr b="0" lang="en-US" sz="2000" spc="-1" strike="noStrike">
+                <a:solidFill>
+                  <a:srgbClr val="ffffff"/>
                 </a:solidFill>
                 <a:uFill>
                   <a:solidFill>
@@ -3510,9 +3538,9 @@
               </a:rPr>
               <a:t>Fourth Outline Level</a:t>
             </a:r>
-            <a:endParaRPr b="0" lang="en-US" sz="1800" spc="-1" strike="noStrike">
-              <a:solidFill>
-                <a:srgbClr val="000000"/>
+            <a:endParaRPr b="0" lang="en-US" sz="2000" spc="-1" strike="noStrike">
+              <a:solidFill>
+                <a:srgbClr val="ffffff"/>
               </a:solidFill>
               <a:uFill>
                 <a:solidFill>
@@ -3525,16 +3553,16 @@
           <a:p>
             <a:pPr lvl="4" marL="2160000" indent="-216000">
               <a:buClr>
-                <a:srgbClr val="000000"/>
+                <a:srgbClr val="ffffff"/>
               </a:buClr>
               <a:buSzPct val="45000"/>
               <a:buFont typeface="Wingdings" charset="2"/>
               <a:buChar char=""/>
             </a:pPr>
             <a:r>
-              <a:rPr b="0" lang="en-US" sz="1800" spc="-1" strike="noStrike">
-                <a:solidFill>
-                  <a:srgbClr val="000000"/>
+              <a:rPr b="0" lang="en-US" sz="2000" spc="-1" strike="noStrike">
+                <a:solidFill>
+                  <a:srgbClr val="ffffff"/>
                 </a:solidFill>
                 <a:uFill>
                   <a:solidFill>
@@ -3545,9 +3573,9 @@
               </a:rPr>
               <a:t>Fifth Outline Level</a:t>
             </a:r>
-            <a:endParaRPr b="0" lang="en-US" sz="1800" spc="-1" strike="noStrike">
-              <a:solidFill>
-                <a:srgbClr val="000000"/>
+            <a:endParaRPr b="0" lang="en-US" sz="2000" spc="-1" strike="noStrike">
+              <a:solidFill>
+                <a:srgbClr val="ffffff"/>
               </a:solidFill>
               <a:uFill>
                 <a:solidFill>
@@ -3560,16 +3588,16 @@
           <a:p>
             <a:pPr lvl="5" marL="2592000" indent="-216000">
               <a:buClr>
-                <a:srgbClr val="000000"/>
+                <a:srgbClr val="ffffff"/>
               </a:buClr>
               <a:buSzPct val="45000"/>
               <a:buFont typeface="Wingdings" charset="2"/>
               <a:buChar char=""/>
             </a:pPr>
             <a:r>
-              <a:rPr b="0" lang="en-US" sz="1800" spc="-1" strike="noStrike">
-                <a:solidFill>
-                  <a:srgbClr val="000000"/>
+              <a:rPr b="0" lang="en-US" sz="2000" spc="-1" strike="noStrike">
+                <a:solidFill>
+                  <a:srgbClr val="ffffff"/>
                 </a:solidFill>
                 <a:uFill>
                   <a:solidFill>
@@ -3580,9 +3608,9 @@
               </a:rPr>
               <a:t>Sixth Outline Level</a:t>
             </a:r>
-            <a:endParaRPr b="0" lang="en-US" sz="1800" spc="-1" strike="noStrike">
-              <a:solidFill>
-                <a:srgbClr val="000000"/>
+            <a:endParaRPr b="0" lang="en-US" sz="2000" spc="-1" strike="noStrike">
+              <a:solidFill>
+                <a:srgbClr val="ffffff"/>
               </a:solidFill>
               <a:uFill>
                 <a:solidFill>
@@ -3595,16 +3623,16 @@
           <a:p>
             <a:pPr lvl="6" marL="3024000" indent="-216000">
               <a:buClr>
-                <a:srgbClr val="000000"/>
+                <a:srgbClr val="ffffff"/>
               </a:buClr>
               <a:buSzPct val="45000"/>
               <a:buFont typeface="Wingdings" charset="2"/>
               <a:buChar char=""/>
             </a:pPr>
             <a:r>
-              <a:rPr b="0" lang="en-US" sz="1800" spc="-1" strike="noStrike">
-                <a:solidFill>
-                  <a:srgbClr val="000000"/>
+              <a:rPr b="0" lang="en-US" sz="2000" spc="-1" strike="noStrike">
+                <a:solidFill>
+                  <a:srgbClr val="ffffff"/>
                 </a:solidFill>
                 <a:uFill>
                   <a:solidFill>
@@ -3615,9 +3643,9 @@
               </a:rPr>
               <a:t>Seventh Outline Level</a:t>
             </a:r>
-            <a:endParaRPr b="0" lang="en-US" sz="1800" spc="-1" strike="noStrike">
-              <a:solidFill>
-                <a:srgbClr val="000000"/>
+            <a:endParaRPr b="0" lang="en-US" sz="2000" spc="-1" strike="noStrike">
+              <a:solidFill>
+                <a:srgbClr val="ffffff"/>
               </a:solidFill>
               <a:uFill>
                 <a:solidFill>
@@ -3674,8 +3702,8 @@
         </p:nvSpPr>
         <p:spPr>
           <a:xfrm>
-            <a:off x="504000" y="1769040"/>
-            <a:ext cx="9071280" cy="4384080"/>
+            <a:off x="503640" y="1769400"/>
+            <a:ext cx="9067320" cy="4385160"/>
           </a:xfrm>
           <a:prstGeom prst="rect">
             <a:avLst/>
@@ -3716,7 +3744,7 @@
             </a:r>
             <a:endParaRPr b="0" lang="en-US" sz="1800" spc="-1" strike="noStrike">
               <a:solidFill>
-                <a:srgbClr val="000000"/>
+                <a:srgbClr val="ffffff"/>
               </a:solidFill>
               <a:uFill>
                 <a:solidFill>
@@ -3785,8 +3813,8 @@
         </p:nvSpPr>
         <p:spPr>
           <a:xfrm>
-            <a:off x="504000" y="1769040"/>
-            <a:ext cx="9071280" cy="4384080"/>
+            <a:off x="503640" y="1769400"/>
+            <a:ext cx="9067320" cy="4385160"/>
           </a:xfrm>
           <a:prstGeom prst="rect">
             <a:avLst/>
@@ -3805,7 +3833,7 @@
         <p:txBody>
           <a:bodyPr lIns="0" rIns="0" tIns="0" bIns="0"/>
           <a:p>
-            <a:pPr marL="432000" indent="-323640">
+            <a:pPr marL="432000" indent="-323280">
               <a:lnSpc>
                 <a:spcPct val="100000"/>
               </a:lnSpc>
@@ -3827,23 +3855,24 @@
                   </a:solidFill>
                 </a:uFill>
                 <a:latin typeface="Arial"/>
+                <a:ea typeface="DejaVu Sans"/>
               </a:rPr>
               <a:t>Drowning is the 3rd leading cause of unintentional injury death worldwide accouting to 372 000 annual drowning deaths worldwide.</a:t>
             </a:r>
             <a:endParaRPr b="0" lang="en-US" sz="1800" spc="-1" strike="noStrike">
               <a:solidFill>
-                <a:srgbClr val="000000"/>
-              </a:solidFill>
-              <a:uFill>
-                <a:solidFill>
-                  <a:srgbClr val="ffffff"/>
-                </a:solidFill>
-              </a:uFill>
-              <a:latin typeface="Arial"/>
-            </a:endParaRPr>
-          </a:p>
-          <a:p>
-            <a:pPr marL="432000" indent="-323640">
+                <a:srgbClr val="ffffff"/>
+              </a:solidFill>
+              <a:uFill>
+                <a:solidFill>
+                  <a:srgbClr val="ffffff"/>
+                </a:solidFill>
+              </a:uFill>
+              <a:latin typeface="Arial"/>
+            </a:endParaRPr>
+          </a:p>
+          <a:p>
+            <a:pPr marL="432000" indent="-323280">
               <a:lnSpc>
                 <a:spcPct val="100000"/>
               </a:lnSpc>
@@ -3865,23 +3894,24 @@
                   </a:solidFill>
                 </a:uFill>
                 <a:latin typeface="Arial"/>
+                <a:ea typeface="DejaVu Sans"/>
               </a:rPr>
               <a:t>Coastal drowning in the United States alone accounts for US$ 273 million each year in direct and indirect costs. In Australia and Canada, the total annual cost of drowning injury is US$ 85.5 million and US$ 173 million respectively.</a:t>
             </a:r>
             <a:endParaRPr b="0" lang="en-US" sz="1800" spc="-1" strike="noStrike">
               <a:solidFill>
-                <a:srgbClr val="000000"/>
-              </a:solidFill>
-              <a:uFill>
-                <a:solidFill>
-                  <a:srgbClr val="ffffff"/>
-                </a:solidFill>
-              </a:uFill>
-              <a:latin typeface="Arial"/>
-            </a:endParaRPr>
-          </a:p>
-          <a:p>
-            <a:pPr marL="432000" indent="-323640">
+                <a:srgbClr val="ffffff"/>
+              </a:solidFill>
+              <a:uFill>
+                <a:solidFill>
+                  <a:srgbClr val="ffffff"/>
+                </a:solidFill>
+              </a:uFill>
+              <a:latin typeface="Arial"/>
+            </a:endParaRPr>
+          </a:p>
+          <a:p>
+            <a:pPr marL="432000" indent="-323280">
               <a:lnSpc>
                 <a:spcPct val="100000"/>
               </a:lnSpc>
@@ -3903,12 +3933,13 @@
                   </a:solidFill>
                 </a:uFill>
                 <a:latin typeface="Arial"/>
+                <a:ea typeface="DejaVu Sans"/>
               </a:rPr>
               <a:t>Drowning is one of the top 5 causes of death for people aged 1-14 years </a:t>
             </a:r>
             <a:endParaRPr b="0" lang="en-US" sz="1800" spc="-1" strike="noStrike">
               <a:solidFill>
-                <a:srgbClr val="000000"/>
+                <a:srgbClr val="ffffff"/>
               </a:solidFill>
               <a:uFill>
                 <a:solidFill>
@@ -3977,8 +4008,8 @@
         </p:nvSpPr>
         <p:spPr>
           <a:xfrm>
-            <a:off x="504000" y="301320"/>
-            <a:ext cx="9071280" cy="1261800"/>
+            <a:off x="503640" y="301320"/>
+            <a:ext cx="9067320" cy="1261800"/>
           </a:xfrm>
           <a:prstGeom prst="rect">
             <a:avLst/>
@@ -3994,69 +4025,6 @@
           <a:effectRef idx="0"/>
           <a:fontRef idx="minor"/>
         </p:style>
-        <p:txBody>
-          <a:bodyPr lIns="0" rIns="0" tIns="0" bIns="0" anchor="ctr"/>
-          <a:p>
-            <a:pPr algn="ctr">
-              <a:lnSpc>
-                <a:spcPct val="100000"/>
-              </a:lnSpc>
-            </a:pPr>
-            <a:r>
-              <a:rPr b="0" lang="en-US" sz="4400" spc="-1" strike="noStrike">
-                <a:solidFill>
-                  <a:srgbClr val="800000"/>
-                </a:solidFill>
-                <a:uFill>
-                  <a:solidFill>
-                    <a:srgbClr val="ffffff"/>
-                  </a:solidFill>
-                </a:uFill>
-                <a:latin typeface="Arial"/>
-              </a:rPr>
-              <a:t>System</a:t>
-            </a:r>
-            <a:r>
-              <a:rPr b="0" lang="en-US" sz="4400" spc="-1" strike="noStrike">
-                <a:solidFill>
-                  <a:srgbClr val="000000"/>
-                </a:solidFill>
-                <a:uFill>
-                  <a:solidFill>
-                    <a:srgbClr val="ffffff"/>
-                  </a:solidFill>
-                </a:uFill>
-                <a:latin typeface="Arial"/>
-              </a:rPr>
-              <a:t> </a:t>
-            </a:r>
-            <a:r>
-              <a:rPr b="0" lang="en-US" sz="4400" spc="-1" strike="noStrike">
-                <a:solidFill>
-                  <a:srgbClr val="800000"/>
-                </a:solidFill>
-                <a:uFill>
-                  <a:solidFill>
-                    <a:srgbClr val="ffffff"/>
-                  </a:solidFill>
-                </a:uFill>
-                <a:latin typeface="Arial"/>
-              </a:rPr>
-              <a:t>Design</a:t>
-            </a:r>
-            <a:endParaRPr b="0" lang="en-US" sz="1800" spc="-1" strike="noStrike">
-              <a:solidFill>
-                <a:srgbClr val="000000"/>
-              </a:solidFill>
-              <a:uFill>
-                <a:solidFill>
-                  <a:srgbClr val="ffffff"/>
-                </a:solidFill>
-              </a:uFill>
-              <a:latin typeface="Arial"/>
-            </a:endParaRPr>
-          </a:p>
-        </p:txBody>
       </p:sp>
       <p:sp>
         <p:nvSpPr>
@@ -4066,8 +4034,8 @@
         </p:nvSpPr>
         <p:spPr>
           <a:xfrm>
-            <a:off x="6309360" y="1828800"/>
-            <a:ext cx="2904120" cy="4205880"/>
+            <a:off x="6306840" y="1829160"/>
+            <a:ext cx="2902680" cy="4206960"/>
           </a:xfrm>
           <a:prstGeom prst="rect">
             <a:avLst/>
@@ -4096,8 +4064,8 @@
         </p:nvSpPr>
         <p:spPr>
           <a:xfrm>
-            <a:off x="504000" y="1769040"/>
-            <a:ext cx="9071280" cy="4384080"/>
+            <a:off x="503640" y="1769400"/>
+            <a:ext cx="9067320" cy="4385160"/>
           </a:xfrm>
           <a:prstGeom prst="rect">
             <a:avLst/>
@@ -4122,8 +4090,8 @@
         </p:nvSpPr>
         <p:spPr>
           <a:xfrm>
-            <a:off x="822960" y="1828800"/>
-            <a:ext cx="5028840" cy="4205880"/>
+            <a:off x="822600" y="1829160"/>
+            <a:ext cx="5026680" cy="4206960"/>
           </a:xfrm>
           <a:prstGeom prst="rect">
             <a:avLst/>
@@ -4152,8 +4120,8 @@
         </p:nvSpPr>
         <p:spPr>
           <a:xfrm>
-            <a:off x="2589480" y="2651760"/>
-            <a:ext cx="1188360" cy="548280"/>
+            <a:off x="2588400" y="2652480"/>
+            <a:ext cx="1187640" cy="548280"/>
           </a:xfrm>
           <a:prstGeom prst="rect">
             <a:avLst/>
@@ -4198,7 +4166,7 @@
             </a:r>
             <a:endParaRPr b="0" lang="en-US" sz="1800" spc="-1" strike="noStrike">
               <a:solidFill>
-                <a:srgbClr val="000000"/>
+                <a:srgbClr val="ffffff"/>
               </a:solidFill>
               <a:uFill>
                 <a:solidFill>
@@ -4218,8 +4186,8 @@
         </p:nvSpPr>
         <p:spPr>
           <a:xfrm>
-            <a:off x="1280160" y="3931920"/>
-            <a:ext cx="3840120" cy="1737000"/>
+            <a:off x="1279440" y="3933000"/>
+            <a:ext cx="3838320" cy="1737360"/>
           </a:xfrm>
           <a:prstGeom prst="rect">
             <a:avLst/>
@@ -4264,7 +4232,7 @@
             </a:r>
             <a:endParaRPr b="0" lang="en-US" sz="1800" spc="-1" strike="noStrike">
               <a:solidFill>
-                <a:srgbClr val="000000"/>
+                <a:srgbClr val="ffffff"/>
               </a:solidFill>
               <a:uFill>
                 <a:solidFill>
@@ -4297,7 +4265,7 @@
             </a:r>
             <a:endParaRPr b="0" lang="en-US" sz="1800" spc="-1" strike="noStrike">
               <a:solidFill>
-                <a:srgbClr val="000000"/>
+                <a:srgbClr val="ffffff"/>
               </a:solidFill>
               <a:uFill>
                 <a:solidFill>
@@ -4317,8 +4285,8 @@
         </p:nvSpPr>
         <p:spPr>
           <a:xfrm>
-            <a:off x="1097280" y="2286000"/>
-            <a:ext cx="1371240" cy="1371240"/>
+            <a:off x="1096560" y="2286720"/>
+            <a:ext cx="1370520" cy="1371240"/>
           </a:xfrm>
           <a:custGeom>
             <a:avLst/>
@@ -4386,7 +4354,7 @@
             </a:r>
             <a:endParaRPr b="0" lang="en-US" sz="1800" spc="-1" strike="noStrike">
               <a:solidFill>
-                <a:srgbClr val="000000"/>
+                <a:srgbClr val="ffffff"/>
               </a:solidFill>
               <a:uFill>
                 <a:solidFill>
@@ -4406,8 +4374,8 @@
         </p:nvSpPr>
         <p:spPr>
           <a:xfrm>
-            <a:off x="2194560" y="5486400"/>
-            <a:ext cx="1737000" cy="548280"/>
+            <a:off x="2193480" y="5488200"/>
+            <a:ext cx="1735920" cy="548280"/>
           </a:xfrm>
           <a:prstGeom prst="rect">
             <a:avLst/>
@@ -4452,7 +4420,7 @@
             </a:r>
             <a:endParaRPr b="0" lang="en-US" sz="1800" spc="-1" strike="noStrike">
               <a:solidFill>
-                <a:srgbClr val="000000"/>
+                <a:srgbClr val="ffffff"/>
               </a:solidFill>
               <a:uFill>
                 <a:solidFill>
@@ -4472,8 +4440,8 @@
         </p:nvSpPr>
         <p:spPr>
           <a:xfrm>
-            <a:off x="6949440" y="5394960"/>
-            <a:ext cx="1737000" cy="548280"/>
+            <a:off x="6946560" y="5396400"/>
+            <a:ext cx="1735920" cy="548280"/>
           </a:xfrm>
           <a:prstGeom prst="rect">
             <a:avLst/>
@@ -4518,7 +4486,7 @@
             </a:r>
             <a:endParaRPr b="0" lang="en-US" sz="1800" spc="-1" strike="noStrike">
               <a:solidFill>
-                <a:srgbClr val="000000"/>
+                <a:srgbClr val="ffffff"/>
               </a:solidFill>
               <a:uFill>
                 <a:solidFill>
@@ -4538,8 +4506,8 @@
         </p:nvSpPr>
         <p:spPr>
           <a:xfrm>
-            <a:off x="3183840" y="3200400"/>
-            <a:ext cx="16560" cy="731520"/>
+            <a:off x="3182400" y="3201120"/>
+            <a:ext cx="16200" cy="731520"/>
           </a:xfrm>
           <a:custGeom>
             <a:avLst/>
@@ -4581,8 +4549,8 @@
         </p:nvSpPr>
         <p:spPr>
           <a:xfrm>
-            <a:off x="4206240" y="6217920"/>
-            <a:ext cx="2559960" cy="1005480"/>
+            <a:off x="4204440" y="6219720"/>
+            <a:ext cx="2558520" cy="1005480"/>
           </a:xfrm>
           <a:prstGeom prst="rect">
             <a:avLst/>
@@ -4627,7 +4595,7 @@
             </a:r>
             <a:endParaRPr b="0" lang="en-US" sz="1800" spc="-1" strike="noStrike">
               <a:solidFill>
-                <a:srgbClr val="000000"/>
+                <a:srgbClr val="ffffff"/>
               </a:solidFill>
               <a:uFill>
                 <a:solidFill>
@@ -4647,8 +4615,8 @@
         </p:nvSpPr>
         <p:spPr>
           <a:xfrm>
-            <a:off x="6858000" y="3657600"/>
-            <a:ext cx="1737000" cy="822600"/>
+            <a:off x="6855120" y="3658680"/>
+            <a:ext cx="1735920" cy="822600"/>
           </a:xfrm>
           <a:prstGeom prst="rect">
             <a:avLst/>
@@ -4693,7 +4661,7 @@
             </a:r>
             <a:endParaRPr b="0" lang="en-US" sz="1800" spc="-1" strike="noStrike">
               <a:solidFill>
-                <a:srgbClr val="000000"/>
+                <a:srgbClr val="ffffff"/>
               </a:solidFill>
               <a:uFill>
                 <a:solidFill>
@@ -4713,8 +4681,8 @@
         </p:nvSpPr>
         <p:spPr>
           <a:xfrm>
-            <a:off x="4937760" y="1371600"/>
-            <a:ext cx="3657240" cy="1279800"/>
+            <a:off x="4935600" y="1371960"/>
+            <a:ext cx="3655440" cy="1279800"/>
           </a:xfrm>
           <a:prstGeom prst="cloudCallout">
             <a:avLst>
@@ -4777,7 +4745,7 @@
             </a:r>
             <a:endParaRPr b="0" lang="en-US" sz="1800" spc="-1" strike="noStrike">
               <a:solidFill>
-                <a:srgbClr val="000000"/>
+                <a:srgbClr val="ffffff"/>
               </a:solidFill>
               <a:uFill>
                 <a:solidFill>
@@ -4797,8 +4765,8 @@
         </p:nvSpPr>
         <p:spPr>
           <a:xfrm flipV="1">
-            <a:off x="5120640" y="4069080"/>
-            <a:ext cx="1737360" cy="731520"/>
+            <a:off x="5118480" y="4069800"/>
+            <a:ext cx="1736280" cy="731520"/>
           </a:xfrm>
           <a:custGeom>
             <a:avLst/>
@@ -4840,8 +4808,8 @@
         </p:nvSpPr>
         <p:spPr>
           <a:xfrm flipH="1">
-            <a:off x="5669280" y="4480560"/>
-            <a:ext cx="2011680" cy="1737360"/>
+            <a:off x="5666760" y="4482000"/>
+            <a:ext cx="2010960" cy="1738080"/>
           </a:xfrm>
           <a:prstGeom prst="line">
             <a:avLst/>
@@ -4917,8 +4885,8 @@
         </p:nvSpPr>
         <p:spPr>
           <a:xfrm>
-            <a:off x="504000" y="301320"/>
-            <a:ext cx="9071280" cy="1261800"/>
+            <a:off x="503640" y="301320"/>
+            <a:ext cx="9067320" cy="1261800"/>
           </a:xfrm>
           <a:prstGeom prst="rect">
             <a:avLst/>
@@ -4953,12 +4921,13 @@
                   </a:solidFill>
                 </a:uFill>
                 <a:latin typeface="Arial"/>
+                <a:ea typeface="DejaVu Sans"/>
               </a:rPr>
               <a:t>Active Contours based Drowning Detection System</a:t>
             </a:r>
             <a:endParaRPr b="0" lang="en-US" sz="1800" spc="-1" strike="noStrike">
               <a:solidFill>
-                <a:srgbClr val="000000"/>
+                <a:srgbClr val="ffffff"/>
               </a:solidFill>
               <a:uFill>
                 <a:solidFill>
@@ -4978,8 +4947,8 @@
         </p:nvSpPr>
         <p:spPr>
           <a:xfrm>
-            <a:off x="2103120" y="3200400"/>
-            <a:ext cx="5394600" cy="1462680"/>
+            <a:off x="2102040" y="3201120"/>
+            <a:ext cx="5392080" cy="1462680"/>
           </a:xfrm>
           <a:prstGeom prst="rect">
             <a:avLst/>
@@ -5008,8 +4977,8 @@
         </p:nvSpPr>
         <p:spPr>
           <a:xfrm>
-            <a:off x="3840480" y="2377440"/>
-            <a:ext cx="2194200" cy="456840"/>
+            <a:off x="3838680" y="2378160"/>
+            <a:ext cx="2193120" cy="456480"/>
           </a:xfrm>
           <a:prstGeom prst="rect">
             <a:avLst/>
@@ -5054,7 +5023,7 @@
             </a:r>
             <a:endParaRPr b="0" lang="en-US" sz="1800" spc="-1" strike="noStrike">
               <a:solidFill>
-                <a:srgbClr val="000000"/>
+                <a:srgbClr val="ffffff"/>
               </a:solidFill>
               <a:uFill>
                 <a:solidFill>
@@ -5074,8 +5043,8 @@
         </p:nvSpPr>
         <p:spPr>
           <a:xfrm>
-            <a:off x="3787920" y="1654560"/>
-            <a:ext cx="2194200" cy="456840"/>
+            <a:off x="3786120" y="1654920"/>
+            <a:ext cx="2193120" cy="456480"/>
           </a:xfrm>
           <a:prstGeom prst="rect">
             <a:avLst/>
@@ -5120,7 +5089,7 @@
             </a:r>
             <a:endParaRPr b="0" lang="en-US" sz="1800" spc="-1" strike="noStrike">
               <a:solidFill>
-                <a:srgbClr val="000000"/>
+                <a:srgbClr val="ffffff"/>
               </a:solidFill>
               <a:uFill>
                 <a:solidFill>
@@ -5140,7 +5109,7 @@
         </p:nvSpPr>
         <p:spPr>
           <a:xfrm>
-            <a:off x="4846320" y="2111760"/>
+            <a:off x="4844160" y="2112120"/>
             <a:ext cx="360" cy="265680"/>
           </a:xfrm>
           <a:prstGeom prst="line">
@@ -5168,8 +5137,8 @@
         </p:nvSpPr>
         <p:spPr>
           <a:xfrm>
-            <a:off x="2326320" y="3450960"/>
-            <a:ext cx="2426760" cy="456840"/>
+            <a:off x="2325240" y="3452040"/>
+            <a:ext cx="2425320" cy="456480"/>
           </a:xfrm>
           <a:prstGeom prst="rect">
             <a:avLst/>
@@ -5214,7 +5183,7 @@
             </a:r>
             <a:endParaRPr b="0" lang="en-US" sz="1800" spc="-1" strike="noStrike">
               <a:solidFill>
-                <a:srgbClr val="000000"/>
+                <a:srgbClr val="ffffff"/>
               </a:solidFill>
               <a:uFill>
                 <a:solidFill>
@@ -5247,7 +5216,7 @@
             </a:r>
             <a:endParaRPr b="0" lang="en-US" sz="1800" spc="-1" strike="noStrike">
               <a:solidFill>
-                <a:srgbClr val="000000"/>
+                <a:srgbClr val="ffffff"/>
               </a:solidFill>
               <a:uFill>
                 <a:solidFill>
@@ -5267,8 +5236,8 @@
         </p:nvSpPr>
         <p:spPr>
           <a:xfrm>
-            <a:off x="4897440" y="3456000"/>
-            <a:ext cx="2194200" cy="456840"/>
+            <a:off x="4895280" y="3457080"/>
+            <a:ext cx="2193120" cy="456480"/>
           </a:xfrm>
           <a:prstGeom prst="rect">
             <a:avLst/>
@@ -5313,7 +5282,7 @@
             </a:r>
             <a:endParaRPr b="0" lang="en-US" sz="1800" spc="-1" strike="noStrike">
               <a:solidFill>
-                <a:srgbClr val="000000"/>
+                <a:srgbClr val="ffffff"/>
               </a:solidFill>
               <a:uFill>
                 <a:solidFill>
@@ -5346,7 +5315,7 @@
             </a:r>
             <a:endParaRPr b="0" lang="en-US" sz="1800" spc="-1" strike="noStrike">
               <a:solidFill>
-                <a:srgbClr val="000000"/>
+                <a:srgbClr val="ffffff"/>
               </a:solidFill>
               <a:uFill>
                 <a:solidFill>
@@ -5366,8 +5335,8 @@
         </p:nvSpPr>
         <p:spPr>
           <a:xfrm>
-            <a:off x="2329200" y="4010400"/>
-            <a:ext cx="2465640" cy="456840"/>
+            <a:off x="2328120" y="4011480"/>
+            <a:ext cx="2464200" cy="456480"/>
           </a:xfrm>
           <a:prstGeom prst="rect">
             <a:avLst/>
@@ -5412,7 +5381,7 @@
             </a:r>
             <a:endParaRPr b="0" lang="en-US" sz="1800" spc="-1" strike="noStrike">
               <a:solidFill>
-                <a:srgbClr val="000000"/>
+                <a:srgbClr val="ffffff"/>
               </a:solidFill>
               <a:uFill>
                 <a:solidFill>
@@ -5460,7 +5429,7 @@
             </a:r>
             <a:endParaRPr b="0" lang="en-US" sz="1800" spc="-1" strike="noStrike">
               <a:solidFill>
-                <a:srgbClr val="000000"/>
+                <a:srgbClr val="ffffff"/>
               </a:solidFill>
               <a:uFill>
                 <a:solidFill>
@@ -5480,8 +5449,8 @@
         </p:nvSpPr>
         <p:spPr>
           <a:xfrm>
-            <a:off x="4849200" y="4023360"/>
-            <a:ext cx="2465640" cy="456840"/>
+            <a:off x="4847040" y="4024440"/>
+            <a:ext cx="2464200" cy="456480"/>
           </a:xfrm>
           <a:prstGeom prst="rect">
             <a:avLst/>
@@ -5526,7 +5495,7 @@
             </a:r>
             <a:endParaRPr b="0" lang="en-US" sz="1800" spc="-1" strike="noStrike">
               <a:solidFill>
-                <a:srgbClr val="000000"/>
+                <a:srgbClr val="ffffff"/>
               </a:solidFill>
               <a:uFill>
                 <a:solidFill>
@@ -5559,7 +5528,7 @@
             </a:r>
             <a:endParaRPr b="0" lang="en-US" sz="1800" spc="-1" strike="noStrike">
               <a:solidFill>
-                <a:srgbClr val="000000"/>
+                <a:srgbClr val="ffffff"/>
               </a:solidFill>
               <a:uFill>
                 <a:solidFill>
@@ -5579,7 +5548,7 @@
         </p:nvSpPr>
         <p:spPr>
           <a:xfrm>
-            <a:off x="4846320" y="2834640"/>
+            <a:off x="4844160" y="2835360"/>
             <a:ext cx="360" cy="365760"/>
           </a:xfrm>
           <a:prstGeom prst="line">
@@ -5607,8 +5576,8 @@
         </p:nvSpPr>
         <p:spPr>
           <a:xfrm>
-            <a:off x="2103120" y="5000400"/>
-            <a:ext cx="5394600" cy="1462680"/>
+            <a:off x="2102040" y="5001840"/>
+            <a:ext cx="5392080" cy="1462680"/>
           </a:xfrm>
           <a:prstGeom prst="rect">
             <a:avLst/>
@@ -5637,8 +5606,8 @@
         </p:nvSpPr>
         <p:spPr>
           <a:xfrm>
-            <a:off x="4855680" y="5104800"/>
-            <a:ext cx="2465640" cy="456840"/>
+            <a:off x="4853520" y="5106240"/>
+            <a:ext cx="2464200" cy="456480"/>
           </a:xfrm>
           <a:prstGeom prst="rect">
             <a:avLst/>
@@ -5683,7 +5652,7 @@
             </a:r>
             <a:endParaRPr b="0" lang="en-US" sz="1800" spc="-1" strike="noStrike">
               <a:solidFill>
-                <a:srgbClr val="000000"/>
+                <a:srgbClr val="ffffff"/>
               </a:solidFill>
               <a:uFill>
                 <a:solidFill>
@@ -5703,8 +5672,8 @@
         </p:nvSpPr>
         <p:spPr>
           <a:xfrm>
-            <a:off x="2352240" y="5195520"/>
-            <a:ext cx="2194200" cy="456840"/>
+            <a:off x="2351160" y="5196960"/>
+            <a:ext cx="2193120" cy="456480"/>
           </a:xfrm>
           <a:prstGeom prst="rect">
             <a:avLst/>
@@ -5749,7 +5718,7 @@
             </a:r>
             <a:endParaRPr b="0" lang="en-US" sz="1800" spc="-1" strike="noStrike">
               <a:solidFill>
-                <a:srgbClr val="000000"/>
+                <a:srgbClr val="ffffff"/>
               </a:solidFill>
               <a:uFill>
                 <a:solidFill>
@@ -5782,7 +5751,7 @@
             </a:r>
             <a:endParaRPr b="0" lang="en-US" sz="1800" spc="-1" strike="noStrike">
               <a:solidFill>
-                <a:srgbClr val="000000"/>
+                <a:srgbClr val="ffffff"/>
               </a:solidFill>
               <a:uFill>
                 <a:solidFill>
@@ -5802,8 +5771,8 @@
         </p:nvSpPr>
         <p:spPr>
           <a:xfrm>
-            <a:off x="2337840" y="5824800"/>
-            <a:ext cx="2194200" cy="456840"/>
+            <a:off x="2336760" y="5826600"/>
+            <a:ext cx="2193120" cy="456480"/>
           </a:xfrm>
           <a:prstGeom prst="rect">
             <a:avLst/>
@@ -5848,7 +5817,7 @@
             </a:r>
             <a:endParaRPr b="0" lang="en-US" sz="1800" spc="-1" strike="noStrike">
               <a:solidFill>
-                <a:srgbClr val="000000"/>
+                <a:srgbClr val="ffffff"/>
               </a:solidFill>
               <a:uFill>
                 <a:solidFill>
@@ -5896,7 +5865,7 @@
             </a:r>
             <a:endParaRPr b="0" lang="en-US" sz="1800" spc="-1" strike="noStrike">
               <a:solidFill>
-                <a:srgbClr val="000000"/>
+                <a:srgbClr val="ffffff"/>
               </a:solidFill>
               <a:uFill>
                 <a:solidFill>
@@ -5916,8 +5885,8 @@
         </p:nvSpPr>
         <p:spPr>
           <a:xfrm>
-            <a:off x="4857840" y="5824800"/>
-            <a:ext cx="2194200" cy="456840"/>
+            <a:off x="4855680" y="5826600"/>
+            <a:ext cx="2193120" cy="456480"/>
           </a:xfrm>
           <a:prstGeom prst="rect">
             <a:avLst/>
@@ -5962,7 +5931,7 @@
             </a:r>
             <a:endParaRPr b="0" lang="en-US" sz="1800" spc="-1" strike="noStrike">
               <a:solidFill>
-                <a:srgbClr val="000000"/>
+                <a:srgbClr val="ffffff"/>
               </a:solidFill>
               <a:uFill>
                 <a:solidFill>
@@ -5995,7 +5964,7 @@
             </a:r>
             <a:endParaRPr b="0" lang="en-US" sz="1800" spc="-1" strike="noStrike">
               <a:solidFill>
-                <a:srgbClr val="000000"/>
+                <a:srgbClr val="ffffff"/>
               </a:solidFill>
               <a:uFill>
                 <a:solidFill>
@@ -6015,7 +5984,7 @@
         </p:nvSpPr>
         <p:spPr>
           <a:xfrm>
-            <a:off x="4846320" y="4663440"/>
+            <a:off x="4844160" y="4664880"/>
             <a:ext cx="9360" cy="336960"/>
           </a:xfrm>
           <a:prstGeom prst="line">
@@ -6043,8 +6012,8 @@
         </p:nvSpPr>
         <p:spPr>
           <a:xfrm>
-            <a:off x="7680960" y="3657600"/>
-            <a:ext cx="2011320" cy="456840"/>
+            <a:off x="7677720" y="3658680"/>
+            <a:ext cx="2010240" cy="456480"/>
           </a:xfrm>
           <a:prstGeom prst="rect">
             <a:avLst/>
@@ -6089,7 +6058,7 @@
             </a:r>
             <a:endParaRPr b="0" lang="en-US" sz="1800" spc="-1" strike="noStrike">
               <a:solidFill>
-                <a:srgbClr val="000000"/>
+                <a:srgbClr val="ffffff"/>
               </a:solidFill>
               <a:uFill>
                 <a:solidFill>
@@ -6109,8 +6078,8 @@
         </p:nvSpPr>
         <p:spPr>
           <a:xfrm>
-            <a:off x="7680960" y="5457600"/>
-            <a:ext cx="2011320" cy="456840"/>
+            <a:off x="7677720" y="5459400"/>
+            <a:ext cx="2010240" cy="456480"/>
           </a:xfrm>
           <a:prstGeom prst="rect">
             <a:avLst/>
@@ -6155,7 +6124,7 @@
             </a:r>
             <a:endParaRPr b="0" lang="en-US" sz="1800" spc="-1" strike="noStrike">
               <a:solidFill>
-                <a:srgbClr val="000000"/>
+                <a:srgbClr val="ffffff"/>
               </a:solidFill>
               <a:uFill>
                 <a:solidFill>
@@ -6175,8 +6144,8 @@
         </p:nvSpPr>
         <p:spPr>
           <a:xfrm>
-            <a:off x="3720960" y="6753600"/>
-            <a:ext cx="2011320" cy="456840"/>
+            <a:off x="3719160" y="6755760"/>
+            <a:ext cx="2010240" cy="456480"/>
           </a:xfrm>
           <a:prstGeom prst="rect">
             <a:avLst/>
@@ -6221,7 +6190,7 @@
             </a:r>
             <a:endParaRPr b="0" lang="en-US" sz="1800" spc="-1" strike="noStrike">
               <a:solidFill>
-                <a:srgbClr val="000000"/>
+                <a:srgbClr val="ffffff"/>
               </a:solidFill>
               <a:uFill>
                 <a:solidFill>
@@ -6241,7 +6210,7 @@
         </p:nvSpPr>
         <p:spPr>
           <a:xfrm>
-            <a:off x="4846320" y="6463440"/>
+            <a:off x="4844160" y="6465240"/>
             <a:ext cx="360" cy="290160"/>
           </a:xfrm>
           <a:prstGeom prst="line">
@@ -6322,8 +6291,8 @@
         </p:blipFill>
         <p:spPr>
           <a:xfrm>
-            <a:off x="7876440" y="1741320"/>
-            <a:ext cx="1714320" cy="2114280"/>
+            <a:off x="7873200" y="1741680"/>
+            <a:ext cx="1713240" cy="2114640"/>
           </a:xfrm>
           <a:prstGeom prst="rect">
             <a:avLst/>
@@ -6335,14 +6304,14 @@
       </p:pic>
       <p:sp>
         <p:nvSpPr>
-          <p:cNvPr id="110" name="TextShape 1"/>
-          <p:cNvSpPr txBox="1"/>
+          <p:cNvPr id="110" name="CustomShape 1"/>
+          <p:cNvSpPr/>
           <p:nvPr/>
         </p:nvSpPr>
         <p:spPr>
           <a:xfrm>
-            <a:off x="365760" y="-60120"/>
-            <a:ext cx="5997960" cy="7769160"/>
+            <a:off x="365400" y="-60120"/>
+            <a:ext cx="5995080" cy="7771320"/>
           </a:xfrm>
           <a:prstGeom prst="rect">
             <a:avLst/>
@@ -6352,6 +6321,12 @@
             <a:noFill/>
           </a:ln>
         </p:spPr>
+        <p:style>
+          <a:lnRef idx="0"/>
+          <a:fillRef idx="0"/>
+          <a:effectRef idx="0"/>
+          <a:fontRef idx="minor"/>
+        </p:style>
         <p:txBody>
           <a:bodyPr lIns="90000" rIns="90000" tIns="45000" bIns="45000"/>
           <a:p>
@@ -6371,7 +6346,7 @@
             </a:r>
             <a:endParaRPr b="0" lang="en-US" sz="1800" spc="-1" strike="noStrike">
               <a:solidFill>
-                <a:srgbClr val="000000"/>
+                <a:srgbClr val="ffffff"/>
               </a:solidFill>
               <a:uFill>
                 <a:solidFill>
@@ -6398,7 +6373,7 @@
             </a:r>
             <a:endParaRPr b="0" lang="en-US" sz="1800" spc="-1" strike="noStrike">
               <a:solidFill>
-                <a:srgbClr val="000000"/>
+                <a:srgbClr val="ffffff"/>
               </a:solidFill>
               <a:uFill>
                 <a:solidFill>
@@ -6425,7 +6400,7 @@
             </a:r>
             <a:endParaRPr b="0" lang="en-US" sz="1800" spc="-1" strike="noStrike">
               <a:solidFill>
-                <a:srgbClr val="000000"/>
+                <a:srgbClr val="ffffff"/>
               </a:solidFill>
               <a:uFill>
                 <a:solidFill>
@@ -6452,7 +6427,7 @@
             </a:r>
             <a:endParaRPr b="0" lang="en-US" sz="1800" spc="-1" strike="noStrike">
               <a:solidFill>
-                <a:srgbClr val="000000"/>
+                <a:srgbClr val="ffffff"/>
               </a:solidFill>
               <a:uFill>
                 <a:solidFill>
@@ -6479,7 +6454,7 @@
             </a:r>
             <a:endParaRPr b="0" lang="en-US" sz="1800" spc="-1" strike="noStrike">
               <a:solidFill>
-                <a:srgbClr val="000000"/>
+                <a:srgbClr val="ffffff"/>
               </a:solidFill>
               <a:uFill>
                 <a:solidFill>
@@ -6506,7 +6481,7 @@
             </a:r>
             <a:endParaRPr b="0" lang="en-US" sz="1800" spc="-1" strike="noStrike">
               <a:solidFill>
-                <a:srgbClr val="000000"/>
+                <a:srgbClr val="ffffff"/>
               </a:solidFill>
               <a:uFill>
                 <a:solidFill>
@@ -6533,7 +6508,7 @@
             </a:r>
             <a:endParaRPr b="0" lang="en-US" sz="1800" spc="-1" strike="noStrike">
               <a:solidFill>
-                <a:srgbClr val="000000"/>
+                <a:srgbClr val="ffffff"/>
               </a:solidFill>
               <a:uFill>
                 <a:solidFill>
@@ -6560,7 +6535,7 @@
             </a:r>
             <a:endParaRPr b="0" lang="en-US" sz="1800" spc="-1" strike="noStrike">
               <a:solidFill>
-                <a:srgbClr val="000000"/>
+                <a:srgbClr val="ffffff"/>
               </a:solidFill>
               <a:uFill>
                 <a:solidFill>
@@ -6587,7 +6562,7 @@
             </a:r>
             <a:endParaRPr b="0" lang="en-US" sz="1800" spc="-1" strike="noStrike">
               <a:solidFill>
-                <a:srgbClr val="000000"/>
+                <a:srgbClr val="ffffff"/>
               </a:solidFill>
               <a:uFill>
                 <a:solidFill>
@@ -6614,7 +6589,7 @@
             </a:r>
             <a:endParaRPr b="0" lang="en-US" sz="1800" spc="-1" strike="noStrike">
               <a:solidFill>
-                <a:srgbClr val="000000"/>
+                <a:srgbClr val="ffffff"/>
               </a:solidFill>
               <a:uFill>
                 <a:solidFill>
@@ -6641,7 +6616,7 @@
             </a:r>
             <a:endParaRPr b="0" lang="en-US" sz="1800" spc="-1" strike="noStrike">
               <a:solidFill>
-                <a:srgbClr val="000000"/>
+                <a:srgbClr val="ffffff"/>
               </a:solidFill>
               <a:uFill>
                 <a:solidFill>
@@ -6668,7 +6643,7 @@
             </a:r>
             <a:endParaRPr b="0" lang="en-US" sz="1800" spc="-1" strike="noStrike">
               <a:solidFill>
-                <a:srgbClr val="000000"/>
+                <a:srgbClr val="ffffff"/>
               </a:solidFill>
               <a:uFill>
                 <a:solidFill>
@@ -6695,7 +6670,7 @@
             </a:r>
             <a:endParaRPr b="0" lang="en-US" sz="1800" spc="-1" strike="noStrike">
               <a:solidFill>
-                <a:srgbClr val="000000"/>
+                <a:srgbClr val="ffffff"/>
               </a:solidFill>
               <a:uFill>
                 <a:solidFill>
@@ -6722,7 +6697,7 @@
             </a:r>
             <a:endParaRPr b="0" lang="en-US" sz="1800" spc="-1" strike="noStrike">
               <a:solidFill>
-                <a:srgbClr val="000000"/>
+                <a:srgbClr val="ffffff"/>
               </a:solidFill>
               <a:uFill>
                 <a:solidFill>
@@ -6749,7 +6724,7 @@
             </a:r>
             <a:endParaRPr b="0" lang="en-US" sz="1800" spc="-1" strike="noStrike">
               <a:solidFill>
-                <a:srgbClr val="000000"/>
+                <a:srgbClr val="ffffff"/>
               </a:solidFill>
               <a:uFill>
                 <a:solidFill>
@@ -6776,7 +6751,7 @@
             </a:r>
             <a:endParaRPr b="0" lang="en-US" sz="1800" spc="-1" strike="noStrike">
               <a:solidFill>
-                <a:srgbClr val="000000"/>
+                <a:srgbClr val="ffffff"/>
               </a:solidFill>
               <a:uFill>
                 <a:solidFill>
@@ -6803,7 +6778,7 @@
             </a:r>
             <a:endParaRPr b="0" lang="en-US" sz="1800" spc="-1" strike="noStrike">
               <a:solidFill>
-                <a:srgbClr val="000000"/>
+                <a:srgbClr val="ffffff"/>
               </a:solidFill>
               <a:uFill>
                 <a:solidFill>
@@ -6830,7 +6805,7 @@
             </a:r>
             <a:endParaRPr b="0" lang="en-US" sz="1800" spc="-1" strike="noStrike">
               <a:solidFill>
-                <a:srgbClr val="000000"/>
+                <a:srgbClr val="ffffff"/>
               </a:solidFill>
               <a:uFill>
                 <a:solidFill>
@@ -6857,7 +6832,7 @@
             </a:r>
             <a:endParaRPr b="0" lang="en-US" sz="1800" spc="-1" strike="noStrike">
               <a:solidFill>
-                <a:srgbClr val="000000"/>
+                <a:srgbClr val="ffffff"/>
               </a:solidFill>
               <a:uFill>
                 <a:solidFill>
@@ -6884,7 +6859,7 @@
             </a:r>
             <a:endParaRPr b="0" lang="en-US" sz="1800" spc="-1" strike="noStrike">
               <a:solidFill>
-                <a:srgbClr val="000000"/>
+                <a:srgbClr val="ffffff"/>
               </a:solidFill>
               <a:uFill>
                 <a:solidFill>
@@ -6911,7 +6886,7 @@
             </a:r>
             <a:endParaRPr b="0" lang="en-US" sz="1800" spc="-1" strike="noStrike">
               <a:solidFill>
-                <a:srgbClr val="000000"/>
+                <a:srgbClr val="ffffff"/>
               </a:solidFill>
               <a:uFill>
                 <a:solidFill>
@@ -6938,7 +6913,7 @@
             </a:r>
             <a:endParaRPr b="0" lang="en-US" sz="1800" spc="-1" strike="noStrike">
               <a:solidFill>
-                <a:srgbClr val="000000"/>
+                <a:srgbClr val="ffffff"/>
               </a:solidFill>
               <a:uFill>
                 <a:solidFill>
@@ -6965,7 +6940,7 @@
             </a:r>
             <a:endParaRPr b="0" lang="en-US" sz="1800" spc="-1" strike="noStrike">
               <a:solidFill>
-                <a:srgbClr val="000000"/>
+                <a:srgbClr val="ffffff"/>
               </a:solidFill>
               <a:uFill>
                 <a:solidFill>
@@ -6992,7 +6967,7 @@
             </a:r>
             <a:endParaRPr b="0" lang="en-US" sz="1800" spc="-1" strike="noStrike">
               <a:solidFill>
-                <a:srgbClr val="000000"/>
+                <a:srgbClr val="ffffff"/>
               </a:solidFill>
               <a:uFill>
                 <a:solidFill>
@@ -7019,7 +6994,7 @@
             </a:r>
             <a:endParaRPr b="0" lang="en-US" sz="1800" spc="-1" strike="noStrike">
               <a:solidFill>
-                <a:srgbClr val="000000"/>
+                <a:srgbClr val="ffffff"/>
               </a:solidFill>
               <a:uFill>
                 <a:solidFill>
@@ -7046,7 +7021,7 @@
             </a:r>
             <a:endParaRPr b="0" lang="en-US" sz="1800" spc="-1" strike="noStrike">
               <a:solidFill>
-                <a:srgbClr val="000000"/>
+                <a:srgbClr val="ffffff"/>
               </a:solidFill>
               <a:uFill>
                 <a:solidFill>
@@ -7073,7 +7048,7 @@
             </a:r>
             <a:endParaRPr b="0" lang="en-US" sz="1800" spc="-1" strike="noStrike">
               <a:solidFill>
-                <a:srgbClr val="000000"/>
+                <a:srgbClr val="ffffff"/>
               </a:solidFill>
               <a:uFill>
                 <a:solidFill>
@@ -7100,7 +7075,7 @@
             </a:r>
             <a:endParaRPr b="0" lang="en-US" sz="1800" spc="-1" strike="noStrike">
               <a:solidFill>
-                <a:srgbClr val="000000"/>
+                <a:srgbClr val="ffffff"/>
               </a:solidFill>
               <a:uFill>
                 <a:solidFill>
@@ -7127,7 +7102,7 @@
             </a:r>
             <a:endParaRPr b="0" lang="en-US" sz="1800" spc="-1" strike="noStrike">
               <a:solidFill>
-                <a:srgbClr val="000000"/>
+                <a:srgbClr val="ffffff"/>
               </a:solidFill>
               <a:uFill>
                 <a:solidFill>
@@ -7154,7 +7129,7 @@
             </a:r>
             <a:endParaRPr b="0" lang="en-US" sz="1800" spc="-1" strike="noStrike">
               <a:solidFill>
-                <a:srgbClr val="000000"/>
+                <a:srgbClr val="ffffff"/>
               </a:solidFill>
               <a:uFill>
                 <a:solidFill>
